--- a/Data Mining presentation.pptx
+++ b/Data Mining presentation.pptx
@@ -117,6 +117,11 @@
       </a:defRPr>
     </a:lvl9pPr>
   </p:defaultTextStyle>
+  <p:extLst>
+    <p:ext uri="{EFAFB233-063F-42B5-8137-9DF3F51BA10A}">
+      <p15:sldGuideLst xmlns:p15="http://schemas.microsoft.com/office/powerpoint/2012/main"/>
+    </p:ext>
+  </p:extLst>
 </p:presentation>
 </file>
 
@@ -975,7 +980,7 @@
           <a:p>
             <a:fld id="{9184DA70-C731-4C70-880D-CCD4705E623C}" type="datetime1">
               <a:rPr lang="en-US" smtClean="0"/>
-              <a:t>4/17/2020</a:t>
+              <a:t>4/18/2020</a:t>
             </a:fld>
             <a:endParaRPr lang="en-US" dirty="0"/>
           </a:p>
@@ -1163,7 +1168,7 @@
           <a:p>
             <a:fld id="{B612A279-0833-481D-8C56-F67FD0AC6C50}" type="datetime1">
               <a:rPr lang="en-US" smtClean="0"/>
-              <a:t>4/17/2020</a:t>
+              <a:t>4/18/2020</a:t>
             </a:fld>
             <a:endParaRPr lang="en-US" dirty="0"/>
           </a:p>
@@ -1405,7 +1410,7 @@
           <a:p>
             <a:fld id="{6587DA83-5663-4C9C-B9AA-0B40A3DAFF81}" type="datetime1">
               <a:rPr lang="en-US" smtClean="0"/>
-              <a:t>4/17/2020</a:t>
+              <a:t>4/18/2020</a:t>
             </a:fld>
             <a:endParaRPr lang="en-US" dirty="0"/>
           </a:p>
@@ -1593,7 +1598,7 @@
           <a:p>
             <a:fld id="{4BE1D723-8F53-4F53-90B0-1982A396982E}" type="datetime1">
               <a:rPr lang="en-US" smtClean="0"/>
-              <a:t>4/17/2020</a:t>
+              <a:t>4/18/2020</a:t>
             </a:fld>
             <a:endParaRPr lang="en-US" dirty="0"/>
           </a:p>
@@ -1966,7 +1971,7 @@
           <a:p>
             <a:fld id="{97669AF7-7BEB-44E4-9852-375E34362B5B}" type="datetime1">
               <a:rPr lang="en-US" smtClean="0"/>
-              <a:t>4/17/2020</a:t>
+              <a:t>4/18/2020</a:t>
             </a:fld>
             <a:endParaRPr lang="en-US" dirty="0"/>
           </a:p>
@@ -2221,7 +2226,7 @@
           <a:p>
             <a:fld id="{BAAAC38D-0552-4C82-B593-E6124DFADBE2}" type="datetime1">
               <a:rPr lang="en-US" smtClean="0"/>
-              <a:t>4/17/2020</a:t>
+              <a:t>4/18/2020</a:t>
             </a:fld>
             <a:endParaRPr lang="en-US" dirty="0"/>
           </a:p>
@@ -2618,7 +2623,7 @@
           <a:p>
             <a:fld id="{D9DF0F1C-5577-4ACB-BB62-DF8F3C494C7E}" type="datetime1">
               <a:rPr lang="en-US" smtClean="0"/>
-              <a:t>4/17/2020</a:t>
+              <a:t>4/18/2020</a:t>
             </a:fld>
             <a:endParaRPr lang="en-US" dirty="0"/>
           </a:p>
@@ -2754,7 +2759,7 @@
           <a:p>
             <a:fld id="{1775B394-D9F9-4F0C-B15D-605F45CB9E9F}" type="datetime1">
               <a:rPr lang="en-US" smtClean="0"/>
-              <a:t>4/17/2020</a:t>
+              <a:t>4/18/2020</a:t>
             </a:fld>
             <a:endParaRPr lang="en-US" dirty="0"/>
           </a:p>
@@ -2911,7 +2916,7 @@
           <a:p>
             <a:fld id="{39667345-2558-425A-8533-9BFDBCE15005}" type="datetime1">
               <a:rPr lang="en-US" smtClean="0"/>
-              <a:t>4/17/2020</a:t>
+              <a:t>4/18/2020</a:t>
             </a:fld>
             <a:endParaRPr lang="en-US" dirty="0"/>
           </a:p>
@@ -3240,7 +3245,7 @@
           <a:p>
             <a:fld id="{92BEA474-078D-4E9B-9B14-09A87B19DC46}" type="datetime1">
               <a:rPr lang="en-US" smtClean="0"/>
-              <a:t>4/17/2020</a:t>
+              <a:t>4/18/2020</a:t>
             </a:fld>
             <a:endParaRPr lang="en-US" dirty="0"/>
           </a:p>
@@ -3590,7 +3595,7 @@
           <a:p>
             <a:fld id="{4907D986-8816-4272-A432-0437A28A9828}" type="datetime1">
               <a:rPr lang="en-US" smtClean="0"/>
-              <a:t>4/17/2020</a:t>
+              <a:t>4/18/2020</a:t>
             </a:fld>
             <a:endParaRPr lang="en-US" dirty="0"/>
           </a:p>
@@ -3851,7 +3856,7 @@
           <a:p>
             <a:fld id="{62D6E202-B606-4609-B914-27C9371A1F6D}" type="datetime1">
               <a:rPr lang="en-US" smtClean="0"/>
-              <a:t>4/17/2020</a:t>
+              <a:t>4/18/2020</a:t>
             </a:fld>
             <a:endParaRPr lang="en-US" dirty="0"/>
           </a:p>
@@ -5979,7 +5984,14 @@
                 <a:latin typeface="Arial" panose="020B0604020202020204" pitchFamily="34" charset="0"/>
                 <a:cs typeface="Arial" panose="020B0604020202020204" pitchFamily="34" charset="0"/>
               </a:rPr>
-              <a:t>(Library) – Victor Essien</a:t>
+              <a:t>(Library) – Victor Essien, Nour </a:t>
+            </a:r>
+            <a:r>
+              <a:rPr lang="en-GB" b="1" i="1">
+                <a:latin typeface="Arial" panose="020B0604020202020204" pitchFamily="34" charset="0"/>
+                <a:cs typeface="Arial" panose="020B0604020202020204" pitchFamily="34" charset="0"/>
+              </a:rPr>
+              <a:t>Aldin</a:t>
             </a:r>
             <a:endParaRPr lang="en-GB" b="1" dirty="0">
               <a:latin typeface="Arial" panose="020B0604020202020204" pitchFamily="34" charset="0"/>

--- a/Data Mining presentation.pptx
+++ b/Data Mining presentation.pptx
@@ -5459,7 +5459,28 @@
                 <a:latin typeface="Arial" panose="020B0604020202020204" pitchFamily="34" charset="0"/>
                 <a:cs typeface="Arial" panose="020B0604020202020204" pitchFamily="34" charset="0"/>
               </a:rPr>
-              <a:t>(Library) – Victor Essien</a:t>
+              <a:t>– Victor Essien, Nour </a:t>
+            </a:r>
+            <a:r>
+              <a:rPr lang="en-GB" b="1" i="1" dirty="0" err="1">
+                <a:latin typeface="Arial" panose="020B0604020202020204" pitchFamily="34" charset="0"/>
+                <a:cs typeface="Arial" panose="020B0604020202020204" pitchFamily="34" charset="0"/>
+              </a:rPr>
+              <a:t>Aldin</a:t>
+            </a:r>
+            <a:r>
+              <a:rPr lang="en-GB" b="1" i="1" dirty="0">
+                <a:latin typeface="Arial" panose="020B0604020202020204" pitchFamily="34" charset="0"/>
+                <a:cs typeface="Arial" panose="020B0604020202020204" pitchFamily="34" charset="0"/>
+              </a:rPr>
+              <a:t> </a:t>
+            </a:r>
+            <a:r>
+              <a:rPr lang="en-GB" b="1" i="1" dirty="0" err="1">
+                <a:latin typeface="Arial" panose="020B0604020202020204" pitchFamily="34" charset="0"/>
+                <a:cs typeface="Arial" panose="020B0604020202020204" pitchFamily="34" charset="0"/>
+              </a:rPr>
+              <a:t>Almubarak</a:t>
             </a:r>
             <a:endParaRPr lang="en-GB" b="1" dirty="0">
               <a:latin typeface="Arial" panose="020B0604020202020204" pitchFamily="34" charset="0"/>
@@ -5987,11 +6008,25 @@
               <a:t>(Library) – Victor Essien, Nour </a:t>
             </a:r>
             <a:r>
+              <a:rPr lang="en-GB" b="1" i="1" dirty="0" err="1">
+                <a:latin typeface="Arial" panose="020B0604020202020204" pitchFamily="34" charset="0"/>
+                <a:cs typeface="Arial" panose="020B0604020202020204" pitchFamily="34" charset="0"/>
+              </a:rPr>
+              <a:t>Aldin</a:t>
+            </a:r>
+            <a:r>
+              <a:rPr lang="en-GB" b="1" i="1" dirty="0">
+                <a:latin typeface="Arial" panose="020B0604020202020204" pitchFamily="34" charset="0"/>
+                <a:cs typeface="Arial" panose="020B0604020202020204" pitchFamily="34" charset="0"/>
+              </a:rPr>
+              <a:t> </a:t>
+            </a:r>
+            <a:r>
               <a:rPr lang="en-GB" b="1" i="1">
                 <a:latin typeface="Arial" panose="020B0604020202020204" pitchFamily="34" charset="0"/>
                 <a:cs typeface="Arial" panose="020B0604020202020204" pitchFamily="34" charset="0"/>
               </a:rPr>
-              <a:t>Aldin</a:t>
+              <a:t>Almubarak</a:t>
             </a:r>
             <a:endParaRPr lang="en-GB" b="1" dirty="0">
               <a:latin typeface="Arial" panose="020B0604020202020204" pitchFamily="34" charset="0"/>

--- a/Data Mining presentation.pptx
+++ b/Data Mining presentation.pptx
@@ -207,7 +207,7 @@
           <a:p>
             <a:fld id="{E1D76724-6684-4474-AC7D-B2BAA2DF309E}" type="datetimeFigureOut">
               <a:rPr lang="en-GB" smtClean="0"/>
-              <a:t>18/04/2020</a:t>
+              <a:t>05/05/2020</a:t>
             </a:fld>
             <a:endParaRPr lang="en-GB"/>
           </a:p>
@@ -980,7 +980,7 @@
           <a:p>
             <a:fld id="{9184DA70-C731-4C70-880D-CCD4705E623C}" type="datetime1">
               <a:rPr lang="en-US" smtClean="0"/>
-              <a:t>4/18/2020</a:t>
+              <a:t>5/5/2020</a:t>
             </a:fld>
             <a:endParaRPr lang="en-US" dirty="0"/>
           </a:p>
@@ -1168,7 +1168,7 @@
           <a:p>
             <a:fld id="{B612A279-0833-481D-8C56-F67FD0AC6C50}" type="datetime1">
               <a:rPr lang="en-US" smtClean="0"/>
-              <a:t>4/18/2020</a:t>
+              <a:t>5/5/2020</a:t>
             </a:fld>
             <a:endParaRPr lang="en-US" dirty="0"/>
           </a:p>
@@ -1410,7 +1410,7 @@
           <a:p>
             <a:fld id="{6587DA83-5663-4C9C-B9AA-0B40A3DAFF81}" type="datetime1">
               <a:rPr lang="en-US" smtClean="0"/>
-              <a:t>4/18/2020</a:t>
+              <a:t>5/5/2020</a:t>
             </a:fld>
             <a:endParaRPr lang="en-US" dirty="0"/>
           </a:p>
@@ -1598,7 +1598,7 @@
           <a:p>
             <a:fld id="{4BE1D723-8F53-4F53-90B0-1982A396982E}" type="datetime1">
               <a:rPr lang="en-US" smtClean="0"/>
-              <a:t>4/18/2020</a:t>
+              <a:t>5/5/2020</a:t>
             </a:fld>
             <a:endParaRPr lang="en-US" dirty="0"/>
           </a:p>
@@ -1971,7 +1971,7 @@
           <a:p>
             <a:fld id="{97669AF7-7BEB-44E4-9852-375E34362B5B}" type="datetime1">
               <a:rPr lang="en-US" smtClean="0"/>
-              <a:t>4/18/2020</a:t>
+              <a:t>5/5/2020</a:t>
             </a:fld>
             <a:endParaRPr lang="en-US" dirty="0"/>
           </a:p>
@@ -2226,7 +2226,7 @@
           <a:p>
             <a:fld id="{BAAAC38D-0552-4C82-B593-E6124DFADBE2}" type="datetime1">
               <a:rPr lang="en-US" smtClean="0"/>
-              <a:t>4/18/2020</a:t>
+              <a:t>5/5/2020</a:t>
             </a:fld>
             <a:endParaRPr lang="en-US" dirty="0"/>
           </a:p>
@@ -2623,7 +2623,7 @@
           <a:p>
             <a:fld id="{D9DF0F1C-5577-4ACB-BB62-DF8F3C494C7E}" type="datetime1">
               <a:rPr lang="en-US" smtClean="0"/>
-              <a:t>4/18/2020</a:t>
+              <a:t>5/5/2020</a:t>
             </a:fld>
             <a:endParaRPr lang="en-US" dirty="0"/>
           </a:p>
@@ -2759,7 +2759,7 @@
           <a:p>
             <a:fld id="{1775B394-D9F9-4F0C-B15D-605F45CB9E9F}" type="datetime1">
               <a:rPr lang="en-US" smtClean="0"/>
-              <a:t>4/18/2020</a:t>
+              <a:t>5/5/2020</a:t>
             </a:fld>
             <a:endParaRPr lang="en-US" dirty="0"/>
           </a:p>
@@ -2916,7 +2916,7 @@
           <a:p>
             <a:fld id="{39667345-2558-425A-8533-9BFDBCE15005}" type="datetime1">
               <a:rPr lang="en-US" smtClean="0"/>
-              <a:t>4/18/2020</a:t>
+              <a:t>5/5/2020</a:t>
             </a:fld>
             <a:endParaRPr lang="en-US" dirty="0"/>
           </a:p>
@@ -3245,7 +3245,7 @@
           <a:p>
             <a:fld id="{92BEA474-078D-4E9B-9B14-09A87B19DC46}" type="datetime1">
               <a:rPr lang="en-US" smtClean="0"/>
-              <a:t>4/18/2020</a:t>
+              <a:t>5/5/2020</a:t>
             </a:fld>
             <a:endParaRPr lang="en-US" dirty="0"/>
           </a:p>
@@ -3595,7 +3595,7 @@
           <a:p>
             <a:fld id="{4907D986-8816-4272-A432-0437A28A9828}" type="datetime1">
               <a:rPr lang="en-US" smtClean="0"/>
-              <a:t>4/18/2020</a:t>
+              <a:t>5/5/2020</a:t>
             </a:fld>
             <a:endParaRPr lang="en-US" dirty="0"/>
           </a:p>
@@ -3856,7 +3856,7 @@
           <a:p>
             <a:fld id="{62D6E202-B606-4609-B914-27C9371A1F6D}" type="datetime1">
               <a:rPr lang="en-US" smtClean="0"/>
-              <a:t>4/18/2020</a:t>
+              <a:t>5/5/2020</a:t>
             </a:fld>
             <a:endParaRPr lang="en-US" dirty="0"/>
           </a:p>
@@ -5896,15 +5896,378 @@
             <p:ph idx="1"/>
           </p:nvPr>
         </p:nvSpPr>
-        <p:spPr/>
-        <p:txBody>
-          <a:bodyPr/>
-          <a:lstStyle/>
-          <a:p>
-            <a:endParaRPr lang="en-GB"/>
-          </a:p>
-        </p:txBody>
-      </p:sp>
+        <p:spPr>
+          <a:xfrm>
+            <a:off x="1097280" y="2108201"/>
+            <a:ext cx="1033361" cy="377547"/>
+          </a:xfrm>
+        </p:spPr>
+        <p:txBody>
+          <a:bodyPr>
+            <a:normAutofit lnSpcReduction="10000"/>
+          </a:bodyPr>
+          <a:lstStyle/>
+          <a:p>
+            <a:r>
+              <a:rPr lang="en-GB" dirty="0"/>
+              <a:t>Rules</a:t>
+            </a:r>
+          </a:p>
+        </p:txBody>
+      </p:sp>
+      <p:pic>
+        <p:nvPicPr>
+          <p:cNvPr id="4" name="Picture 3">
+            <a:extLst>
+              <a:ext uri="{FF2B5EF4-FFF2-40B4-BE49-F238E27FC236}">
+                <a16:creationId xmlns:a16="http://schemas.microsoft.com/office/drawing/2014/main" id="{8C8164D3-FFA6-4BF4-AEC0-852691780794}"/>
+              </a:ext>
+            </a:extLst>
+          </p:cNvPr>
+          <p:cNvPicPr>
+            <a:picLocks noChangeAspect="1"/>
+          </p:cNvPicPr>
+          <p:nvPr/>
+        </p:nvPicPr>
+        <p:blipFill>
+          <a:blip r:embed="rId2"/>
+          <a:stretch>
+            <a:fillRect/>
+          </a:stretch>
+        </p:blipFill>
+        <p:spPr>
+          <a:xfrm>
+            <a:off x="1177179" y="2504164"/>
+            <a:ext cx="8401050" cy="704850"/>
+          </a:xfrm>
+          <a:prstGeom prst="rect">
+            <a:avLst/>
+          </a:prstGeom>
+        </p:spPr>
+      </p:pic>
+      <p:grpSp>
+        <p:nvGrpSpPr>
+          <p:cNvPr id="7" name="Group 6">
+            <a:extLst>
+              <a:ext uri="{FF2B5EF4-FFF2-40B4-BE49-F238E27FC236}">
+                <a16:creationId xmlns:a16="http://schemas.microsoft.com/office/drawing/2014/main" id="{9FCCC6C8-F5CA-494B-97D4-DF5EED3EFDAB}"/>
+              </a:ext>
+            </a:extLst>
+          </p:cNvPr>
+          <p:cNvGrpSpPr/>
+          <p:nvPr/>
+        </p:nvGrpSpPr>
+        <p:grpSpPr>
+          <a:xfrm>
+            <a:off x="1097280" y="3598271"/>
+            <a:ext cx="2708799" cy="1390979"/>
+            <a:chOff x="1097280" y="3598271"/>
+            <a:chExt cx="2708799" cy="1390979"/>
+          </a:xfrm>
+        </p:grpSpPr>
+        <p:pic>
+          <p:nvPicPr>
+            <p:cNvPr id="5" name="Picture 4">
+              <a:extLst>
+                <a:ext uri="{FF2B5EF4-FFF2-40B4-BE49-F238E27FC236}">
+                  <a16:creationId xmlns:a16="http://schemas.microsoft.com/office/drawing/2014/main" id="{BDA43AE2-2F09-4299-86E5-7C5CA1F25107}"/>
+                </a:ext>
+              </a:extLst>
+            </p:cNvPr>
+            <p:cNvPicPr>
+              <a:picLocks noChangeAspect="1"/>
+            </p:cNvPicPr>
+            <p:nvPr/>
+          </p:nvPicPr>
+          <p:blipFill rotWithShape="1">
+            <a:blip r:embed="rId3"/>
+            <a:srcRect l="338" t="5673" r="-338" b="57385"/>
+            <a:stretch/>
+          </p:blipFill>
+          <p:spPr>
+            <a:xfrm>
+              <a:off x="1177179" y="3975818"/>
+              <a:ext cx="2628900" cy="1013432"/>
+            </a:xfrm>
+            <a:prstGeom prst="rect">
+              <a:avLst/>
+            </a:prstGeom>
+          </p:spPr>
+        </p:pic>
+        <p:sp>
+          <p:nvSpPr>
+            <p:cNvPr id="6" name="Content Placeholder 2">
+              <a:extLst>
+                <a:ext uri="{FF2B5EF4-FFF2-40B4-BE49-F238E27FC236}">
+                  <a16:creationId xmlns:a16="http://schemas.microsoft.com/office/drawing/2014/main" id="{5BE7C1C9-F54D-4A9D-941E-1360654145A0}"/>
+                </a:ext>
+              </a:extLst>
+            </p:cNvPr>
+            <p:cNvSpPr txBox="1">
+              <a:spLocks/>
+            </p:cNvSpPr>
+            <p:nvPr/>
+          </p:nvSpPr>
+          <p:spPr>
+            <a:xfrm>
+              <a:off x="1097280" y="3598271"/>
+              <a:ext cx="1992149" cy="377547"/>
+            </a:xfrm>
+            <a:prstGeom prst="rect">
+              <a:avLst/>
+            </a:prstGeom>
+          </p:spPr>
+          <p:txBody>
+            <a:bodyPr vert="horz" lIns="0" tIns="45720" rIns="0" bIns="45720" rtlCol="0">
+              <a:normAutofit fontScale="92500" lnSpcReduction="10000"/>
+            </a:bodyPr>
+            <a:lstStyle>
+              <a:lvl1pPr marL="91440" indent="-91440" algn="l" defTabSz="914400" rtl="0" eaLnBrk="1" latinLnBrk="0" hangingPunct="1">
+                <a:lnSpc>
+                  <a:spcPct val="100000"/>
+                </a:lnSpc>
+                <a:spcBef>
+                  <a:spcPts val="1200"/>
+                </a:spcBef>
+                <a:spcAft>
+                  <a:spcPts val="200"/>
+                </a:spcAft>
+                <a:buClr>
+                  <a:schemeClr val="accent1"/>
+                </a:buClr>
+                <a:buSzPct val="100000"/>
+                <a:buFont typeface="Calibri" panose="020F0502020204030204" pitchFamily="34" charset="0"/>
+                <a:buChar char=" "/>
+                <a:defRPr sz="2000" kern="1200">
+                  <a:solidFill>
+                    <a:schemeClr val="tx1">
+                      <a:lumMod val="75000"/>
+                      <a:lumOff val="25000"/>
+                    </a:schemeClr>
+                  </a:solidFill>
+                  <a:latin typeface="+mn-lt"/>
+                  <a:ea typeface="+mn-ea"/>
+                  <a:cs typeface="+mn-cs"/>
+                </a:defRPr>
+              </a:lvl1pPr>
+              <a:lvl2pPr marL="384048" indent="-182880" algn="l" defTabSz="914400" rtl="0" eaLnBrk="1" latinLnBrk="0" hangingPunct="1">
+                <a:lnSpc>
+                  <a:spcPct val="100000"/>
+                </a:lnSpc>
+                <a:spcBef>
+                  <a:spcPts val="200"/>
+                </a:spcBef>
+                <a:spcAft>
+                  <a:spcPts val="400"/>
+                </a:spcAft>
+                <a:buClrTx/>
+                <a:buFont typeface="Calibri" pitchFamily="34" charset="0"/>
+                <a:buChar char="◦"/>
+                <a:defRPr sz="1800" kern="1200">
+                  <a:solidFill>
+                    <a:schemeClr val="tx1">
+                      <a:lumMod val="75000"/>
+                      <a:lumOff val="25000"/>
+                    </a:schemeClr>
+                  </a:solidFill>
+                  <a:latin typeface="+mn-lt"/>
+                  <a:ea typeface="+mn-ea"/>
+                  <a:cs typeface="+mn-cs"/>
+                </a:defRPr>
+              </a:lvl2pPr>
+              <a:lvl3pPr marL="566928" indent="-182880" algn="l" defTabSz="914400" rtl="0" eaLnBrk="1" latinLnBrk="0" hangingPunct="1">
+                <a:lnSpc>
+                  <a:spcPct val="100000"/>
+                </a:lnSpc>
+                <a:spcBef>
+                  <a:spcPts val="200"/>
+                </a:spcBef>
+                <a:spcAft>
+                  <a:spcPts val="400"/>
+                </a:spcAft>
+                <a:buClrTx/>
+                <a:buFont typeface="Calibri" pitchFamily="34" charset="0"/>
+                <a:buChar char="◦"/>
+                <a:defRPr sz="1400" kern="1200">
+                  <a:solidFill>
+                    <a:schemeClr val="tx1">
+                      <a:lumMod val="75000"/>
+                      <a:lumOff val="25000"/>
+                    </a:schemeClr>
+                  </a:solidFill>
+                  <a:latin typeface="+mn-lt"/>
+                  <a:ea typeface="+mn-ea"/>
+                  <a:cs typeface="+mn-cs"/>
+                </a:defRPr>
+              </a:lvl3pPr>
+              <a:lvl4pPr marL="749808" indent="-182880" algn="l" defTabSz="914400" rtl="0" eaLnBrk="1" latinLnBrk="0" hangingPunct="1">
+                <a:lnSpc>
+                  <a:spcPct val="100000"/>
+                </a:lnSpc>
+                <a:spcBef>
+                  <a:spcPts val="200"/>
+                </a:spcBef>
+                <a:spcAft>
+                  <a:spcPts val="400"/>
+                </a:spcAft>
+                <a:buClrTx/>
+                <a:buFont typeface="Calibri" pitchFamily="34" charset="0"/>
+                <a:buChar char="◦"/>
+                <a:defRPr sz="1400" kern="1200">
+                  <a:solidFill>
+                    <a:schemeClr val="tx1">
+                      <a:lumMod val="75000"/>
+                      <a:lumOff val="25000"/>
+                    </a:schemeClr>
+                  </a:solidFill>
+                  <a:latin typeface="+mn-lt"/>
+                  <a:ea typeface="+mn-ea"/>
+                  <a:cs typeface="+mn-cs"/>
+                </a:defRPr>
+              </a:lvl4pPr>
+              <a:lvl5pPr marL="932688" indent="-182880" algn="l" defTabSz="914400" rtl="0" eaLnBrk="1" latinLnBrk="0" hangingPunct="1">
+                <a:lnSpc>
+                  <a:spcPct val="100000"/>
+                </a:lnSpc>
+                <a:spcBef>
+                  <a:spcPts val="200"/>
+                </a:spcBef>
+                <a:spcAft>
+                  <a:spcPts val="400"/>
+                </a:spcAft>
+                <a:buClrTx/>
+                <a:buFont typeface="Calibri" pitchFamily="34" charset="0"/>
+                <a:buChar char="◦"/>
+                <a:defRPr sz="1400" kern="1200">
+                  <a:solidFill>
+                    <a:schemeClr val="tx1">
+                      <a:lumMod val="75000"/>
+                      <a:lumOff val="25000"/>
+                    </a:schemeClr>
+                  </a:solidFill>
+                  <a:latin typeface="+mn-lt"/>
+                  <a:ea typeface="+mn-ea"/>
+                  <a:cs typeface="+mn-cs"/>
+                </a:defRPr>
+              </a:lvl5pPr>
+              <a:lvl6pPr marL="1100000" indent="-228600" algn="l" defTabSz="914400" rtl="0" eaLnBrk="1" latinLnBrk="0" hangingPunct="1">
+                <a:lnSpc>
+                  <a:spcPct val="90000"/>
+                </a:lnSpc>
+                <a:spcBef>
+                  <a:spcPts val="200"/>
+                </a:spcBef>
+                <a:spcAft>
+                  <a:spcPts val="400"/>
+                </a:spcAft>
+                <a:buClr>
+                  <a:schemeClr val="accent1"/>
+                </a:buClr>
+                <a:buFont typeface="Calibri" pitchFamily="34" charset="0"/>
+                <a:buChar char="◦"/>
+                <a:defRPr sz="1400" kern="1200">
+                  <a:solidFill>
+                    <a:schemeClr val="tx1">
+                      <a:lumMod val="75000"/>
+                      <a:lumOff val="25000"/>
+                    </a:schemeClr>
+                  </a:solidFill>
+                  <a:latin typeface="+mn-lt"/>
+                  <a:ea typeface="+mn-ea"/>
+                  <a:cs typeface="+mn-cs"/>
+                </a:defRPr>
+              </a:lvl6pPr>
+              <a:lvl7pPr marL="1300000" indent="-228600" algn="l" defTabSz="914400" rtl="0" eaLnBrk="1" latinLnBrk="0" hangingPunct="1">
+                <a:lnSpc>
+                  <a:spcPct val="90000"/>
+                </a:lnSpc>
+                <a:spcBef>
+                  <a:spcPts val="200"/>
+                </a:spcBef>
+                <a:spcAft>
+                  <a:spcPts val="400"/>
+                </a:spcAft>
+                <a:buClr>
+                  <a:schemeClr val="accent1"/>
+                </a:buClr>
+                <a:buFont typeface="Calibri" pitchFamily="34" charset="0"/>
+                <a:buChar char="◦"/>
+                <a:defRPr sz="1400" kern="1200">
+                  <a:solidFill>
+                    <a:schemeClr val="tx1">
+                      <a:lumMod val="75000"/>
+                      <a:lumOff val="25000"/>
+                    </a:schemeClr>
+                  </a:solidFill>
+                  <a:latin typeface="+mn-lt"/>
+                  <a:ea typeface="+mn-ea"/>
+                  <a:cs typeface="+mn-cs"/>
+                </a:defRPr>
+              </a:lvl7pPr>
+              <a:lvl8pPr marL="1500000" indent="-228600" algn="l" defTabSz="914400" rtl="0" eaLnBrk="1" latinLnBrk="0" hangingPunct="1">
+                <a:lnSpc>
+                  <a:spcPct val="90000"/>
+                </a:lnSpc>
+                <a:spcBef>
+                  <a:spcPts val="200"/>
+                </a:spcBef>
+                <a:spcAft>
+                  <a:spcPts val="400"/>
+                </a:spcAft>
+                <a:buClr>
+                  <a:schemeClr val="accent1"/>
+                </a:buClr>
+                <a:buFont typeface="Calibri" pitchFamily="34" charset="0"/>
+                <a:buChar char="◦"/>
+                <a:defRPr sz="1400" kern="1200">
+                  <a:solidFill>
+                    <a:schemeClr val="tx1">
+                      <a:lumMod val="75000"/>
+                      <a:lumOff val="25000"/>
+                    </a:schemeClr>
+                  </a:solidFill>
+                  <a:latin typeface="+mn-lt"/>
+                  <a:ea typeface="+mn-ea"/>
+                  <a:cs typeface="+mn-cs"/>
+                </a:defRPr>
+              </a:lvl8pPr>
+              <a:lvl9pPr marL="1700000" indent="-228600" algn="l" defTabSz="914400" rtl="0" eaLnBrk="1" latinLnBrk="0" hangingPunct="1">
+                <a:lnSpc>
+                  <a:spcPct val="90000"/>
+                </a:lnSpc>
+                <a:spcBef>
+                  <a:spcPts val="200"/>
+                </a:spcBef>
+                <a:spcAft>
+                  <a:spcPts val="400"/>
+                </a:spcAft>
+                <a:buClr>
+                  <a:schemeClr val="accent1"/>
+                </a:buClr>
+                <a:buFont typeface="Calibri" pitchFamily="34" charset="0"/>
+                <a:buChar char="◦"/>
+                <a:defRPr sz="1400" kern="1200">
+                  <a:solidFill>
+                    <a:schemeClr val="tx1">
+                      <a:lumMod val="75000"/>
+                      <a:lumOff val="25000"/>
+                    </a:schemeClr>
+                  </a:solidFill>
+                  <a:latin typeface="+mn-lt"/>
+                  <a:ea typeface="+mn-ea"/>
+                  <a:cs typeface="+mn-cs"/>
+                </a:defRPr>
+              </a:lvl9pPr>
+            </a:lstStyle>
+            <a:p>
+              <a:r>
+                <a:rPr lang="en-GB" dirty="0"/>
+                <a:t>Frequent Itemsets</a:t>
+              </a:r>
+            </a:p>
+          </p:txBody>
+        </p:sp>
+      </p:grpSp>
     </p:spTree>
     <p:extLst>
       <p:ext uri="{BB962C8B-B14F-4D97-AF65-F5344CB8AC3E}">

--- a/Data Mining presentation.pptx
+++ b/Data Mining presentation.pptx
@@ -5,7 +5,7 @@
     <p:sldMasterId id="2147483700" r:id="rId1"/>
   </p:sldMasterIdLst>
   <p:notesMasterIdLst>
-    <p:notesMasterId r:id="rId13"/>
+    <p:notesMasterId r:id="rId12"/>
   </p:notesMasterIdLst>
   <p:sldIdLst>
     <p:sldId id="256" r:id="rId2"/>
@@ -18,7 +18,6 @@
     <p:sldId id="263" r:id="rId9"/>
     <p:sldId id="267" r:id="rId10"/>
     <p:sldId id="264" r:id="rId11"/>
-    <p:sldId id="265" r:id="rId12"/>
   </p:sldIdLst>
   <p:sldSz cx="12192000" cy="6858000"/>
   <p:notesSz cx="6858000" cy="9144000"/>
@@ -4581,7 +4580,7 @@
           <a:lstStyle/>
           <a:p>
             <a:r>
-              <a:rPr lang="en-US" sz="4000">
+              <a:rPr lang="en-US" sz="4000" dirty="0">
                 <a:solidFill>
                   <a:srgbClr val="FFFFFF"/>
                 </a:solidFill>
@@ -4739,7 +4738,11 @@
                 <a:latin typeface="Arial" panose="020B0604020202020204" pitchFamily="34" charset="0"/>
                 <a:cs typeface="Arial" panose="020B0604020202020204" pitchFamily="34" charset="0"/>
               </a:rPr>
-              <a:t>Victor Essien</a:t>
+              <a:t>Victor Essien-</a:t>
+            </a:r>
+            <a:r>
+              <a:rPr lang="en-GB" b="1" dirty="0"/>
+              <a:t>W9104119</a:t>
             </a:r>
             <a:endParaRPr lang="en-US" sz="1800" dirty="0">
               <a:solidFill>
@@ -4974,115 +4977,6 @@
 </p:sld>
 </file>
 
-<file path=ppt/slides/slide11.xml><?xml version="1.0" encoding="utf-8"?>
-<p:sld xmlns:a="http://schemas.openxmlformats.org/drawingml/2006/main" xmlns:r="http://schemas.openxmlformats.org/officeDocument/2006/relationships" xmlns:p="http://schemas.openxmlformats.org/presentationml/2006/main">
-  <p:cSld>
-    <p:spTree>
-      <p:nvGrpSpPr>
-        <p:cNvPr id="1" name=""/>
-        <p:cNvGrpSpPr/>
-        <p:nvPr/>
-      </p:nvGrpSpPr>
-      <p:grpSpPr>
-        <a:xfrm>
-          <a:off x="0" y="0"/>
-          <a:ext cx="0" cy="0"/>
-          <a:chOff x="0" y="0"/>
-          <a:chExt cx="0" cy="0"/>
-        </a:xfrm>
-      </p:grpSpPr>
-      <p:sp>
-        <p:nvSpPr>
-          <p:cNvPr id="2" name="Title 1">
-            <a:extLst>
-              <a:ext uri="{FF2B5EF4-FFF2-40B4-BE49-F238E27FC236}">
-                <a16:creationId xmlns:a16="http://schemas.microsoft.com/office/drawing/2014/main" id="{E3143DFB-7865-43C4-8159-69A8685FD943}"/>
-              </a:ext>
-            </a:extLst>
-          </p:cNvPr>
-          <p:cNvSpPr>
-            <a:spLocks noGrp="1"/>
-          </p:cNvSpPr>
-          <p:nvPr>
-            <p:ph type="title"/>
-          </p:nvPr>
-        </p:nvSpPr>
-        <p:spPr>
-          <a:xfrm>
-            <a:off x="1097280" y="263530"/>
-            <a:ext cx="10058400" cy="1326732"/>
-          </a:xfrm>
-        </p:spPr>
-        <p:txBody>
-          <a:bodyPr>
-            <a:normAutofit fontScale="90000"/>
-          </a:bodyPr>
-          <a:lstStyle/>
-          <a:p>
-            <a:r>
-              <a:rPr lang="en-GB" b="1" dirty="0"/>
-              <a:t>Conclusion</a:t>
-            </a:r>
-            <a:br>
-              <a:rPr lang="en-GB" b="1" dirty="0"/>
-            </a:br>
-            <a:endParaRPr lang="en-GB" dirty="0"/>
-          </a:p>
-        </p:txBody>
-      </p:sp>
-      <p:sp>
-        <p:nvSpPr>
-          <p:cNvPr id="3" name="Content Placeholder 2">
-            <a:extLst>
-              <a:ext uri="{FF2B5EF4-FFF2-40B4-BE49-F238E27FC236}">
-                <a16:creationId xmlns:a16="http://schemas.microsoft.com/office/drawing/2014/main" id="{B3C1C3A3-F741-4334-AB9F-5B54D59EE2E3}"/>
-              </a:ext>
-            </a:extLst>
-          </p:cNvPr>
-          <p:cNvSpPr>
-            <a:spLocks noGrp="1"/>
-          </p:cNvSpPr>
-          <p:nvPr>
-            <p:ph idx="1"/>
-          </p:nvPr>
-        </p:nvSpPr>
-        <p:spPr/>
-        <p:txBody>
-          <a:bodyPr/>
-          <a:lstStyle/>
-          <a:p>
-            <a:endParaRPr lang="en-GB" dirty="0"/>
-          </a:p>
-          <a:p>
-            <a:endParaRPr lang="en-GB" dirty="0"/>
-          </a:p>
-          <a:p>
-            <a:endParaRPr lang="en-GB" dirty="0"/>
-          </a:p>
-          <a:p>
-            <a:endParaRPr lang="en-GB" dirty="0"/>
-          </a:p>
-          <a:p>
-            <a:r>
-              <a:rPr lang="en-GB" dirty="0"/>
-              <a:t>References: </a:t>
-            </a:r>
-          </a:p>
-        </p:txBody>
-      </p:sp>
-    </p:spTree>
-    <p:extLst>
-      <p:ext uri="{BB962C8B-B14F-4D97-AF65-F5344CB8AC3E}">
-        <p14:creationId xmlns:p14="http://schemas.microsoft.com/office/powerpoint/2010/main" val="1061066"/>
-      </p:ext>
-    </p:extLst>
-  </p:cSld>
-  <p:clrMapOvr>
-    <a:masterClrMapping/>
-  </p:clrMapOvr>
-</p:sld>
-</file>
-
 <file path=ppt/slides/slide2.xml><?xml version="1.0" encoding="utf-8"?>
 <p:sld xmlns:a="http://schemas.openxmlformats.org/drawingml/2006/main" xmlns:r="http://schemas.openxmlformats.org/officeDocument/2006/relationships" xmlns:p="http://schemas.openxmlformats.org/presentationml/2006/main">
   <p:cSld>
@@ -5899,18 +5793,18 @@
         <p:spPr>
           <a:xfrm>
             <a:off x="1097280" y="2108201"/>
-            <a:ext cx="1033361" cy="377547"/>
+            <a:ext cx="1175403" cy="377547"/>
           </a:xfrm>
         </p:spPr>
         <p:txBody>
           <a:bodyPr>
-            <a:normAutofit lnSpcReduction="10000"/>
+            <a:normAutofit fontScale="92500" lnSpcReduction="10000"/>
           </a:bodyPr>
           <a:lstStyle/>
           <a:p>
             <a:r>
               <a:rPr lang="en-GB" dirty="0"/>
-              <a:t>Rules</a:t>
+              <a:t>Rules List</a:t>
             </a:r>
           </a:p>
         </p:txBody>
@@ -6011,7 +5905,7 @@
           <p:spPr>
             <a:xfrm>
               <a:off x="1097280" y="3598271"/>
-              <a:ext cx="1992149" cy="377547"/>
+              <a:ext cx="2205213" cy="377547"/>
             </a:xfrm>
             <a:prstGeom prst="rect">
               <a:avLst/>
@@ -6019,7 +5913,7 @@
           </p:spPr>
           <p:txBody>
             <a:bodyPr vert="horz" lIns="0" tIns="45720" rIns="0" bIns="45720" rtlCol="0">
-              <a:normAutofit fontScale="92500" lnSpcReduction="10000"/>
+              <a:normAutofit fontScale="85000" lnSpcReduction="10000"/>
             </a:bodyPr>
             <a:lstStyle>
               <a:lvl1pPr marL="91440" indent="-91440" algn="l" defTabSz="914400" rtl="0" eaLnBrk="1" latinLnBrk="0" hangingPunct="1">
@@ -6262,7 +6156,331 @@
             <a:p>
               <a:r>
                 <a:rPr lang="en-GB" dirty="0"/>
-                <a:t>Frequent Itemsets</a:t>
+                <a:t>Frequent Itemsets List</a:t>
+              </a:r>
+            </a:p>
+          </p:txBody>
+        </p:sp>
+      </p:grpSp>
+      <p:grpSp>
+        <p:nvGrpSpPr>
+          <p:cNvPr id="10" name="Group 9">
+            <a:extLst>
+              <a:ext uri="{FF2B5EF4-FFF2-40B4-BE49-F238E27FC236}">
+                <a16:creationId xmlns:a16="http://schemas.microsoft.com/office/drawing/2014/main" id="{20AF042E-3286-4E86-98CC-4EBAFC800232}"/>
+              </a:ext>
+            </a:extLst>
+          </p:cNvPr>
+          <p:cNvGrpSpPr/>
+          <p:nvPr/>
+        </p:nvGrpSpPr>
+        <p:grpSpPr>
+          <a:xfrm>
+            <a:off x="4544794" y="3787044"/>
+            <a:ext cx="5712447" cy="884263"/>
+            <a:chOff x="4420507" y="3598271"/>
+            <a:chExt cx="5712447" cy="884263"/>
+          </a:xfrm>
+        </p:grpSpPr>
+        <p:pic>
+          <p:nvPicPr>
+            <p:cNvPr id="8" name="Picture 7">
+              <a:extLst>
+                <a:ext uri="{FF2B5EF4-FFF2-40B4-BE49-F238E27FC236}">
+                  <a16:creationId xmlns:a16="http://schemas.microsoft.com/office/drawing/2014/main" id="{E6A15D24-EDC4-4292-A87B-0A325A632B34}"/>
+                </a:ext>
+              </a:extLst>
+            </p:cNvPr>
+            <p:cNvPicPr>
+              <a:picLocks noChangeAspect="1"/>
+            </p:cNvPicPr>
+            <p:nvPr/>
+          </p:nvPicPr>
+          <p:blipFill>
+            <a:blip r:embed="rId4"/>
+            <a:stretch>
+              <a:fillRect/>
+            </a:stretch>
+          </p:blipFill>
+          <p:spPr>
+            <a:xfrm>
+              <a:off x="4420507" y="3976522"/>
+              <a:ext cx="5712447" cy="506012"/>
+            </a:xfrm>
+            <a:prstGeom prst="rect">
+              <a:avLst/>
+            </a:prstGeom>
+          </p:spPr>
+        </p:pic>
+        <p:sp>
+          <p:nvSpPr>
+            <p:cNvPr id="9" name="Content Placeholder 2">
+              <a:extLst>
+                <a:ext uri="{FF2B5EF4-FFF2-40B4-BE49-F238E27FC236}">
+                  <a16:creationId xmlns:a16="http://schemas.microsoft.com/office/drawing/2014/main" id="{6798494D-5B84-4129-A00D-A7569B8A92C8}"/>
+                </a:ext>
+              </a:extLst>
+            </p:cNvPr>
+            <p:cNvSpPr txBox="1">
+              <a:spLocks/>
+            </p:cNvSpPr>
+            <p:nvPr/>
+          </p:nvSpPr>
+          <p:spPr>
+            <a:xfrm>
+              <a:off x="4420507" y="3598271"/>
+              <a:ext cx="3562018" cy="377547"/>
+            </a:xfrm>
+            <a:prstGeom prst="rect">
+              <a:avLst/>
+            </a:prstGeom>
+          </p:spPr>
+          <p:txBody>
+            <a:bodyPr vert="horz" lIns="0" tIns="45720" rIns="0" bIns="45720" rtlCol="0">
+              <a:normAutofit fontScale="85000" lnSpcReduction="10000"/>
+            </a:bodyPr>
+            <a:lstStyle>
+              <a:lvl1pPr marL="91440" indent="-91440" algn="l" defTabSz="914400" rtl="0" eaLnBrk="1" latinLnBrk="0" hangingPunct="1">
+                <a:lnSpc>
+                  <a:spcPct val="100000"/>
+                </a:lnSpc>
+                <a:spcBef>
+                  <a:spcPts val="1200"/>
+                </a:spcBef>
+                <a:spcAft>
+                  <a:spcPts val="200"/>
+                </a:spcAft>
+                <a:buClr>
+                  <a:schemeClr val="accent1"/>
+                </a:buClr>
+                <a:buSzPct val="100000"/>
+                <a:buFont typeface="Calibri" panose="020F0502020204030204" pitchFamily="34" charset="0"/>
+                <a:buChar char=" "/>
+                <a:defRPr sz="2000" kern="1200">
+                  <a:solidFill>
+                    <a:schemeClr val="tx1">
+                      <a:lumMod val="75000"/>
+                      <a:lumOff val="25000"/>
+                    </a:schemeClr>
+                  </a:solidFill>
+                  <a:latin typeface="+mn-lt"/>
+                  <a:ea typeface="+mn-ea"/>
+                  <a:cs typeface="+mn-cs"/>
+                </a:defRPr>
+              </a:lvl1pPr>
+              <a:lvl2pPr marL="384048" indent="-182880" algn="l" defTabSz="914400" rtl="0" eaLnBrk="1" latinLnBrk="0" hangingPunct="1">
+                <a:lnSpc>
+                  <a:spcPct val="100000"/>
+                </a:lnSpc>
+                <a:spcBef>
+                  <a:spcPts val="200"/>
+                </a:spcBef>
+                <a:spcAft>
+                  <a:spcPts val="400"/>
+                </a:spcAft>
+                <a:buClrTx/>
+                <a:buFont typeface="Calibri" pitchFamily="34" charset="0"/>
+                <a:buChar char="◦"/>
+                <a:defRPr sz="1800" kern="1200">
+                  <a:solidFill>
+                    <a:schemeClr val="tx1">
+                      <a:lumMod val="75000"/>
+                      <a:lumOff val="25000"/>
+                    </a:schemeClr>
+                  </a:solidFill>
+                  <a:latin typeface="+mn-lt"/>
+                  <a:ea typeface="+mn-ea"/>
+                  <a:cs typeface="+mn-cs"/>
+                </a:defRPr>
+              </a:lvl2pPr>
+              <a:lvl3pPr marL="566928" indent="-182880" algn="l" defTabSz="914400" rtl="0" eaLnBrk="1" latinLnBrk="0" hangingPunct="1">
+                <a:lnSpc>
+                  <a:spcPct val="100000"/>
+                </a:lnSpc>
+                <a:spcBef>
+                  <a:spcPts val="200"/>
+                </a:spcBef>
+                <a:spcAft>
+                  <a:spcPts val="400"/>
+                </a:spcAft>
+                <a:buClrTx/>
+                <a:buFont typeface="Calibri" pitchFamily="34" charset="0"/>
+                <a:buChar char="◦"/>
+                <a:defRPr sz="1400" kern="1200">
+                  <a:solidFill>
+                    <a:schemeClr val="tx1">
+                      <a:lumMod val="75000"/>
+                      <a:lumOff val="25000"/>
+                    </a:schemeClr>
+                  </a:solidFill>
+                  <a:latin typeface="+mn-lt"/>
+                  <a:ea typeface="+mn-ea"/>
+                  <a:cs typeface="+mn-cs"/>
+                </a:defRPr>
+              </a:lvl3pPr>
+              <a:lvl4pPr marL="749808" indent="-182880" algn="l" defTabSz="914400" rtl="0" eaLnBrk="1" latinLnBrk="0" hangingPunct="1">
+                <a:lnSpc>
+                  <a:spcPct val="100000"/>
+                </a:lnSpc>
+                <a:spcBef>
+                  <a:spcPts val="200"/>
+                </a:spcBef>
+                <a:spcAft>
+                  <a:spcPts val="400"/>
+                </a:spcAft>
+                <a:buClrTx/>
+                <a:buFont typeface="Calibri" pitchFamily="34" charset="0"/>
+                <a:buChar char="◦"/>
+                <a:defRPr sz="1400" kern="1200">
+                  <a:solidFill>
+                    <a:schemeClr val="tx1">
+                      <a:lumMod val="75000"/>
+                      <a:lumOff val="25000"/>
+                    </a:schemeClr>
+                  </a:solidFill>
+                  <a:latin typeface="+mn-lt"/>
+                  <a:ea typeface="+mn-ea"/>
+                  <a:cs typeface="+mn-cs"/>
+                </a:defRPr>
+              </a:lvl4pPr>
+              <a:lvl5pPr marL="932688" indent="-182880" algn="l" defTabSz="914400" rtl="0" eaLnBrk="1" latinLnBrk="0" hangingPunct="1">
+                <a:lnSpc>
+                  <a:spcPct val="100000"/>
+                </a:lnSpc>
+                <a:spcBef>
+                  <a:spcPts val="200"/>
+                </a:spcBef>
+                <a:spcAft>
+                  <a:spcPts val="400"/>
+                </a:spcAft>
+                <a:buClrTx/>
+                <a:buFont typeface="Calibri" pitchFamily="34" charset="0"/>
+                <a:buChar char="◦"/>
+                <a:defRPr sz="1400" kern="1200">
+                  <a:solidFill>
+                    <a:schemeClr val="tx1">
+                      <a:lumMod val="75000"/>
+                      <a:lumOff val="25000"/>
+                    </a:schemeClr>
+                  </a:solidFill>
+                  <a:latin typeface="+mn-lt"/>
+                  <a:ea typeface="+mn-ea"/>
+                  <a:cs typeface="+mn-cs"/>
+                </a:defRPr>
+              </a:lvl5pPr>
+              <a:lvl6pPr marL="1100000" indent="-228600" algn="l" defTabSz="914400" rtl="0" eaLnBrk="1" latinLnBrk="0" hangingPunct="1">
+                <a:lnSpc>
+                  <a:spcPct val="90000"/>
+                </a:lnSpc>
+                <a:spcBef>
+                  <a:spcPts val="200"/>
+                </a:spcBef>
+                <a:spcAft>
+                  <a:spcPts val="400"/>
+                </a:spcAft>
+                <a:buClr>
+                  <a:schemeClr val="accent1"/>
+                </a:buClr>
+                <a:buFont typeface="Calibri" pitchFamily="34" charset="0"/>
+                <a:buChar char="◦"/>
+                <a:defRPr sz="1400" kern="1200">
+                  <a:solidFill>
+                    <a:schemeClr val="tx1">
+                      <a:lumMod val="75000"/>
+                      <a:lumOff val="25000"/>
+                    </a:schemeClr>
+                  </a:solidFill>
+                  <a:latin typeface="+mn-lt"/>
+                  <a:ea typeface="+mn-ea"/>
+                  <a:cs typeface="+mn-cs"/>
+                </a:defRPr>
+              </a:lvl6pPr>
+              <a:lvl7pPr marL="1300000" indent="-228600" algn="l" defTabSz="914400" rtl="0" eaLnBrk="1" latinLnBrk="0" hangingPunct="1">
+                <a:lnSpc>
+                  <a:spcPct val="90000"/>
+                </a:lnSpc>
+                <a:spcBef>
+                  <a:spcPts val="200"/>
+                </a:spcBef>
+                <a:spcAft>
+                  <a:spcPts val="400"/>
+                </a:spcAft>
+                <a:buClr>
+                  <a:schemeClr val="accent1"/>
+                </a:buClr>
+                <a:buFont typeface="Calibri" pitchFamily="34" charset="0"/>
+                <a:buChar char="◦"/>
+                <a:defRPr sz="1400" kern="1200">
+                  <a:solidFill>
+                    <a:schemeClr val="tx1">
+                      <a:lumMod val="75000"/>
+                      <a:lumOff val="25000"/>
+                    </a:schemeClr>
+                  </a:solidFill>
+                  <a:latin typeface="+mn-lt"/>
+                  <a:ea typeface="+mn-ea"/>
+                  <a:cs typeface="+mn-cs"/>
+                </a:defRPr>
+              </a:lvl7pPr>
+              <a:lvl8pPr marL="1500000" indent="-228600" algn="l" defTabSz="914400" rtl="0" eaLnBrk="1" latinLnBrk="0" hangingPunct="1">
+                <a:lnSpc>
+                  <a:spcPct val="90000"/>
+                </a:lnSpc>
+                <a:spcBef>
+                  <a:spcPts val="200"/>
+                </a:spcBef>
+                <a:spcAft>
+                  <a:spcPts val="400"/>
+                </a:spcAft>
+                <a:buClr>
+                  <a:schemeClr val="accent1"/>
+                </a:buClr>
+                <a:buFont typeface="Calibri" pitchFamily="34" charset="0"/>
+                <a:buChar char="◦"/>
+                <a:defRPr sz="1400" kern="1200">
+                  <a:solidFill>
+                    <a:schemeClr val="tx1">
+                      <a:lumMod val="75000"/>
+                      <a:lumOff val="25000"/>
+                    </a:schemeClr>
+                  </a:solidFill>
+                  <a:latin typeface="+mn-lt"/>
+                  <a:ea typeface="+mn-ea"/>
+                  <a:cs typeface="+mn-cs"/>
+                </a:defRPr>
+              </a:lvl8pPr>
+              <a:lvl9pPr marL="1700000" indent="-228600" algn="l" defTabSz="914400" rtl="0" eaLnBrk="1" latinLnBrk="0" hangingPunct="1">
+                <a:lnSpc>
+                  <a:spcPct val="90000"/>
+                </a:lnSpc>
+                <a:spcBef>
+                  <a:spcPts val="200"/>
+                </a:spcBef>
+                <a:spcAft>
+                  <a:spcPts val="400"/>
+                </a:spcAft>
+                <a:buClr>
+                  <a:schemeClr val="accent1"/>
+                </a:buClr>
+                <a:buFont typeface="Calibri" pitchFamily="34" charset="0"/>
+                <a:buChar char="◦"/>
+                <a:defRPr sz="1400" kern="1200">
+                  <a:solidFill>
+                    <a:schemeClr val="tx1">
+                      <a:lumMod val="75000"/>
+                      <a:lumOff val="25000"/>
+                    </a:schemeClr>
+                  </a:solidFill>
+                  <a:latin typeface="+mn-lt"/>
+                  <a:ea typeface="+mn-ea"/>
+                  <a:cs typeface="+mn-cs"/>
+                </a:defRPr>
+              </a:lvl9pPr>
+            </a:lstStyle>
+            <a:p>
+              <a:r>
+                <a:rPr lang="en-GB" dirty="0"/>
+                <a:t>Highest and Lowest Frequency Items</a:t>
               </a:r>
             </a:p>
           </p:txBody>
@@ -6345,7 +6563,7 @@
         <p:spPr/>
         <p:txBody>
           <a:bodyPr>
-            <a:normAutofit lnSpcReduction="10000"/>
+            <a:normAutofit/>
           </a:bodyPr>
           <a:lstStyle/>
           <a:p>
@@ -6385,7 +6603,7 @@
               <a:t> </a:t>
             </a:r>
             <a:r>
-              <a:rPr lang="en-GB" b="1" i="1">
+              <a:rPr lang="en-GB" b="1" i="1" dirty="0" err="1">
                 <a:latin typeface="Arial" panose="020B0604020202020204" pitchFamily="34" charset="0"/>
                 <a:cs typeface="Arial" panose="020B0604020202020204" pitchFamily="34" charset="0"/>
               </a:rPr>
@@ -6405,7 +6623,15 @@
             </a:r>
             <a:r>
               <a:rPr lang="en-GB" dirty="0"/>
-              <a:t> algorithm has been developed to make recommendation based on Collaborative filtering to predict user rating for a movie, also Nearest neighbour it’s a popular approach; but in this data set we used </a:t>
+              <a:t> library has been developed to make recommendation based on Collaborative filtering to predict user rating for a movie, also Nearest neighbour it’s a popular </a:t>
+            </a:r>
+            <a:r>
+              <a:rPr lang="en-GB" dirty="0" err="1"/>
+              <a:t>approach.In</a:t>
+            </a:r>
+            <a:r>
+              <a:rPr lang="en-GB" dirty="0"/>
+              <a:t> this data set we used </a:t>
             </a:r>
             <a:r>
               <a:rPr lang="en-GB" b="1" dirty="0">
@@ -6415,7 +6641,7 @@
             </a:r>
             <a:r>
               <a:rPr lang="en-GB" dirty="0"/>
-              <a:t> algorithm since It has default implementation for a variety of CF algorithms.</a:t>
+              <a:t> library since it has default implementation for a variety of CF algorithms.</a:t>
             </a:r>
           </a:p>
           <a:p>
@@ -6518,7 +6744,7 @@
             </a:pPr>
             <a:r>
               <a:rPr lang="en-GB" dirty="0"/>
-              <a:t>find the average rating and number of ratings for the movie?</a:t>
+              <a:t>Find the average rating and number of ratings for the movie?</a:t>
             </a:r>
           </a:p>
           <a:p>

--- a/Data Mining presentation.pptx
+++ b/Data Mining presentation.pptx
@@ -206,7 +206,7 @@
           <a:p>
             <a:fld id="{E1D76724-6684-4474-AC7D-B2BAA2DF309E}" type="datetimeFigureOut">
               <a:rPr lang="en-GB" smtClean="0"/>
-              <a:t>05/05/2020</a:t>
+              <a:t>07/05/2020</a:t>
             </a:fld>
             <a:endParaRPr lang="en-GB"/>
           </a:p>
@@ -735,6 +735,101 @@
 </p:notes>
 </file>
 
+<file path=ppt/notesSlides/notesSlide4.xml><?xml version="1.0" encoding="utf-8"?>
+<p:notes xmlns:a="http://schemas.openxmlformats.org/drawingml/2006/main" xmlns:r="http://schemas.openxmlformats.org/officeDocument/2006/relationships" xmlns:p="http://schemas.openxmlformats.org/presentationml/2006/main">
+  <p:cSld>
+    <p:spTree>
+      <p:nvGrpSpPr>
+        <p:cNvPr id="1" name=""/>
+        <p:cNvGrpSpPr/>
+        <p:nvPr/>
+      </p:nvGrpSpPr>
+      <p:grpSpPr>
+        <a:xfrm>
+          <a:off x="0" y="0"/>
+          <a:ext cx="0" cy="0"/>
+          <a:chOff x="0" y="0"/>
+          <a:chExt cx="0" cy="0"/>
+        </a:xfrm>
+      </p:grpSpPr>
+      <p:sp>
+        <p:nvSpPr>
+          <p:cNvPr id="2" name="Slide Image Placeholder 1"/>
+          <p:cNvSpPr>
+            <a:spLocks noGrp="1" noRot="1" noChangeAspect="1"/>
+          </p:cNvSpPr>
+          <p:nvPr>
+            <p:ph type="sldImg"/>
+          </p:nvPr>
+        </p:nvSpPr>
+        <p:spPr/>
+      </p:sp>
+      <p:sp>
+        <p:nvSpPr>
+          <p:cNvPr id="3" name="Notes Placeholder 2"/>
+          <p:cNvSpPr>
+            <a:spLocks noGrp="1"/>
+          </p:cNvSpPr>
+          <p:nvPr>
+            <p:ph type="body" idx="1"/>
+          </p:nvPr>
+        </p:nvSpPr>
+        <p:spPr/>
+        <p:txBody>
+          <a:bodyPr/>
+          <a:lstStyle/>
+          <a:p>
+            <a:r>
+              <a:rPr lang="en-GB" dirty="0"/>
+              <a:t>There are 169 unique items discovered by the </a:t>
+            </a:r>
+            <a:r>
+              <a:rPr lang="en-GB" dirty="0" err="1"/>
+              <a:t>Apriori</a:t>
+            </a:r>
+            <a:r>
+              <a:rPr lang="en-GB" dirty="0"/>
+              <a:t> algorithm, out of which thousands of rules were generated. </a:t>
+            </a:r>
+          </a:p>
+        </p:txBody>
+      </p:sp>
+      <p:sp>
+        <p:nvSpPr>
+          <p:cNvPr id="4" name="Slide Number Placeholder 3"/>
+          <p:cNvSpPr>
+            <a:spLocks noGrp="1"/>
+          </p:cNvSpPr>
+          <p:nvPr>
+            <p:ph type="sldNum" sz="quarter" idx="5"/>
+          </p:nvPr>
+        </p:nvSpPr>
+        <p:spPr/>
+        <p:txBody>
+          <a:bodyPr/>
+          <a:lstStyle/>
+          <a:p>
+            <a:fld id="{56968897-611B-4557-97B4-67EAE2B1ABE0}" type="slidenum">
+              <a:rPr lang="en-GB" smtClean="0"/>
+              <a:t>6</a:t>
+            </a:fld>
+            <a:endParaRPr lang="en-GB"/>
+          </a:p>
+        </p:txBody>
+      </p:sp>
+    </p:spTree>
+    <p:extLst>
+      <p:ext uri="{BB962C8B-B14F-4D97-AF65-F5344CB8AC3E}">
+        <p14:creationId xmlns:p14="http://schemas.microsoft.com/office/powerpoint/2010/main" val="2730601008"/>
+      </p:ext>
+    </p:extLst>
+  </p:cSld>
+  <p:clrMapOvr>
+    <a:masterClrMapping/>
+  </p:clrMapOvr>
+</p:notes>
+</file>
+
 <file path=ppt/slideLayouts/slideLayout1.xml><?xml version="1.0" encoding="utf-8"?>
 <p:sldLayout xmlns:a="http://schemas.openxmlformats.org/drawingml/2006/main" xmlns:r="http://schemas.openxmlformats.org/officeDocument/2006/relationships" xmlns:p="http://schemas.openxmlformats.org/presentationml/2006/main" showMasterSp="0" type="title" preserve="1">
   <p:cSld name="Title Slide">
@@ -979,7 +1074,7 @@
           <a:p>
             <a:fld id="{9184DA70-C731-4C70-880D-CCD4705E623C}" type="datetime1">
               <a:rPr lang="en-US" smtClean="0"/>
-              <a:t>5/5/2020</a:t>
+              <a:t>5/7/2020</a:t>
             </a:fld>
             <a:endParaRPr lang="en-US" dirty="0"/>
           </a:p>
@@ -1167,7 +1262,7 @@
           <a:p>
             <a:fld id="{B612A279-0833-481D-8C56-F67FD0AC6C50}" type="datetime1">
               <a:rPr lang="en-US" smtClean="0"/>
-              <a:t>5/5/2020</a:t>
+              <a:t>5/7/2020</a:t>
             </a:fld>
             <a:endParaRPr lang="en-US" dirty="0"/>
           </a:p>
@@ -1409,7 +1504,7 @@
           <a:p>
             <a:fld id="{6587DA83-5663-4C9C-B9AA-0B40A3DAFF81}" type="datetime1">
               <a:rPr lang="en-US" smtClean="0"/>
-              <a:t>5/5/2020</a:t>
+              <a:t>5/7/2020</a:t>
             </a:fld>
             <a:endParaRPr lang="en-US" dirty="0"/>
           </a:p>
@@ -1597,7 +1692,7 @@
           <a:p>
             <a:fld id="{4BE1D723-8F53-4F53-90B0-1982A396982E}" type="datetime1">
               <a:rPr lang="en-US" smtClean="0"/>
-              <a:t>5/5/2020</a:t>
+              <a:t>5/7/2020</a:t>
             </a:fld>
             <a:endParaRPr lang="en-US" dirty="0"/>
           </a:p>
@@ -1970,7 +2065,7 @@
           <a:p>
             <a:fld id="{97669AF7-7BEB-44E4-9852-375E34362B5B}" type="datetime1">
               <a:rPr lang="en-US" smtClean="0"/>
-              <a:t>5/5/2020</a:t>
+              <a:t>5/7/2020</a:t>
             </a:fld>
             <a:endParaRPr lang="en-US" dirty="0"/>
           </a:p>
@@ -2225,7 +2320,7 @@
           <a:p>
             <a:fld id="{BAAAC38D-0552-4C82-B593-E6124DFADBE2}" type="datetime1">
               <a:rPr lang="en-US" smtClean="0"/>
-              <a:t>5/5/2020</a:t>
+              <a:t>5/7/2020</a:t>
             </a:fld>
             <a:endParaRPr lang="en-US" dirty="0"/>
           </a:p>
@@ -2622,7 +2717,7 @@
           <a:p>
             <a:fld id="{D9DF0F1C-5577-4ACB-BB62-DF8F3C494C7E}" type="datetime1">
               <a:rPr lang="en-US" smtClean="0"/>
-              <a:t>5/5/2020</a:t>
+              <a:t>5/7/2020</a:t>
             </a:fld>
             <a:endParaRPr lang="en-US" dirty="0"/>
           </a:p>
@@ -2758,7 +2853,7 @@
           <a:p>
             <a:fld id="{1775B394-D9F9-4F0C-B15D-605F45CB9E9F}" type="datetime1">
               <a:rPr lang="en-US" smtClean="0"/>
-              <a:t>5/5/2020</a:t>
+              <a:t>5/7/2020</a:t>
             </a:fld>
             <a:endParaRPr lang="en-US" dirty="0"/>
           </a:p>
@@ -2915,7 +3010,7 @@
           <a:p>
             <a:fld id="{39667345-2558-425A-8533-9BFDBCE15005}" type="datetime1">
               <a:rPr lang="en-US" smtClean="0"/>
-              <a:t>5/5/2020</a:t>
+              <a:t>5/7/2020</a:t>
             </a:fld>
             <a:endParaRPr lang="en-US" dirty="0"/>
           </a:p>
@@ -3244,7 +3339,7 @@
           <a:p>
             <a:fld id="{92BEA474-078D-4E9B-9B14-09A87B19DC46}" type="datetime1">
               <a:rPr lang="en-US" smtClean="0"/>
-              <a:t>5/5/2020</a:t>
+              <a:t>5/7/2020</a:t>
             </a:fld>
             <a:endParaRPr lang="en-US" dirty="0"/>
           </a:p>
@@ -3594,7 +3689,7 @@
           <a:p>
             <a:fld id="{4907D986-8816-4272-A432-0437A28A9828}" type="datetime1">
               <a:rPr lang="en-US" smtClean="0"/>
-              <a:t>5/5/2020</a:t>
+              <a:t>5/7/2020</a:t>
             </a:fld>
             <a:endParaRPr lang="en-US" dirty="0"/>
           </a:p>
@@ -3855,7 +3950,7 @@
           <a:p>
             <a:fld id="{62D6E202-B606-4609-B914-27C9371A1F6D}" type="datetime1">
               <a:rPr lang="en-US" smtClean="0"/>
-              <a:t>5/5/2020</a:t>
+              <a:t>5/7/2020</a:t>
             </a:fld>
             <a:endParaRPr lang="en-US" dirty="0"/>
           </a:p>
@@ -4842,8 +4937,8 @@
           <a:lstStyle/>
           <a:p>
             <a:r>
-              <a:rPr lang="en-GB" dirty="0"/>
-              <a:t>Results</a:t>
+              <a:rPr lang="en-GB" b="1" dirty="0"/>
+              <a:t>Results – Cross Validation and Predictions</a:t>
             </a:r>
           </a:p>
         </p:txBody>
@@ -4866,14 +4961,17 @@
         </p:nvSpPr>
         <p:spPr>
           <a:xfrm>
-            <a:off x="1097279" y="2178539"/>
-            <a:ext cx="10058400" cy="3760891"/>
+            <a:off x="1171851" y="2178539"/>
+            <a:ext cx="9983827" cy="3760891"/>
           </a:xfrm>
         </p:spPr>
         <p:txBody>
           <a:bodyPr/>
           <a:lstStyle/>
           <a:p>
+            <a:pPr marL="0" indent="0">
+              <a:buNone/>
+            </a:pPr>
             <a:r>
               <a:rPr lang="en-GB" b="1" dirty="0"/>
               <a:t>Optimization:</a:t>
@@ -4928,8 +5026,8 @@
         </p:blipFill>
         <p:spPr>
           <a:xfrm>
-            <a:off x="1097279" y="2619227"/>
-            <a:ext cx="6527409" cy="1066507"/>
+            <a:off x="1171851" y="2619349"/>
+            <a:ext cx="5784100" cy="1162660"/>
           </a:xfrm>
           <a:prstGeom prst="rect">
             <a:avLst/>
@@ -4956,8 +5054,8 @@
         </p:blipFill>
         <p:spPr>
           <a:xfrm>
-            <a:off x="1097278" y="4677009"/>
-            <a:ext cx="6527409" cy="528037"/>
+            <a:off x="1171851" y="4583989"/>
+            <a:ext cx="5784101" cy="276730"/>
           </a:xfrm>
           <a:prstGeom prst="rect">
             <a:avLst/>
@@ -5066,84 +5164,12 @@
             <a:endParaRPr lang="en-GB" b="1" u="sng" dirty="0"/>
           </a:p>
           <a:p>
-            <a:pPr marL="0" indent="0">
+            <a:pPr marL="292608" lvl="1" indent="0">
               <a:buNone/>
             </a:pPr>
             <a:r>
               <a:rPr lang="en-GB" b="1" dirty="0"/>
-              <a:t>Each row represents a </a:t>
-            </a:r>
-            <a:r>
-              <a:rPr lang="en-GB" b="1" i="1" u="sng" dirty="0"/>
-              <a:t>whole sale purchase</a:t>
-            </a:r>
-            <a:r>
-              <a:rPr lang="en-GB" b="1" dirty="0"/>
-              <a:t> of an item along with details about the purchase such as: the </a:t>
-            </a:r>
-            <a:r>
-              <a:rPr lang="en-GB" b="1" i="1" u="sng" dirty="0"/>
-              <a:t>invoice ID</a:t>
-            </a:r>
-            <a:r>
-              <a:rPr lang="en-GB" b="1" dirty="0"/>
-              <a:t>, </a:t>
-            </a:r>
-            <a:r>
-              <a:rPr lang="en-GB" b="1" i="1" u="sng" dirty="0"/>
-              <a:t>stock code</a:t>
-            </a:r>
-            <a:r>
-              <a:rPr lang="en-GB" b="1" dirty="0"/>
-              <a:t>, item </a:t>
-            </a:r>
-            <a:r>
-              <a:rPr lang="en-GB" b="1" i="1" u="sng" dirty="0"/>
-              <a:t>description</a:t>
-            </a:r>
-            <a:r>
-              <a:rPr lang="en-GB" b="1" dirty="0"/>
-              <a:t>, </a:t>
-            </a:r>
-            <a:r>
-              <a:rPr lang="en-GB" b="1" i="1" u="sng" dirty="0"/>
-              <a:t>quantity</a:t>
-            </a:r>
-            <a:r>
-              <a:rPr lang="en-GB" b="1" dirty="0"/>
-              <a:t> purchased, </a:t>
-            </a:r>
-            <a:r>
-              <a:rPr lang="en-GB" b="1" i="1" u="sng" dirty="0"/>
-              <a:t>price per unit</a:t>
-            </a:r>
-            <a:r>
-              <a:rPr lang="en-GB" b="1" dirty="0"/>
-              <a:t>, the </a:t>
-            </a:r>
-            <a:r>
-              <a:rPr lang="en-GB" b="1" i="1" u="sng" dirty="0"/>
-              <a:t>ID</a:t>
-            </a:r>
-            <a:r>
-              <a:rPr lang="en-GB" b="1" dirty="0"/>
-              <a:t> and </a:t>
-            </a:r>
-            <a:r>
-              <a:rPr lang="en-GB" b="1" i="1" u="sng" dirty="0"/>
-              <a:t>country</a:t>
-            </a:r>
-            <a:r>
-              <a:rPr lang="en-GB" b="1" dirty="0"/>
-              <a:t> of the </a:t>
-            </a:r>
-            <a:r>
-              <a:rPr lang="en-GB" b="1" i="1" u="sng" dirty="0"/>
-              <a:t>customer</a:t>
-            </a:r>
-            <a:r>
-              <a:rPr lang="en-GB" b="1" dirty="0"/>
-              <a:t> who made the purchase.</a:t>
+              <a:t>Each row represents a whole sale purchase of an item along with details about the purchase such as: the invoice ID, stock code, item description, quantity purchased, price per unit, the ID and country of the customer who made the purchase.</a:t>
             </a:r>
             <a:endParaRPr lang="en-GB" dirty="0"/>
           </a:p>
@@ -5165,12 +5191,12 @@
             <a:endParaRPr lang="en-GB" b="1" u="sng" dirty="0"/>
           </a:p>
           <a:p>
-            <a:pPr marL="0" indent="0">
+            <a:pPr marL="292608" lvl="1" indent="0">
               <a:buNone/>
             </a:pPr>
             <a:r>
-              <a:rPr lang="en-GB" dirty="0"/>
-              <a:t># More details here</a:t>
+              <a:rPr lang="en-GB" b="1" dirty="0"/>
+              <a:t>Each row represents a customer recite (list of the items bought) with no details about the purchase but the names of the items.</a:t>
             </a:r>
           </a:p>
           <a:p>
@@ -5179,7 +5205,7 @@
               <a:buChar char="v"/>
             </a:pPr>
             <a:r>
-              <a:rPr lang="en-GB" b="1" u="sng" dirty="0">
+              <a:rPr lang="en-GB" b="1" u="sng" dirty="0" err="1">
                 <a:hlinkClick r:id="rId5"/>
               </a:rPr>
               <a:t>MovieLens</a:t>
@@ -5188,15 +5214,16 @@
               <a:rPr lang="en-GB" b="1" dirty="0"/>
               <a:t>: movie rating data – 100K records</a:t>
             </a:r>
-            <a:endParaRPr lang="en-GB" b="1" u="sng" dirty="0"/>
-          </a:p>
-          <a:p>
-            <a:pPr marL="0" indent="0">
-              <a:buNone/>
-            </a:pPr>
+            <a:br>
+              <a:rPr lang="en-GB" b="1" u="sng" dirty="0"/>
+            </a:br>
             <a:r>
               <a:rPr lang="en-GB" dirty="0"/>
-              <a:t># More details here</a:t>
+              <a:t>    </a:t>
+            </a:r>
+            <a:r>
+              <a:rPr lang="en-GB" sz="1800" b="1" dirty="0"/>
+              <a:t>Each row represents one review by one customer.</a:t>
             </a:r>
           </a:p>
         </p:txBody>
@@ -5279,10 +5306,15 @@
             <p:ph idx="1"/>
           </p:nvPr>
         </p:nvSpPr>
-        <p:spPr/>
+        <p:spPr>
+          <a:xfrm>
+            <a:off x="1097280" y="2108201"/>
+            <a:ext cx="4708716" cy="3760891"/>
+          </a:xfrm>
+        </p:spPr>
         <p:txBody>
           <a:bodyPr>
-            <a:normAutofit lnSpcReduction="10000"/>
+            <a:normAutofit/>
           </a:bodyPr>
           <a:lstStyle/>
           <a:p>
@@ -5295,11 +5327,22 @@
                 <a:latin typeface="Arial" panose="020B0604020202020204" pitchFamily="34" charset="0"/>
                 <a:cs typeface="Arial" panose="020B0604020202020204" pitchFamily="34" charset="0"/>
               </a:rPr>
-              <a:t>Association Rules Mining, Apriori – Aleksandra Petkova, Nour Aldin Almubarak</a:t>
-            </a:r>
-          </a:p>
-          <a:p>
-            <a:pPr>
+              <a:t> Association Rules Mining, </a:t>
+            </a:r>
+            <a:r>
+              <a:rPr lang="en-GB" b="1" i="1" dirty="0" err="1">
+                <a:latin typeface="Arial" panose="020B0604020202020204" pitchFamily="34" charset="0"/>
+                <a:cs typeface="Arial" panose="020B0604020202020204" pitchFamily="34" charset="0"/>
+              </a:rPr>
+              <a:t>Apriori</a:t>
+            </a:r>
+            <a:endParaRPr lang="en-GB" b="1" i="1" dirty="0">
+              <a:latin typeface="Arial" panose="020B0604020202020204" pitchFamily="34" charset="0"/>
+              <a:cs typeface="Arial" panose="020B0604020202020204" pitchFamily="34" charset="0"/>
+            </a:endParaRPr>
+          </a:p>
+          <a:p>
+            <a:pPr lvl="1">
               <a:buFont typeface="Arial" panose="020B0604020202020204" pitchFamily="34" charset="0"/>
               <a:buChar char="•"/>
             </a:pPr>
@@ -5309,23 +5352,23 @@
             </a:r>
           </a:p>
           <a:p>
-            <a:pPr>
+            <a:pPr lvl="1">
               <a:buFont typeface="Arial" panose="020B0604020202020204" pitchFamily="34" charset="0"/>
               <a:buChar char="•"/>
             </a:pPr>
             <a:r>
               <a:rPr lang="en-GB" dirty="0"/>
-              <a:t>Questions </a:t>
-            </a:r>
-          </a:p>
-          <a:p>
-            <a:pPr>
+              <a:t> Questions </a:t>
+            </a:r>
+          </a:p>
+          <a:p>
+            <a:pPr lvl="1">
               <a:buFont typeface="Arial" panose="020B0604020202020204" pitchFamily="34" charset="0"/>
               <a:buChar char="•"/>
             </a:pPr>
             <a:r>
               <a:rPr lang="en-GB" dirty="0"/>
-              <a:t>Results</a:t>
+              <a:t> Results</a:t>
             </a:r>
             <a:endParaRPr lang="en-GB" i="1" dirty="0"/>
           </a:p>
@@ -5339,42 +5382,7 @@
                 <a:latin typeface="Arial" panose="020B0604020202020204" pitchFamily="34" charset="0"/>
                 <a:cs typeface="Arial" panose="020B0604020202020204" pitchFamily="34" charset="0"/>
               </a:rPr>
-              <a:t>Collaborative Filtering</a:t>
-            </a:r>
-            <a:r>
-              <a:rPr lang="en-GB" i="1" dirty="0">
-                <a:latin typeface="Arial" panose="020B0604020202020204" pitchFamily="34" charset="0"/>
-                <a:cs typeface="Arial" panose="020B0604020202020204" pitchFamily="34" charset="0"/>
-              </a:rPr>
-              <a:t> </a:t>
-            </a:r>
-            <a:r>
-              <a:rPr lang="en-GB" b="1" i="1" dirty="0">
-                <a:latin typeface="Arial" panose="020B0604020202020204" pitchFamily="34" charset="0"/>
-                <a:cs typeface="Arial" panose="020B0604020202020204" pitchFamily="34" charset="0"/>
-              </a:rPr>
-              <a:t>– Victor Essien, Nour </a:t>
-            </a:r>
-            <a:r>
-              <a:rPr lang="en-GB" b="1" i="1" dirty="0" err="1">
-                <a:latin typeface="Arial" panose="020B0604020202020204" pitchFamily="34" charset="0"/>
-                <a:cs typeface="Arial" panose="020B0604020202020204" pitchFamily="34" charset="0"/>
-              </a:rPr>
-              <a:t>Aldin</a:t>
-            </a:r>
-            <a:r>
-              <a:rPr lang="en-GB" b="1" i="1" dirty="0">
-                <a:latin typeface="Arial" panose="020B0604020202020204" pitchFamily="34" charset="0"/>
-                <a:cs typeface="Arial" panose="020B0604020202020204" pitchFamily="34" charset="0"/>
-              </a:rPr>
-              <a:t> </a:t>
-            </a:r>
-            <a:r>
-              <a:rPr lang="en-GB" b="1" i="1" dirty="0" err="1">
-                <a:latin typeface="Arial" panose="020B0604020202020204" pitchFamily="34" charset="0"/>
-                <a:cs typeface="Arial" panose="020B0604020202020204" pitchFamily="34" charset="0"/>
-              </a:rPr>
-              <a:t>Almubarak</a:t>
+              <a:t> Collaborative Filtering</a:t>
             </a:r>
             <a:endParaRPr lang="en-GB" b="1" dirty="0">
               <a:latin typeface="Arial" panose="020B0604020202020204" pitchFamily="34" charset="0"/>
@@ -5382,38 +5390,332 @@
             </a:endParaRPr>
           </a:p>
           <a:p>
-            <a:pPr>
+            <a:pPr lvl="1">
               <a:buFont typeface="Arial" panose="020B0604020202020204" pitchFamily="34" charset="0"/>
               <a:buChar char="•"/>
             </a:pPr>
             <a:r>
               <a:rPr lang="en-GB" dirty="0"/>
-              <a:t>Algorithm</a:t>
-            </a:r>
-          </a:p>
-          <a:p>
-            <a:pPr>
+              <a:t> Algorithm</a:t>
+            </a:r>
+          </a:p>
+          <a:p>
+            <a:pPr lvl="1">
               <a:buFont typeface="Arial" panose="020B0604020202020204" pitchFamily="34" charset="0"/>
               <a:buChar char="•"/>
             </a:pPr>
             <a:r>
               <a:rPr lang="en-GB" dirty="0"/>
-              <a:t>Questions </a:t>
-            </a:r>
-          </a:p>
-          <a:p>
-            <a:pPr>
+              <a:t> Questions </a:t>
+            </a:r>
+          </a:p>
+          <a:p>
+            <a:pPr lvl="1">
               <a:buFont typeface="Arial" panose="020B0604020202020204" pitchFamily="34" charset="0"/>
               <a:buChar char="•"/>
             </a:pPr>
             <a:r>
               <a:rPr lang="en-GB" dirty="0"/>
-              <a:t>Results</a:t>
+              <a:t> Results</a:t>
             </a:r>
             <a:endParaRPr lang="en-GB" i="1" dirty="0"/>
           </a:p>
           <a:p>
             <a:pPr marL="0" indent="0">
+              <a:buNone/>
+            </a:pPr>
+            <a:endParaRPr lang="en-GB" dirty="0"/>
+          </a:p>
+        </p:txBody>
+      </p:sp>
+      <p:sp>
+        <p:nvSpPr>
+          <p:cNvPr id="4" name="Content Placeholder 2">
+            <a:extLst>
+              <a:ext uri="{FF2B5EF4-FFF2-40B4-BE49-F238E27FC236}">
+                <a16:creationId xmlns:a16="http://schemas.microsoft.com/office/drawing/2014/main" id="{EDF014A7-1C6B-46E1-8BD9-F35064996309}"/>
+              </a:ext>
+            </a:extLst>
+          </p:cNvPr>
+          <p:cNvSpPr txBox="1">
+            <a:spLocks/>
+          </p:cNvSpPr>
+          <p:nvPr/>
+        </p:nvSpPr>
+        <p:spPr>
+          <a:xfrm>
+            <a:off x="6729274" y="2108201"/>
+            <a:ext cx="4160075" cy="3760891"/>
+          </a:xfrm>
+          <a:prstGeom prst="rect">
+            <a:avLst/>
+          </a:prstGeom>
+        </p:spPr>
+        <p:txBody>
+          <a:bodyPr vert="horz" lIns="0" tIns="45720" rIns="0" bIns="45720" rtlCol="0">
+            <a:normAutofit/>
+          </a:bodyPr>
+          <a:lstStyle>
+            <a:lvl1pPr marL="91440" indent="-91440" algn="l" defTabSz="914400" rtl="0" eaLnBrk="1" latinLnBrk="0" hangingPunct="1">
+              <a:lnSpc>
+                <a:spcPct val="100000"/>
+              </a:lnSpc>
+              <a:spcBef>
+                <a:spcPts val="1200"/>
+              </a:spcBef>
+              <a:spcAft>
+                <a:spcPts val="200"/>
+              </a:spcAft>
+              <a:buClr>
+                <a:schemeClr val="accent1"/>
+              </a:buClr>
+              <a:buSzPct val="100000"/>
+              <a:buFont typeface="Calibri" panose="020F0502020204030204" pitchFamily="34" charset="0"/>
+              <a:buChar char=" "/>
+              <a:defRPr sz="2000" kern="1200">
+                <a:solidFill>
+                  <a:schemeClr val="tx1">
+                    <a:lumMod val="75000"/>
+                    <a:lumOff val="25000"/>
+                  </a:schemeClr>
+                </a:solidFill>
+                <a:latin typeface="+mn-lt"/>
+                <a:ea typeface="+mn-ea"/>
+                <a:cs typeface="+mn-cs"/>
+              </a:defRPr>
+            </a:lvl1pPr>
+            <a:lvl2pPr marL="384048" indent="-182880" algn="l" defTabSz="914400" rtl="0" eaLnBrk="1" latinLnBrk="0" hangingPunct="1">
+              <a:lnSpc>
+                <a:spcPct val="100000"/>
+              </a:lnSpc>
+              <a:spcBef>
+                <a:spcPts val="200"/>
+              </a:spcBef>
+              <a:spcAft>
+                <a:spcPts val="400"/>
+              </a:spcAft>
+              <a:buClrTx/>
+              <a:buFont typeface="Calibri" pitchFamily="34" charset="0"/>
+              <a:buChar char="◦"/>
+              <a:defRPr sz="1800" kern="1200">
+                <a:solidFill>
+                  <a:schemeClr val="tx1">
+                    <a:lumMod val="75000"/>
+                    <a:lumOff val="25000"/>
+                  </a:schemeClr>
+                </a:solidFill>
+                <a:latin typeface="+mn-lt"/>
+                <a:ea typeface="+mn-ea"/>
+                <a:cs typeface="+mn-cs"/>
+              </a:defRPr>
+            </a:lvl2pPr>
+            <a:lvl3pPr marL="566928" indent="-182880" algn="l" defTabSz="914400" rtl="0" eaLnBrk="1" latinLnBrk="0" hangingPunct="1">
+              <a:lnSpc>
+                <a:spcPct val="100000"/>
+              </a:lnSpc>
+              <a:spcBef>
+                <a:spcPts val="200"/>
+              </a:spcBef>
+              <a:spcAft>
+                <a:spcPts val="400"/>
+              </a:spcAft>
+              <a:buClrTx/>
+              <a:buFont typeface="Calibri" pitchFamily="34" charset="0"/>
+              <a:buChar char="◦"/>
+              <a:defRPr sz="1400" kern="1200">
+                <a:solidFill>
+                  <a:schemeClr val="tx1">
+                    <a:lumMod val="75000"/>
+                    <a:lumOff val="25000"/>
+                  </a:schemeClr>
+                </a:solidFill>
+                <a:latin typeface="+mn-lt"/>
+                <a:ea typeface="+mn-ea"/>
+                <a:cs typeface="+mn-cs"/>
+              </a:defRPr>
+            </a:lvl3pPr>
+            <a:lvl4pPr marL="749808" indent="-182880" algn="l" defTabSz="914400" rtl="0" eaLnBrk="1" latinLnBrk="0" hangingPunct="1">
+              <a:lnSpc>
+                <a:spcPct val="100000"/>
+              </a:lnSpc>
+              <a:spcBef>
+                <a:spcPts val="200"/>
+              </a:spcBef>
+              <a:spcAft>
+                <a:spcPts val="400"/>
+              </a:spcAft>
+              <a:buClrTx/>
+              <a:buFont typeface="Calibri" pitchFamily="34" charset="0"/>
+              <a:buChar char="◦"/>
+              <a:defRPr sz="1400" kern="1200">
+                <a:solidFill>
+                  <a:schemeClr val="tx1">
+                    <a:lumMod val="75000"/>
+                    <a:lumOff val="25000"/>
+                  </a:schemeClr>
+                </a:solidFill>
+                <a:latin typeface="+mn-lt"/>
+                <a:ea typeface="+mn-ea"/>
+                <a:cs typeface="+mn-cs"/>
+              </a:defRPr>
+            </a:lvl4pPr>
+            <a:lvl5pPr marL="932688" indent="-182880" algn="l" defTabSz="914400" rtl="0" eaLnBrk="1" latinLnBrk="0" hangingPunct="1">
+              <a:lnSpc>
+                <a:spcPct val="100000"/>
+              </a:lnSpc>
+              <a:spcBef>
+                <a:spcPts val="200"/>
+              </a:spcBef>
+              <a:spcAft>
+                <a:spcPts val="400"/>
+              </a:spcAft>
+              <a:buClrTx/>
+              <a:buFont typeface="Calibri" pitchFamily="34" charset="0"/>
+              <a:buChar char="◦"/>
+              <a:defRPr sz="1400" kern="1200">
+                <a:solidFill>
+                  <a:schemeClr val="tx1">
+                    <a:lumMod val="75000"/>
+                    <a:lumOff val="25000"/>
+                  </a:schemeClr>
+                </a:solidFill>
+                <a:latin typeface="+mn-lt"/>
+                <a:ea typeface="+mn-ea"/>
+                <a:cs typeface="+mn-cs"/>
+              </a:defRPr>
+            </a:lvl5pPr>
+            <a:lvl6pPr marL="1100000" indent="-228600" algn="l" defTabSz="914400" rtl="0" eaLnBrk="1" latinLnBrk="0" hangingPunct="1">
+              <a:lnSpc>
+                <a:spcPct val="90000"/>
+              </a:lnSpc>
+              <a:spcBef>
+                <a:spcPts val="200"/>
+              </a:spcBef>
+              <a:spcAft>
+                <a:spcPts val="400"/>
+              </a:spcAft>
+              <a:buClr>
+                <a:schemeClr val="accent1"/>
+              </a:buClr>
+              <a:buFont typeface="Calibri" pitchFamily="34" charset="0"/>
+              <a:buChar char="◦"/>
+              <a:defRPr sz="1400" kern="1200">
+                <a:solidFill>
+                  <a:schemeClr val="tx1">
+                    <a:lumMod val="75000"/>
+                    <a:lumOff val="25000"/>
+                  </a:schemeClr>
+                </a:solidFill>
+                <a:latin typeface="+mn-lt"/>
+                <a:ea typeface="+mn-ea"/>
+                <a:cs typeface="+mn-cs"/>
+              </a:defRPr>
+            </a:lvl6pPr>
+            <a:lvl7pPr marL="1300000" indent="-228600" algn="l" defTabSz="914400" rtl="0" eaLnBrk="1" latinLnBrk="0" hangingPunct="1">
+              <a:lnSpc>
+                <a:spcPct val="90000"/>
+              </a:lnSpc>
+              <a:spcBef>
+                <a:spcPts val="200"/>
+              </a:spcBef>
+              <a:spcAft>
+                <a:spcPts val="400"/>
+              </a:spcAft>
+              <a:buClr>
+                <a:schemeClr val="accent1"/>
+              </a:buClr>
+              <a:buFont typeface="Calibri" pitchFamily="34" charset="0"/>
+              <a:buChar char="◦"/>
+              <a:defRPr sz="1400" kern="1200">
+                <a:solidFill>
+                  <a:schemeClr val="tx1">
+                    <a:lumMod val="75000"/>
+                    <a:lumOff val="25000"/>
+                  </a:schemeClr>
+                </a:solidFill>
+                <a:latin typeface="+mn-lt"/>
+                <a:ea typeface="+mn-ea"/>
+                <a:cs typeface="+mn-cs"/>
+              </a:defRPr>
+            </a:lvl7pPr>
+            <a:lvl8pPr marL="1500000" indent="-228600" algn="l" defTabSz="914400" rtl="0" eaLnBrk="1" latinLnBrk="0" hangingPunct="1">
+              <a:lnSpc>
+                <a:spcPct val="90000"/>
+              </a:lnSpc>
+              <a:spcBef>
+                <a:spcPts val="200"/>
+              </a:spcBef>
+              <a:spcAft>
+                <a:spcPts val="400"/>
+              </a:spcAft>
+              <a:buClr>
+                <a:schemeClr val="accent1"/>
+              </a:buClr>
+              <a:buFont typeface="Calibri" pitchFamily="34" charset="0"/>
+              <a:buChar char="◦"/>
+              <a:defRPr sz="1400" kern="1200">
+                <a:solidFill>
+                  <a:schemeClr val="tx1">
+                    <a:lumMod val="75000"/>
+                    <a:lumOff val="25000"/>
+                  </a:schemeClr>
+                </a:solidFill>
+                <a:latin typeface="+mn-lt"/>
+                <a:ea typeface="+mn-ea"/>
+                <a:cs typeface="+mn-cs"/>
+              </a:defRPr>
+            </a:lvl8pPr>
+            <a:lvl9pPr marL="1700000" indent="-228600" algn="l" defTabSz="914400" rtl="0" eaLnBrk="1" latinLnBrk="0" hangingPunct="1">
+              <a:lnSpc>
+                <a:spcPct val="90000"/>
+              </a:lnSpc>
+              <a:spcBef>
+                <a:spcPts val="200"/>
+              </a:spcBef>
+              <a:spcAft>
+                <a:spcPts val="400"/>
+              </a:spcAft>
+              <a:buClr>
+                <a:schemeClr val="accent1"/>
+              </a:buClr>
+              <a:buFont typeface="Calibri" pitchFamily="34" charset="0"/>
+              <a:buChar char="◦"/>
+              <a:defRPr sz="1400" kern="1200">
+                <a:solidFill>
+                  <a:schemeClr val="tx1">
+                    <a:lumMod val="75000"/>
+                    <a:lumOff val="25000"/>
+                  </a:schemeClr>
+                </a:solidFill>
+                <a:latin typeface="+mn-lt"/>
+                <a:ea typeface="+mn-ea"/>
+                <a:cs typeface="+mn-cs"/>
+              </a:defRPr>
+            </a:lvl9pPr>
+          </a:lstStyle>
+          <a:p>
+            <a:pPr marL="0" indent="0">
+              <a:buNone/>
+            </a:pPr>
+            <a:r>
+              <a:rPr lang="en-GB" b="1" i="1" dirty="0">
+                <a:solidFill>
+                  <a:srgbClr val="FF0000"/>
+                </a:solidFill>
+                <a:latin typeface="Arial" panose="020B0604020202020204" pitchFamily="34" charset="0"/>
+                <a:cs typeface="Arial" panose="020B0604020202020204" pitchFamily="34" charset="0"/>
+              </a:rPr>
+              <a:t>SOME RELATED IMAGES HERE</a:t>
+            </a:r>
+            <a:endParaRPr lang="en-GB" i="1" dirty="0">
+              <a:solidFill>
+                <a:srgbClr val="FF0000"/>
+              </a:solidFill>
+            </a:endParaRPr>
+          </a:p>
+          <a:p>
+            <a:pPr marL="0" indent="0">
+              <a:buFont typeface="Calibri" panose="020F0502020204030204" pitchFamily="34" charset="0"/>
               <a:buNone/>
             </a:pPr>
             <a:endParaRPr lang="en-GB" dirty="0"/>
@@ -5468,15 +5770,20 @@
         </p:nvSpPr>
         <p:spPr/>
         <p:txBody>
-          <a:bodyPr/>
+          <a:bodyPr>
+            <a:normAutofit fontScale="90000"/>
+          </a:bodyPr>
           <a:lstStyle/>
           <a:p>
             <a:br>
               <a:rPr lang="en-GB" dirty="0"/>
             </a:br>
-            <a:r>
+            <a:br>
               <a:rPr lang="en-GB" dirty="0"/>
-              <a:t>Algorithm</a:t>
+            </a:br>
+            <a:r>
+              <a:rPr lang="en-GB" b="1" dirty="0"/>
+              <a:t>Association Rules Mining</a:t>
             </a:r>
           </a:p>
         </p:txBody>
@@ -5605,7 +5912,7 @@
           <a:lstStyle/>
           <a:p>
             <a:r>
-              <a:rPr lang="en-GB" dirty="0"/>
+              <a:rPr lang="en-GB" b="1" dirty="0"/>
               <a:t>Questions</a:t>
             </a:r>
           </a:p>
@@ -5627,7 +5934,12 @@
             <p:ph idx="1"/>
           </p:nvPr>
         </p:nvSpPr>
-        <p:spPr/>
+        <p:spPr>
+          <a:xfrm>
+            <a:off x="1097280" y="2108202"/>
+            <a:ext cx="10058400" cy="2179714"/>
+          </a:xfrm>
+        </p:spPr>
         <p:txBody>
           <a:bodyPr/>
           <a:lstStyle/>
@@ -5712,6 +6024,339 @@
           </a:p>
         </p:txBody>
       </p:sp>
+      <p:sp>
+        <p:nvSpPr>
+          <p:cNvPr id="5" name="Content Placeholder 2">
+            <a:extLst>
+              <a:ext uri="{FF2B5EF4-FFF2-40B4-BE49-F238E27FC236}">
+                <a16:creationId xmlns:a16="http://schemas.microsoft.com/office/drawing/2014/main" id="{A4C7655E-2EB6-4C36-BFBC-1445EBB84DC2}"/>
+              </a:ext>
+            </a:extLst>
+          </p:cNvPr>
+          <p:cNvSpPr txBox="1">
+            <a:spLocks/>
+          </p:cNvSpPr>
+          <p:nvPr/>
+        </p:nvSpPr>
+        <p:spPr>
+          <a:xfrm>
+            <a:off x="1017381" y="4417762"/>
+            <a:ext cx="2942060" cy="377547"/>
+          </a:xfrm>
+          <a:prstGeom prst="rect">
+            <a:avLst/>
+          </a:prstGeom>
+        </p:spPr>
+        <p:txBody>
+          <a:bodyPr vert="horz" lIns="0" tIns="45720" rIns="0" bIns="45720" rtlCol="0">
+            <a:normAutofit fontScale="92500" lnSpcReduction="10000"/>
+          </a:bodyPr>
+          <a:lstStyle>
+            <a:lvl1pPr marL="91440" indent="-91440" algn="l" defTabSz="914400" rtl="0" eaLnBrk="1" latinLnBrk="0" hangingPunct="1">
+              <a:lnSpc>
+                <a:spcPct val="100000"/>
+              </a:lnSpc>
+              <a:spcBef>
+                <a:spcPts val="1200"/>
+              </a:spcBef>
+              <a:spcAft>
+                <a:spcPts val="200"/>
+              </a:spcAft>
+              <a:buClr>
+                <a:schemeClr val="accent1"/>
+              </a:buClr>
+              <a:buSzPct val="100000"/>
+              <a:buFont typeface="Calibri" panose="020F0502020204030204" pitchFamily="34" charset="0"/>
+              <a:buChar char=" "/>
+              <a:defRPr sz="2000" kern="1200">
+                <a:solidFill>
+                  <a:schemeClr val="tx1">
+                    <a:lumMod val="75000"/>
+                    <a:lumOff val="25000"/>
+                  </a:schemeClr>
+                </a:solidFill>
+                <a:latin typeface="+mn-lt"/>
+                <a:ea typeface="+mn-ea"/>
+                <a:cs typeface="+mn-cs"/>
+              </a:defRPr>
+            </a:lvl1pPr>
+            <a:lvl2pPr marL="384048" indent="-182880" algn="l" defTabSz="914400" rtl="0" eaLnBrk="1" latinLnBrk="0" hangingPunct="1">
+              <a:lnSpc>
+                <a:spcPct val="100000"/>
+              </a:lnSpc>
+              <a:spcBef>
+                <a:spcPts val="200"/>
+              </a:spcBef>
+              <a:spcAft>
+                <a:spcPts val="400"/>
+              </a:spcAft>
+              <a:buClrTx/>
+              <a:buFont typeface="Calibri" pitchFamily="34" charset="0"/>
+              <a:buChar char="◦"/>
+              <a:defRPr sz="1800" kern="1200">
+                <a:solidFill>
+                  <a:schemeClr val="tx1">
+                    <a:lumMod val="75000"/>
+                    <a:lumOff val="25000"/>
+                  </a:schemeClr>
+                </a:solidFill>
+                <a:latin typeface="+mn-lt"/>
+                <a:ea typeface="+mn-ea"/>
+                <a:cs typeface="+mn-cs"/>
+              </a:defRPr>
+            </a:lvl2pPr>
+            <a:lvl3pPr marL="566928" indent="-182880" algn="l" defTabSz="914400" rtl="0" eaLnBrk="1" latinLnBrk="0" hangingPunct="1">
+              <a:lnSpc>
+                <a:spcPct val="100000"/>
+              </a:lnSpc>
+              <a:spcBef>
+                <a:spcPts val="200"/>
+              </a:spcBef>
+              <a:spcAft>
+                <a:spcPts val="400"/>
+              </a:spcAft>
+              <a:buClrTx/>
+              <a:buFont typeface="Calibri" pitchFamily="34" charset="0"/>
+              <a:buChar char="◦"/>
+              <a:defRPr sz="1400" kern="1200">
+                <a:solidFill>
+                  <a:schemeClr val="tx1">
+                    <a:lumMod val="75000"/>
+                    <a:lumOff val="25000"/>
+                  </a:schemeClr>
+                </a:solidFill>
+                <a:latin typeface="+mn-lt"/>
+                <a:ea typeface="+mn-ea"/>
+                <a:cs typeface="+mn-cs"/>
+              </a:defRPr>
+            </a:lvl3pPr>
+            <a:lvl4pPr marL="749808" indent="-182880" algn="l" defTabSz="914400" rtl="0" eaLnBrk="1" latinLnBrk="0" hangingPunct="1">
+              <a:lnSpc>
+                <a:spcPct val="100000"/>
+              </a:lnSpc>
+              <a:spcBef>
+                <a:spcPts val="200"/>
+              </a:spcBef>
+              <a:spcAft>
+                <a:spcPts val="400"/>
+              </a:spcAft>
+              <a:buClrTx/>
+              <a:buFont typeface="Calibri" pitchFamily="34" charset="0"/>
+              <a:buChar char="◦"/>
+              <a:defRPr sz="1400" kern="1200">
+                <a:solidFill>
+                  <a:schemeClr val="tx1">
+                    <a:lumMod val="75000"/>
+                    <a:lumOff val="25000"/>
+                  </a:schemeClr>
+                </a:solidFill>
+                <a:latin typeface="+mn-lt"/>
+                <a:ea typeface="+mn-ea"/>
+                <a:cs typeface="+mn-cs"/>
+              </a:defRPr>
+            </a:lvl4pPr>
+            <a:lvl5pPr marL="932688" indent="-182880" algn="l" defTabSz="914400" rtl="0" eaLnBrk="1" latinLnBrk="0" hangingPunct="1">
+              <a:lnSpc>
+                <a:spcPct val="100000"/>
+              </a:lnSpc>
+              <a:spcBef>
+                <a:spcPts val="200"/>
+              </a:spcBef>
+              <a:spcAft>
+                <a:spcPts val="400"/>
+              </a:spcAft>
+              <a:buClrTx/>
+              <a:buFont typeface="Calibri" pitchFamily="34" charset="0"/>
+              <a:buChar char="◦"/>
+              <a:defRPr sz="1400" kern="1200">
+                <a:solidFill>
+                  <a:schemeClr val="tx1">
+                    <a:lumMod val="75000"/>
+                    <a:lumOff val="25000"/>
+                  </a:schemeClr>
+                </a:solidFill>
+                <a:latin typeface="+mn-lt"/>
+                <a:ea typeface="+mn-ea"/>
+                <a:cs typeface="+mn-cs"/>
+              </a:defRPr>
+            </a:lvl5pPr>
+            <a:lvl6pPr marL="1100000" indent="-228600" algn="l" defTabSz="914400" rtl="0" eaLnBrk="1" latinLnBrk="0" hangingPunct="1">
+              <a:lnSpc>
+                <a:spcPct val="90000"/>
+              </a:lnSpc>
+              <a:spcBef>
+                <a:spcPts val="200"/>
+              </a:spcBef>
+              <a:spcAft>
+                <a:spcPts val="400"/>
+              </a:spcAft>
+              <a:buClr>
+                <a:schemeClr val="accent1"/>
+              </a:buClr>
+              <a:buFont typeface="Calibri" pitchFamily="34" charset="0"/>
+              <a:buChar char="◦"/>
+              <a:defRPr sz="1400" kern="1200">
+                <a:solidFill>
+                  <a:schemeClr val="tx1">
+                    <a:lumMod val="75000"/>
+                    <a:lumOff val="25000"/>
+                  </a:schemeClr>
+                </a:solidFill>
+                <a:latin typeface="+mn-lt"/>
+                <a:ea typeface="+mn-ea"/>
+                <a:cs typeface="+mn-cs"/>
+              </a:defRPr>
+            </a:lvl6pPr>
+            <a:lvl7pPr marL="1300000" indent="-228600" algn="l" defTabSz="914400" rtl="0" eaLnBrk="1" latinLnBrk="0" hangingPunct="1">
+              <a:lnSpc>
+                <a:spcPct val="90000"/>
+              </a:lnSpc>
+              <a:spcBef>
+                <a:spcPts val="200"/>
+              </a:spcBef>
+              <a:spcAft>
+                <a:spcPts val="400"/>
+              </a:spcAft>
+              <a:buClr>
+                <a:schemeClr val="accent1"/>
+              </a:buClr>
+              <a:buFont typeface="Calibri" pitchFamily="34" charset="0"/>
+              <a:buChar char="◦"/>
+              <a:defRPr sz="1400" kern="1200">
+                <a:solidFill>
+                  <a:schemeClr val="tx1">
+                    <a:lumMod val="75000"/>
+                    <a:lumOff val="25000"/>
+                  </a:schemeClr>
+                </a:solidFill>
+                <a:latin typeface="+mn-lt"/>
+                <a:ea typeface="+mn-ea"/>
+                <a:cs typeface="+mn-cs"/>
+              </a:defRPr>
+            </a:lvl7pPr>
+            <a:lvl8pPr marL="1500000" indent="-228600" algn="l" defTabSz="914400" rtl="0" eaLnBrk="1" latinLnBrk="0" hangingPunct="1">
+              <a:lnSpc>
+                <a:spcPct val="90000"/>
+              </a:lnSpc>
+              <a:spcBef>
+                <a:spcPts val="200"/>
+              </a:spcBef>
+              <a:spcAft>
+                <a:spcPts val="400"/>
+              </a:spcAft>
+              <a:buClr>
+                <a:schemeClr val="accent1"/>
+              </a:buClr>
+              <a:buFont typeface="Calibri" pitchFamily="34" charset="0"/>
+              <a:buChar char="◦"/>
+              <a:defRPr sz="1400" kern="1200">
+                <a:solidFill>
+                  <a:schemeClr val="tx1">
+                    <a:lumMod val="75000"/>
+                    <a:lumOff val="25000"/>
+                  </a:schemeClr>
+                </a:solidFill>
+                <a:latin typeface="+mn-lt"/>
+                <a:ea typeface="+mn-ea"/>
+                <a:cs typeface="+mn-cs"/>
+              </a:defRPr>
+            </a:lvl8pPr>
+            <a:lvl9pPr marL="1700000" indent="-228600" algn="l" defTabSz="914400" rtl="0" eaLnBrk="1" latinLnBrk="0" hangingPunct="1">
+              <a:lnSpc>
+                <a:spcPct val="90000"/>
+              </a:lnSpc>
+              <a:spcBef>
+                <a:spcPts val="200"/>
+              </a:spcBef>
+              <a:spcAft>
+                <a:spcPts val="400"/>
+              </a:spcAft>
+              <a:buClr>
+                <a:schemeClr val="accent1"/>
+              </a:buClr>
+              <a:buFont typeface="Calibri" pitchFamily="34" charset="0"/>
+              <a:buChar char="◦"/>
+              <a:defRPr sz="1400" kern="1200">
+                <a:solidFill>
+                  <a:schemeClr val="tx1">
+                    <a:lumMod val="75000"/>
+                    <a:lumOff val="25000"/>
+                  </a:schemeClr>
+                </a:solidFill>
+                <a:latin typeface="+mn-lt"/>
+                <a:ea typeface="+mn-ea"/>
+                <a:cs typeface="+mn-cs"/>
+              </a:defRPr>
+            </a:lvl9pPr>
+          </a:lstStyle>
+          <a:p>
+            <a:r>
+              <a:rPr lang="en-GB" dirty="0"/>
+              <a:t>Rules List</a:t>
+            </a:r>
+          </a:p>
+        </p:txBody>
+      </p:sp>
+      <p:pic>
+        <p:nvPicPr>
+          <p:cNvPr id="6" name="Picture 5">
+            <a:extLst>
+              <a:ext uri="{FF2B5EF4-FFF2-40B4-BE49-F238E27FC236}">
+                <a16:creationId xmlns:a16="http://schemas.microsoft.com/office/drawing/2014/main" id="{E5554052-CDAD-4E96-B3FA-3FA8A9A0FA81}"/>
+              </a:ext>
+            </a:extLst>
+          </p:cNvPr>
+          <p:cNvPicPr>
+            <a:picLocks noChangeAspect="1"/>
+          </p:cNvPicPr>
+          <p:nvPr/>
+        </p:nvPicPr>
+        <p:blipFill>
+          <a:blip r:embed="rId2"/>
+          <a:stretch>
+            <a:fillRect/>
+          </a:stretch>
+        </p:blipFill>
+        <p:spPr>
+          <a:xfrm>
+            <a:off x="1097280" y="4813725"/>
+            <a:ext cx="6794857" cy="570090"/>
+          </a:xfrm>
+          <a:prstGeom prst="rect">
+            <a:avLst/>
+          </a:prstGeom>
+        </p:spPr>
+      </p:pic>
+      <p:pic>
+        <p:nvPicPr>
+          <p:cNvPr id="7" name="Picture 6">
+            <a:extLst>
+              <a:ext uri="{FF2B5EF4-FFF2-40B4-BE49-F238E27FC236}">
+                <a16:creationId xmlns:a16="http://schemas.microsoft.com/office/drawing/2014/main" id="{E9A92E95-2D46-49EF-8897-26D6291BCC67}"/>
+              </a:ext>
+            </a:extLst>
+          </p:cNvPr>
+          <p:cNvPicPr>
+            <a:picLocks noChangeAspect="1"/>
+          </p:cNvPicPr>
+          <p:nvPr/>
+        </p:nvPicPr>
+        <p:blipFill>
+          <a:blip r:embed="rId3"/>
+          <a:stretch>
+            <a:fillRect/>
+          </a:stretch>
+        </p:blipFill>
+        <p:spPr>
+          <a:xfrm>
+            <a:off x="8522300" y="4479906"/>
+            <a:ext cx="2317335" cy="966053"/>
+          </a:xfrm>
+          <a:prstGeom prst="rect">
+            <a:avLst/>
+          </a:prstGeom>
+        </p:spPr>
+      </p:pic>
     </p:spTree>
     <p:extLst>
       <p:ext uri="{BB962C8B-B14F-4D97-AF65-F5344CB8AC3E}">
@@ -5758,410 +6403,25 @@
             <p:ph type="title"/>
           </p:nvPr>
         </p:nvSpPr>
-        <p:spPr/>
-        <p:txBody>
-          <a:bodyPr/>
-          <a:lstStyle/>
-          <a:p>
-            <a:r>
-              <a:rPr lang="en-GB" dirty="0"/>
-              <a:t>Results</a:t>
-            </a:r>
-            <a:br>
-              <a:rPr lang="en-GB" i="1" dirty="0"/>
-            </a:br>
-            <a:endParaRPr lang="en-GB" dirty="0"/>
-          </a:p>
-        </p:txBody>
-      </p:sp>
-      <p:sp>
-        <p:nvSpPr>
-          <p:cNvPr id="3" name="Content Placeholder 2">
-            <a:extLst>
-              <a:ext uri="{FF2B5EF4-FFF2-40B4-BE49-F238E27FC236}">
-                <a16:creationId xmlns:a16="http://schemas.microsoft.com/office/drawing/2014/main" id="{4CF84F54-A90A-4235-AF9B-18DC5CFC3F1E}"/>
-              </a:ext>
-            </a:extLst>
-          </p:cNvPr>
-          <p:cNvSpPr>
-            <a:spLocks noGrp="1"/>
-          </p:cNvSpPr>
-          <p:nvPr>
-            <p:ph idx="1"/>
-          </p:nvPr>
-        </p:nvSpPr>
         <p:spPr>
           <a:xfrm>
-            <a:off x="1097280" y="2108201"/>
-            <a:ext cx="1175403" cy="377547"/>
+            <a:off x="1106158" y="1066259"/>
+            <a:ext cx="10150728" cy="709492"/>
           </a:xfrm>
         </p:spPr>
         <p:txBody>
           <a:bodyPr>
-            <a:normAutofit fontScale="92500" lnSpcReduction="10000"/>
+            <a:noAutofit/>
           </a:bodyPr>
           <a:lstStyle/>
           <a:p>
             <a:r>
-              <a:rPr lang="en-GB" dirty="0"/>
-              <a:t>Rules List</a:t>
-            </a:r>
-          </a:p>
-        </p:txBody>
-      </p:sp>
-      <p:pic>
-        <p:nvPicPr>
-          <p:cNvPr id="4" name="Picture 3">
-            <a:extLst>
-              <a:ext uri="{FF2B5EF4-FFF2-40B4-BE49-F238E27FC236}">
-                <a16:creationId xmlns:a16="http://schemas.microsoft.com/office/drawing/2014/main" id="{8C8164D3-FFA6-4BF4-AEC0-852691780794}"/>
-              </a:ext>
-            </a:extLst>
-          </p:cNvPr>
-          <p:cNvPicPr>
-            <a:picLocks noChangeAspect="1"/>
-          </p:cNvPicPr>
-          <p:nvPr/>
-        </p:nvPicPr>
-        <p:blipFill>
-          <a:blip r:embed="rId2"/>
-          <a:stretch>
-            <a:fillRect/>
-          </a:stretch>
-        </p:blipFill>
-        <p:spPr>
-          <a:xfrm>
-            <a:off x="1177179" y="2504164"/>
-            <a:ext cx="8401050" cy="704850"/>
-          </a:xfrm>
-          <a:prstGeom prst="rect">
-            <a:avLst/>
-          </a:prstGeom>
-        </p:spPr>
-      </p:pic>
-      <p:grpSp>
-        <p:nvGrpSpPr>
-          <p:cNvPr id="7" name="Group 6">
-            <a:extLst>
-              <a:ext uri="{FF2B5EF4-FFF2-40B4-BE49-F238E27FC236}">
-                <a16:creationId xmlns:a16="http://schemas.microsoft.com/office/drawing/2014/main" id="{9FCCC6C8-F5CA-494B-97D4-DF5EED3EFDAB}"/>
-              </a:ext>
-            </a:extLst>
-          </p:cNvPr>
-          <p:cNvGrpSpPr/>
-          <p:nvPr/>
-        </p:nvGrpSpPr>
-        <p:grpSpPr>
-          <a:xfrm>
-            <a:off x="1097280" y="3598271"/>
-            <a:ext cx="2708799" cy="1390979"/>
-            <a:chOff x="1097280" y="3598271"/>
-            <a:chExt cx="2708799" cy="1390979"/>
-          </a:xfrm>
-        </p:grpSpPr>
-        <p:pic>
-          <p:nvPicPr>
-            <p:cNvPr id="5" name="Picture 4">
-              <a:extLst>
-                <a:ext uri="{FF2B5EF4-FFF2-40B4-BE49-F238E27FC236}">
-                  <a16:creationId xmlns:a16="http://schemas.microsoft.com/office/drawing/2014/main" id="{BDA43AE2-2F09-4299-86E5-7C5CA1F25107}"/>
-                </a:ext>
-              </a:extLst>
-            </p:cNvPr>
-            <p:cNvPicPr>
-              <a:picLocks noChangeAspect="1"/>
-            </p:cNvPicPr>
-            <p:nvPr/>
-          </p:nvPicPr>
-          <p:blipFill rotWithShape="1">
-            <a:blip r:embed="rId3"/>
-            <a:srcRect l="338" t="5673" r="-338" b="57385"/>
-            <a:stretch/>
-          </p:blipFill>
-          <p:spPr>
-            <a:xfrm>
-              <a:off x="1177179" y="3975818"/>
-              <a:ext cx="2628900" cy="1013432"/>
-            </a:xfrm>
-            <a:prstGeom prst="rect">
-              <a:avLst/>
-            </a:prstGeom>
-          </p:spPr>
-        </p:pic>
-        <p:sp>
-          <p:nvSpPr>
-            <p:cNvPr id="6" name="Content Placeholder 2">
-              <a:extLst>
-                <a:ext uri="{FF2B5EF4-FFF2-40B4-BE49-F238E27FC236}">
-                  <a16:creationId xmlns:a16="http://schemas.microsoft.com/office/drawing/2014/main" id="{5BE7C1C9-F54D-4A9D-941E-1360654145A0}"/>
-                </a:ext>
-              </a:extLst>
-            </p:cNvPr>
-            <p:cNvSpPr txBox="1">
-              <a:spLocks/>
-            </p:cNvSpPr>
-            <p:nvPr/>
-          </p:nvSpPr>
-          <p:spPr>
-            <a:xfrm>
-              <a:off x="1097280" y="3598271"/>
-              <a:ext cx="2205213" cy="377547"/>
-            </a:xfrm>
-            <a:prstGeom prst="rect">
-              <a:avLst/>
-            </a:prstGeom>
-          </p:spPr>
-          <p:txBody>
-            <a:bodyPr vert="horz" lIns="0" tIns="45720" rIns="0" bIns="45720" rtlCol="0">
-              <a:normAutofit fontScale="85000" lnSpcReduction="10000"/>
-            </a:bodyPr>
-            <a:lstStyle>
-              <a:lvl1pPr marL="91440" indent="-91440" algn="l" defTabSz="914400" rtl="0" eaLnBrk="1" latinLnBrk="0" hangingPunct="1">
-                <a:lnSpc>
-                  <a:spcPct val="100000"/>
-                </a:lnSpc>
-                <a:spcBef>
-                  <a:spcPts val="1200"/>
-                </a:spcBef>
-                <a:spcAft>
-                  <a:spcPts val="200"/>
-                </a:spcAft>
-                <a:buClr>
-                  <a:schemeClr val="accent1"/>
-                </a:buClr>
-                <a:buSzPct val="100000"/>
-                <a:buFont typeface="Calibri" panose="020F0502020204030204" pitchFamily="34" charset="0"/>
-                <a:buChar char=" "/>
-                <a:defRPr sz="2000" kern="1200">
-                  <a:solidFill>
-                    <a:schemeClr val="tx1">
-                      <a:lumMod val="75000"/>
-                      <a:lumOff val="25000"/>
-                    </a:schemeClr>
-                  </a:solidFill>
-                  <a:latin typeface="+mn-lt"/>
-                  <a:ea typeface="+mn-ea"/>
-                  <a:cs typeface="+mn-cs"/>
-                </a:defRPr>
-              </a:lvl1pPr>
-              <a:lvl2pPr marL="384048" indent="-182880" algn="l" defTabSz="914400" rtl="0" eaLnBrk="1" latinLnBrk="0" hangingPunct="1">
-                <a:lnSpc>
-                  <a:spcPct val="100000"/>
-                </a:lnSpc>
-                <a:spcBef>
-                  <a:spcPts val="200"/>
-                </a:spcBef>
-                <a:spcAft>
-                  <a:spcPts val="400"/>
-                </a:spcAft>
-                <a:buClrTx/>
-                <a:buFont typeface="Calibri" pitchFamily="34" charset="0"/>
-                <a:buChar char="◦"/>
-                <a:defRPr sz="1800" kern="1200">
-                  <a:solidFill>
-                    <a:schemeClr val="tx1">
-                      <a:lumMod val="75000"/>
-                      <a:lumOff val="25000"/>
-                    </a:schemeClr>
-                  </a:solidFill>
-                  <a:latin typeface="+mn-lt"/>
-                  <a:ea typeface="+mn-ea"/>
-                  <a:cs typeface="+mn-cs"/>
-                </a:defRPr>
-              </a:lvl2pPr>
-              <a:lvl3pPr marL="566928" indent="-182880" algn="l" defTabSz="914400" rtl="0" eaLnBrk="1" latinLnBrk="0" hangingPunct="1">
-                <a:lnSpc>
-                  <a:spcPct val="100000"/>
-                </a:lnSpc>
-                <a:spcBef>
-                  <a:spcPts val="200"/>
-                </a:spcBef>
-                <a:spcAft>
-                  <a:spcPts val="400"/>
-                </a:spcAft>
-                <a:buClrTx/>
-                <a:buFont typeface="Calibri" pitchFamily="34" charset="0"/>
-                <a:buChar char="◦"/>
-                <a:defRPr sz="1400" kern="1200">
-                  <a:solidFill>
-                    <a:schemeClr val="tx1">
-                      <a:lumMod val="75000"/>
-                      <a:lumOff val="25000"/>
-                    </a:schemeClr>
-                  </a:solidFill>
-                  <a:latin typeface="+mn-lt"/>
-                  <a:ea typeface="+mn-ea"/>
-                  <a:cs typeface="+mn-cs"/>
-                </a:defRPr>
-              </a:lvl3pPr>
-              <a:lvl4pPr marL="749808" indent="-182880" algn="l" defTabSz="914400" rtl="0" eaLnBrk="1" latinLnBrk="0" hangingPunct="1">
-                <a:lnSpc>
-                  <a:spcPct val="100000"/>
-                </a:lnSpc>
-                <a:spcBef>
-                  <a:spcPts val="200"/>
-                </a:spcBef>
-                <a:spcAft>
-                  <a:spcPts val="400"/>
-                </a:spcAft>
-                <a:buClrTx/>
-                <a:buFont typeface="Calibri" pitchFamily="34" charset="0"/>
-                <a:buChar char="◦"/>
-                <a:defRPr sz="1400" kern="1200">
-                  <a:solidFill>
-                    <a:schemeClr val="tx1">
-                      <a:lumMod val="75000"/>
-                      <a:lumOff val="25000"/>
-                    </a:schemeClr>
-                  </a:solidFill>
-                  <a:latin typeface="+mn-lt"/>
-                  <a:ea typeface="+mn-ea"/>
-                  <a:cs typeface="+mn-cs"/>
-                </a:defRPr>
-              </a:lvl4pPr>
-              <a:lvl5pPr marL="932688" indent="-182880" algn="l" defTabSz="914400" rtl="0" eaLnBrk="1" latinLnBrk="0" hangingPunct="1">
-                <a:lnSpc>
-                  <a:spcPct val="100000"/>
-                </a:lnSpc>
-                <a:spcBef>
-                  <a:spcPts val="200"/>
-                </a:spcBef>
-                <a:spcAft>
-                  <a:spcPts val="400"/>
-                </a:spcAft>
-                <a:buClrTx/>
-                <a:buFont typeface="Calibri" pitchFamily="34" charset="0"/>
-                <a:buChar char="◦"/>
-                <a:defRPr sz="1400" kern="1200">
-                  <a:solidFill>
-                    <a:schemeClr val="tx1">
-                      <a:lumMod val="75000"/>
-                      <a:lumOff val="25000"/>
-                    </a:schemeClr>
-                  </a:solidFill>
-                  <a:latin typeface="+mn-lt"/>
-                  <a:ea typeface="+mn-ea"/>
-                  <a:cs typeface="+mn-cs"/>
-                </a:defRPr>
-              </a:lvl5pPr>
-              <a:lvl6pPr marL="1100000" indent="-228600" algn="l" defTabSz="914400" rtl="0" eaLnBrk="1" latinLnBrk="0" hangingPunct="1">
-                <a:lnSpc>
-                  <a:spcPct val="90000"/>
-                </a:lnSpc>
-                <a:spcBef>
-                  <a:spcPts val="200"/>
-                </a:spcBef>
-                <a:spcAft>
-                  <a:spcPts val="400"/>
-                </a:spcAft>
-                <a:buClr>
-                  <a:schemeClr val="accent1"/>
-                </a:buClr>
-                <a:buFont typeface="Calibri" pitchFamily="34" charset="0"/>
-                <a:buChar char="◦"/>
-                <a:defRPr sz="1400" kern="1200">
-                  <a:solidFill>
-                    <a:schemeClr val="tx1">
-                      <a:lumMod val="75000"/>
-                      <a:lumOff val="25000"/>
-                    </a:schemeClr>
-                  </a:solidFill>
-                  <a:latin typeface="+mn-lt"/>
-                  <a:ea typeface="+mn-ea"/>
-                  <a:cs typeface="+mn-cs"/>
-                </a:defRPr>
-              </a:lvl6pPr>
-              <a:lvl7pPr marL="1300000" indent="-228600" algn="l" defTabSz="914400" rtl="0" eaLnBrk="1" latinLnBrk="0" hangingPunct="1">
-                <a:lnSpc>
-                  <a:spcPct val="90000"/>
-                </a:lnSpc>
-                <a:spcBef>
-                  <a:spcPts val="200"/>
-                </a:spcBef>
-                <a:spcAft>
-                  <a:spcPts val="400"/>
-                </a:spcAft>
-                <a:buClr>
-                  <a:schemeClr val="accent1"/>
-                </a:buClr>
-                <a:buFont typeface="Calibri" pitchFamily="34" charset="0"/>
-                <a:buChar char="◦"/>
-                <a:defRPr sz="1400" kern="1200">
-                  <a:solidFill>
-                    <a:schemeClr val="tx1">
-                      <a:lumMod val="75000"/>
-                      <a:lumOff val="25000"/>
-                    </a:schemeClr>
-                  </a:solidFill>
-                  <a:latin typeface="+mn-lt"/>
-                  <a:ea typeface="+mn-ea"/>
-                  <a:cs typeface="+mn-cs"/>
-                </a:defRPr>
-              </a:lvl7pPr>
-              <a:lvl8pPr marL="1500000" indent="-228600" algn="l" defTabSz="914400" rtl="0" eaLnBrk="1" latinLnBrk="0" hangingPunct="1">
-                <a:lnSpc>
-                  <a:spcPct val="90000"/>
-                </a:lnSpc>
-                <a:spcBef>
-                  <a:spcPts val="200"/>
-                </a:spcBef>
-                <a:spcAft>
-                  <a:spcPts val="400"/>
-                </a:spcAft>
-                <a:buClr>
-                  <a:schemeClr val="accent1"/>
-                </a:buClr>
-                <a:buFont typeface="Calibri" pitchFamily="34" charset="0"/>
-                <a:buChar char="◦"/>
-                <a:defRPr sz="1400" kern="1200">
-                  <a:solidFill>
-                    <a:schemeClr val="tx1">
-                      <a:lumMod val="75000"/>
-                      <a:lumOff val="25000"/>
-                    </a:schemeClr>
-                  </a:solidFill>
-                  <a:latin typeface="+mn-lt"/>
-                  <a:ea typeface="+mn-ea"/>
-                  <a:cs typeface="+mn-cs"/>
-                </a:defRPr>
-              </a:lvl8pPr>
-              <a:lvl9pPr marL="1700000" indent="-228600" algn="l" defTabSz="914400" rtl="0" eaLnBrk="1" latinLnBrk="0" hangingPunct="1">
-                <a:lnSpc>
-                  <a:spcPct val="90000"/>
-                </a:lnSpc>
-                <a:spcBef>
-                  <a:spcPts val="200"/>
-                </a:spcBef>
-                <a:spcAft>
-                  <a:spcPts val="400"/>
-                </a:spcAft>
-                <a:buClr>
-                  <a:schemeClr val="accent1"/>
-                </a:buClr>
-                <a:buFont typeface="Calibri" pitchFamily="34" charset="0"/>
-                <a:buChar char="◦"/>
-                <a:defRPr sz="1400" kern="1200">
-                  <a:solidFill>
-                    <a:schemeClr val="tx1">
-                      <a:lumMod val="75000"/>
-                      <a:lumOff val="25000"/>
-                    </a:schemeClr>
-                  </a:solidFill>
-                  <a:latin typeface="+mn-lt"/>
-                  <a:ea typeface="+mn-ea"/>
-                  <a:cs typeface="+mn-cs"/>
-                </a:defRPr>
-              </a:lvl9pPr>
-            </a:lstStyle>
-            <a:p>
-              <a:r>
-                <a:rPr lang="en-GB" dirty="0"/>
-                <a:t>Frequent Itemsets List</a:t>
-              </a:r>
-            </a:p>
-          </p:txBody>
-        </p:sp>
-      </p:grpSp>
+              <a:rPr lang="en-GB" sz="4400" b="1" dirty="0"/>
+              <a:t>Results  -  Grocery Shopping Association Rules</a:t>
+            </a:r>
+          </a:p>
+        </p:txBody>
+      </p:sp>
       <p:grpSp>
         <p:nvGrpSpPr>
           <p:cNvPr id="10" name="Group 9">
@@ -6176,7 +6436,7 @@
         </p:nvGrpSpPr>
         <p:grpSpPr>
           <a:xfrm>
-            <a:off x="4544794" y="3787044"/>
+            <a:off x="1230666" y="4325185"/>
             <a:ext cx="5712447" cy="884263"/>
             <a:chOff x="4420507" y="3598271"/>
             <a:chExt cx="5712447" cy="884263"/>
@@ -6197,7 +6457,7 @@
             <p:nvPr/>
           </p:nvPicPr>
           <p:blipFill>
-            <a:blip r:embed="rId4"/>
+            <a:blip r:embed="rId3"/>
             <a:stretch>
               <a:fillRect/>
             </a:stretch>
@@ -6486,6 +6746,322 @@
           </p:txBody>
         </p:sp>
       </p:grpSp>
+      <p:pic>
+        <p:nvPicPr>
+          <p:cNvPr id="12" name="Picture 11">
+            <a:extLst>
+              <a:ext uri="{FF2B5EF4-FFF2-40B4-BE49-F238E27FC236}">
+                <a16:creationId xmlns:a16="http://schemas.microsoft.com/office/drawing/2014/main" id="{F14489EF-3042-4698-864D-C78BA5C66ABB}"/>
+              </a:ext>
+            </a:extLst>
+          </p:cNvPr>
+          <p:cNvPicPr>
+            <a:picLocks noChangeAspect="1"/>
+          </p:cNvPicPr>
+          <p:nvPr/>
+        </p:nvPicPr>
+        <p:blipFill rotWithShape="1">
+          <a:blip r:embed="rId4"/>
+          <a:srcRect l="272" t="533" r="304"/>
+          <a:stretch/>
+        </p:blipFill>
+        <p:spPr>
+          <a:xfrm>
+            <a:off x="7954281" y="2235104"/>
+            <a:ext cx="3731830" cy="2090081"/>
+          </a:xfrm>
+          <a:prstGeom prst="rect">
+            <a:avLst/>
+          </a:prstGeom>
+        </p:spPr>
+      </p:pic>
+      <p:sp>
+        <p:nvSpPr>
+          <p:cNvPr id="13" name="Content Placeholder 2">
+            <a:extLst>
+              <a:ext uri="{FF2B5EF4-FFF2-40B4-BE49-F238E27FC236}">
+                <a16:creationId xmlns:a16="http://schemas.microsoft.com/office/drawing/2014/main" id="{79D7104A-A2B3-442A-A701-4D842F532753}"/>
+              </a:ext>
+            </a:extLst>
+          </p:cNvPr>
+          <p:cNvSpPr txBox="1">
+            <a:spLocks/>
+          </p:cNvSpPr>
+          <p:nvPr/>
+        </p:nvSpPr>
+        <p:spPr>
+          <a:xfrm>
+            <a:off x="1230666" y="2219615"/>
+            <a:ext cx="6200165" cy="1630166"/>
+          </a:xfrm>
+          <a:prstGeom prst="rect">
+            <a:avLst/>
+          </a:prstGeom>
+        </p:spPr>
+        <p:txBody>
+          <a:bodyPr vert="horz" lIns="0" tIns="45720" rIns="0" bIns="45720" rtlCol="0">
+            <a:normAutofit/>
+          </a:bodyPr>
+          <a:lstStyle>
+            <a:lvl1pPr marL="91440" indent="-91440" algn="l" defTabSz="914400" rtl="0" eaLnBrk="1" latinLnBrk="0" hangingPunct="1">
+              <a:lnSpc>
+                <a:spcPct val="100000"/>
+              </a:lnSpc>
+              <a:spcBef>
+                <a:spcPts val="1200"/>
+              </a:spcBef>
+              <a:spcAft>
+                <a:spcPts val="200"/>
+              </a:spcAft>
+              <a:buClr>
+                <a:schemeClr val="accent1"/>
+              </a:buClr>
+              <a:buSzPct val="100000"/>
+              <a:buFont typeface="Calibri" panose="020F0502020204030204" pitchFamily="34" charset="0"/>
+              <a:buChar char=" "/>
+              <a:defRPr sz="2000" kern="1200">
+                <a:solidFill>
+                  <a:schemeClr val="tx1">
+                    <a:lumMod val="75000"/>
+                    <a:lumOff val="25000"/>
+                  </a:schemeClr>
+                </a:solidFill>
+                <a:latin typeface="+mn-lt"/>
+                <a:ea typeface="+mn-ea"/>
+                <a:cs typeface="+mn-cs"/>
+              </a:defRPr>
+            </a:lvl1pPr>
+            <a:lvl2pPr marL="384048" indent="-182880" algn="l" defTabSz="914400" rtl="0" eaLnBrk="1" latinLnBrk="0" hangingPunct="1">
+              <a:lnSpc>
+                <a:spcPct val="100000"/>
+              </a:lnSpc>
+              <a:spcBef>
+                <a:spcPts val="200"/>
+              </a:spcBef>
+              <a:spcAft>
+                <a:spcPts val="400"/>
+              </a:spcAft>
+              <a:buClrTx/>
+              <a:buFont typeface="Calibri" pitchFamily="34" charset="0"/>
+              <a:buChar char="◦"/>
+              <a:defRPr sz="1800" kern="1200">
+                <a:solidFill>
+                  <a:schemeClr val="tx1">
+                    <a:lumMod val="75000"/>
+                    <a:lumOff val="25000"/>
+                  </a:schemeClr>
+                </a:solidFill>
+                <a:latin typeface="+mn-lt"/>
+                <a:ea typeface="+mn-ea"/>
+                <a:cs typeface="+mn-cs"/>
+              </a:defRPr>
+            </a:lvl2pPr>
+            <a:lvl3pPr marL="566928" indent="-182880" algn="l" defTabSz="914400" rtl="0" eaLnBrk="1" latinLnBrk="0" hangingPunct="1">
+              <a:lnSpc>
+                <a:spcPct val="100000"/>
+              </a:lnSpc>
+              <a:spcBef>
+                <a:spcPts val="200"/>
+              </a:spcBef>
+              <a:spcAft>
+                <a:spcPts val="400"/>
+              </a:spcAft>
+              <a:buClrTx/>
+              <a:buFont typeface="Calibri" pitchFamily="34" charset="0"/>
+              <a:buChar char="◦"/>
+              <a:defRPr sz="1400" kern="1200">
+                <a:solidFill>
+                  <a:schemeClr val="tx1">
+                    <a:lumMod val="75000"/>
+                    <a:lumOff val="25000"/>
+                  </a:schemeClr>
+                </a:solidFill>
+                <a:latin typeface="+mn-lt"/>
+                <a:ea typeface="+mn-ea"/>
+                <a:cs typeface="+mn-cs"/>
+              </a:defRPr>
+            </a:lvl3pPr>
+            <a:lvl4pPr marL="749808" indent="-182880" algn="l" defTabSz="914400" rtl="0" eaLnBrk="1" latinLnBrk="0" hangingPunct="1">
+              <a:lnSpc>
+                <a:spcPct val="100000"/>
+              </a:lnSpc>
+              <a:spcBef>
+                <a:spcPts val="200"/>
+              </a:spcBef>
+              <a:spcAft>
+                <a:spcPts val="400"/>
+              </a:spcAft>
+              <a:buClrTx/>
+              <a:buFont typeface="Calibri" pitchFamily="34" charset="0"/>
+              <a:buChar char="◦"/>
+              <a:defRPr sz="1400" kern="1200">
+                <a:solidFill>
+                  <a:schemeClr val="tx1">
+                    <a:lumMod val="75000"/>
+                    <a:lumOff val="25000"/>
+                  </a:schemeClr>
+                </a:solidFill>
+                <a:latin typeface="+mn-lt"/>
+                <a:ea typeface="+mn-ea"/>
+                <a:cs typeface="+mn-cs"/>
+              </a:defRPr>
+            </a:lvl4pPr>
+            <a:lvl5pPr marL="932688" indent="-182880" algn="l" defTabSz="914400" rtl="0" eaLnBrk="1" latinLnBrk="0" hangingPunct="1">
+              <a:lnSpc>
+                <a:spcPct val="100000"/>
+              </a:lnSpc>
+              <a:spcBef>
+                <a:spcPts val="200"/>
+              </a:spcBef>
+              <a:spcAft>
+                <a:spcPts val="400"/>
+              </a:spcAft>
+              <a:buClrTx/>
+              <a:buFont typeface="Calibri" pitchFamily="34" charset="0"/>
+              <a:buChar char="◦"/>
+              <a:defRPr sz="1400" kern="1200">
+                <a:solidFill>
+                  <a:schemeClr val="tx1">
+                    <a:lumMod val="75000"/>
+                    <a:lumOff val="25000"/>
+                  </a:schemeClr>
+                </a:solidFill>
+                <a:latin typeface="+mn-lt"/>
+                <a:ea typeface="+mn-ea"/>
+                <a:cs typeface="+mn-cs"/>
+              </a:defRPr>
+            </a:lvl5pPr>
+            <a:lvl6pPr marL="1100000" indent="-228600" algn="l" defTabSz="914400" rtl="0" eaLnBrk="1" latinLnBrk="0" hangingPunct="1">
+              <a:lnSpc>
+                <a:spcPct val="90000"/>
+              </a:lnSpc>
+              <a:spcBef>
+                <a:spcPts val="200"/>
+              </a:spcBef>
+              <a:spcAft>
+                <a:spcPts val="400"/>
+              </a:spcAft>
+              <a:buClr>
+                <a:schemeClr val="accent1"/>
+              </a:buClr>
+              <a:buFont typeface="Calibri" pitchFamily="34" charset="0"/>
+              <a:buChar char="◦"/>
+              <a:defRPr sz="1400" kern="1200">
+                <a:solidFill>
+                  <a:schemeClr val="tx1">
+                    <a:lumMod val="75000"/>
+                    <a:lumOff val="25000"/>
+                  </a:schemeClr>
+                </a:solidFill>
+                <a:latin typeface="+mn-lt"/>
+                <a:ea typeface="+mn-ea"/>
+                <a:cs typeface="+mn-cs"/>
+              </a:defRPr>
+            </a:lvl6pPr>
+            <a:lvl7pPr marL="1300000" indent="-228600" algn="l" defTabSz="914400" rtl="0" eaLnBrk="1" latinLnBrk="0" hangingPunct="1">
+              <a:lnSpc>
+                <a:spcPct val="90000"/>
+              </a:lnSpc>
+              <a:spcBef>
+                <a:spcPts val="200"/>
+              </a:spcBef>
+              <a:spcAft>
+                <a:spcPts val="400"/>
+              </a:spcAft>
+              <a:buClr>
+                <a:schemeClr val="accent1"/>
+              </a:buClr>
+              <a:buFont typeface="Calibri" pitchFamily="34" charset="0"/>
+              <a:buChar char="◦"/>
+              <a:defRPr sz="1400" kern="1200">
+                <a:solidFill>
+                  <a:schemeClr val="tx1">
+                    <a:lumMod val="75000"/>
+                    <a:lumOff val="25000"/>
+                  </a:schemeClr>
+                </a:solidFill>
+                <a:latin typeface="+mn-lt"/>
+                <a:ea typeface="+mn-ea"/>
+                <a:cs typeface="+mn-cs"/>
+              </a:defRPr>
+            </a:lvl7pPr>
+            <a:lvl8pPr marL="1500000" indent="-228600" algn="l" defTabSz="914400" rtl="0" eaLnBrk="1" latinLnBrk="0" hangingPunct="1">
+              <a:lnSpc>
+                <a:spcPct val="90000"/>
+              </a:lnSpc>
+              <a:spcBef>
+                <a:spcPts val="200"/>
+              </a:spcBef>
+              <a:spcAft>
+                <a:spcPts val="400"/>
+              </a:spcAft>
+              <a:buClr>
+                <a:schemeClr val="accent1"/>
+              </a:buClr>
+              <a:buFont typeface="Calibri" pitchFamily="34" charset="0"/>
+              <a:buChar char="◦"/>
+              <a:defRPr sz="1400" kern="1200">
+                <a:solidFill>
+                  <a:schemeClr val="tx1">
+                    <a:lumMod val="75000"/>
+                    <a:lumOff val="25000"/>
+                  </a:schemeClr>
+                </a:solidFill>
+                <a:latin typeface="+mn-lt"/>
+                <a:ea typeface="+mn-ea"/>
+                <a:cs typeface="+mn-cs"/>
+              </a:defRPr>
+            </a:lvl8pPr>
+            <a:lvl9pPr marL="1700000" indent="-228600" algn="l" defTabSz="914400" rtl="0" eaLnBrk="1" latinLnBrk="0" hangingPunct="1">
+              <a:lnSpc>
+                <a:spcPct val="90000"/>
+              </a:lnSpc>
+              <a:spcBef>
+                <a:spcPts val="200"/>
+              </a:spcBef>
+              <a:spcAft>
+                <a:spcPts val="400"/>
+              </a:spcAft>
+              <a:buClr>
+                <a:schemeClr val="accent1"/>
+              </a:buClr>
+              <a:buFont typeface="Calibri" pitchFamily="34" charset="0"/>
+              <a:buChar char="◦"/>
+              <a:defRPr sz="1400" kern="1200">
+                <a:solidFill>
+                  <a:schemeClr val="tx1">
+                    <a:lumMod val="75000"/>
+                    <a:lumOff val="25000"/>
+                  </a:schemeClr>
+                </a:solidFill>
+                <a:latin typeface="+mn-lt"/>
+                <a:ea typeface="+mn-ea"/>
+                <a:cs typeface="+mn-cs"/>
+              </a:defRPr>
+            </a:lvl9pPr>
+          </a:lstStyle>
+          <a:p>
+            <a:pPr>
+              <a:buFont typeface="Wingdings" panose="05000000000000000000" pitchFamily="2" charset="2"/>
+              <a:buChar char="Ø"/>
+            </a:pPr>
+            <a:r>
+              <a:rPr lang="en-GB" sz="1600" dirty="0"/>
+              <a:t>  169 unique items, with highest frequency 2513 for whole milk and lowest frequency – 1 for baby food. </a:t>
+            </a:r>
+          </a:p>
+          <a:p>
+            <a:pPr>
+              <a:buFont typeface="Wingdings" panose="05000000000000000000" pitchFamily="2" charset="2"/>
+              <a:buChar char="Ø"/>
+            </a:pPr>
+            <a:r>
+              <a:rPr lang="en-GB" sz="1600" dirty="0"/>
+              <a:t>  When given 10% relative support and 10% confidence barrier, the lowest support that passes the boundary is 736, with 86 unique itemsets and 66 unique associations between them. </a:t>
+            </a:r>
+          </a:p>
+        </p:txBody>
+      </p:sp>
     </p:spTree>
     <p:extLst>
       <p:ext uri="{BB962C8B-B14F-4D97-AF65-F5344CB8AC3E}">
@@ -6532,14 +7108,19 @@
             <p:ph type="title"/>
           </p:nvPr>
         </p:nvSpPr>
-        <p:spPr/>
+        <p:spPr>
+          <a:xfrm>
+            <a:off x="1097280" y="263529"/>
+            <a:ext cx="10058400" cy="1450757"/>
+          </a:xfrm>
+        </p:spPr>
         <p:txBody>
           <a:bodyPr/>
           <a:lstStyle/>
           <a:p>
             <a:r>
-              <a:rPr lang="en-GB" dirty="0"/>
-              <a:t>Algorithm</a:t>
+              <a:rPr lang="en-GB" b="1" dirty="0"/>
+              <a:t>Collaborative Filtering</a:t>
             </a:r>
           </a:p>
         </p:txBody>
@@ -6586,28 +7167,7 @@
                 <a:latin typeface="Arial" panose="020B0604020202020204" pitchFamily="34" charset="0"/>
                 <a:cs typeface="Arial" panose="020B0604020202020204" pitchFamily="34" charset="0"/>
               </a:rPr>
-              <a:t>(Library) – Victor Essien, Nour </a:t>
-            </a:r>
-            <a:r>
-              <a:rPr lang="en-GB" b="1" i="1" dirty="0" err="1">
-                <a:latin typeface="Arial" panose="020B0604020202020204" pitchFamily="34" charset="0"/>
-                <a:cs typeface="Arial" panose="020B0604020202020204" pitchFamily="34" charset="0"/>
-              </a:rPr>
-              <a:t>Aldin</a:t>
-            </a:r>
-            <a:r>
-              <a:rPr lang="en-GB" b="1" i="1" dirty="0">
-                <a:latin typeface="Arial" panose="020B0604020202020204" pitchFamily="34" charset="0"/>
-                <a:cs typeface="Arial" panose="020B0604020202020204" pitchFamily="34" charset="0"/>
-              </a:rPr>
-              <a:t> </a:t>
-            </a:r>
-            <a:r>
-              <a:rPr lang="en-GB" b="1" i="1" dirty="0" err="1">
-                <a:latin typeface="Arial" panose="020B0604020202020204" pitchFamily="34" charset="0"/>
-                <a:cs typeface="Arial" panose="020B0604020202020204" pitchFamily="34" charset="0"/>
-              </a:rPr>
-              <a:t>Almubarak</a:t>
+              <a:t>(Library)</a:t>
             </a:r>
             <a:endParaRPr lang="en-GB" b="1" dirty="0">
               <a:latin typeface="Arial" panose="020B0604020202020204" pitchFamily="34" charset="0"/>
@@ -6711,7 +7271,7 @@
           <a:lstStyle/>
           <a:p>
             <a:r>
-              <a:rPr lang="en-GB" dirty="0"/>
+              <a:rPr lang="en-GB" b="1" dirty="0"/>
               <a:t>Questions</a:t>
             </a:r>
           </a:p>
@@ -6814,8 +7374,8 @@
           <a:lstStyle/>
           <a:p>
             <a:r>
-              <a:rPr lang="en-GB" dirty="0"/>
-              <a:t>Results</a:t>
+              <a:rPr lang="en-GB" b="1" dirty="0"/>
+              <a:t>Results – Movie Ratings</a:t>
             </a:r>
           </a:p>
         </p:txBody>

--- a/Data Mining presentation.pptx
+++ b/Data Mining presentation.pptx
@@ -206,7 +206,7 @@
           <a:p>
             <a:fld id="{E1D76724-6684-4474-AC7D-B2BAA2DF309E}" type="datetimeFigureOut">
               <a:rPr lang="en-GB" smtClean="0"/>
-              <a:t>07/05/2020</a:t>
+              <a:t>09/05/2020</a:t>
             </a:fld>
             <a:endParaRPr lang="en-GB"/>
           </a:p>
@@ -518,10 +518,7 @@
           <a:bodyPr/>
           <a:lstStyle/>
           <a:p>
-            <a:r>
-              <a:rPr lang="en-GB" dirty="0"/>
-              <a:t>Add notes</a:t>
-            </a:r>
+            <a:endParaRPr lang="en-GB" dirty="0"/>
           </a:p>
         </p:txBody>
       </p:sp>
@@ -542,7 +539,7 @@
           <a:p>
             <a:fld id="{56968897-611B-4557-97B4-67EAE2B1ABE0}" type="slidenum">
               <a:rPr lang="en-GB" smtClean="0"/>
-              <a:t>2</a:t>
+              <a:t>1</a:t>
             </a:fld>
             <a:endParaRPr lang="en-GB"/>
           </a:p>
@@ -551,7 +548,219 @@
     </p:spTree>
     <p:extLst>
       <p:ext uri="{BB962C8B-B14F-4D97-AF65-F5344CB8AC3E}">
-        <p14:creationId xmlns:p14="http://schemas.microsoft.com/office/powerpoint/2010/main" val="741440239"/>
+        <p14:creationId xmlns:p14="http://schemas.microsoft.com/office/powerpoint/2010/main" val="3601882356"/>
+      </p:ext>
+    </p:extLst>
+  </p:cSld>
+  <p:clrMapOvr>
+    <a:masterClrMapping/>
+  </p:clrMapOvr>
+</p:notes>
+</file>
+
+<file path=ppt/notesSlides/notesSlide10.xml><?xml version="1.0" encoding="utf-8"?>
+<p:notes xmlns:a="http://schemas.openxmlformats.org/drawingml/2006/main" xmlns:r="http://schemas.openxmlformats.org/officeDocument/2006/relationships" xmlns:p="http://schemas.openxmlformats.org/presentationml/2006/main">
+  <p:cSld>
+    <p:spTree>
+      <p:nvGrpSpPr>
+        <p:cNvPr id="1" name=""/>
+        <p:cNvGrpSpPr/>
+        <p:nvPr/>
+      </p:nvGrpSpPr>
+      <p:grpSpPr>
+        <a:xfrm>
+          <a:off x="0" y="0"/>
+          <a:ext cx="0" cy="0"/>
+          <a:chOff x="0" y="0"/>
+          <a:chExt cx="0" cy="0"/>
+        </a:xfrm>
+      </p:grpSpPr>
+      <p:sp>
+        <p:nvSpPr>
+          <p:cNvPr id="2" name="Slide Image Placeholder 1"/>
+          <p:cNvSpPr>
+            <a:spLocks noGrp="1" noRot="1" noChangeAspect="1"/>
+          </p:cNvSpPr>
+          <p:nvPr>
+            <p:ph type="sldImg"/>
+          </p:nvPr>
+        </p:nvSpPr>
+        <p:spPr/>
+      </p:sp>
+      <p:sp>
+        <p:nvSpPr>
+          <p:cNvPr id="3" name="Notes Placeholder 2"/>
+          <p:cNvSpPr>
+            <a:spLocks noGrp="1"/>
+          </p:cNvSpPr>
+          <p:nvPr>
+            <p:ph type="body" idx="1"/>
+          </p:nvPr>
+        </p:nvSpPr>
+        <p:spPr/>
+        <p:txBody>
+          <a:bodyPr/>
+          <a:lstStyle/>
+          <a:p>
+            <a:pPr marL="0" marR="0" lvl="0" indent="0" algn="l" defTabSz="914400" rtl="0" eaLnBrk="1" fontAlgn="auto" latinLnBrk="0" hangingPunct="1">
+              <a:lnSpc>
+                <a:spcPct val="100000"/>
+              </a:lnSpc>
+              <a:spcBef>
+                <a:spcPts val="0"/>
+              </a:spcBef>
+              <a:spcAft>
+                <a:spcPts val="0"/>
+              </a:spcAft>
+              <a:buClrTx/>
+              <a:buSzTx/>
+              <a:buFontTx/>
+              <a:buNone/>
+              <a:tabLst/>
+              <a:defRPr/>
+            </a:pPr>
+            <a:r>
+              <a:rPr lang="en-GB" b="1" dirty="0">
+                <a:latin typeface="Arial" panose="020B0604020202020204" pitchFamily="34" charset="0"/>
+                <a:cs typeface="Arial" panose="020B0604020202020204" pitchFamily="34" charset="0"/>
+              </a:rPr>
+              <a:t>Optimization: </a:t>
+            </a:r>
+            <a:r>
+              <a:rPr lang="en-GB" sz="1200" kern="1200" dirty="0">
+                <a:solidFill>
+                  <a:schemeClr val="tx1"/>
+                </a:solidFill>
+                <a:effectLst/>
+                <a:latin typeface="+mn-lt"/>
+                <a:ea typeface="+mn-ea"/>
+                <a:cs typeface="+mn-cs"/>
+              </a:rPr>
+              <a:t>displays the performance of our algorithm through the use of 5-fold Cross Validation.</a:t>
+            </a:r>
+          </a:p>
+          <a:p>
+            <a:pPr marL="0" marR="0" lvl="0" indent="0" algn="l" defTabSz="914400" rtl="0" eaLnBrk="1" fontAlgn="auto" latinLnBrk="0" hangingPunct="1">
+              <a:lnSpc>
+                <a:spcPct val="100000"/>
+              </a:lnSpc>
+              <a:spcBef>
+                <a:spcPts val="0"/>
+              </a:spcBef>
+              <a:spcAft>
+                <a:spcPts val="0"/>
+              </a:spcAft>
+              <a:buClrTx/>
+              <a:buSzTx/>
+              <a:buFontTx/>
+              <a:buNone/>
+              <a:tabLst/>
+              <a:defRPr/>
+            </a:pPr>
+            <a:r>
+              <a:rPr lang="en-GB" b="1" dirty="0">
+                <a:latin typeface="Arial" panose="020B0604020202020204" pitchFamily="34" charset="0"/>
+                <a:cs typeface="Arial" panose="020B0604020202020204" pitchFamily="34" charset="0"/>
+              </a:rPr>
+              <a:t>Predicting: </a:t>
+            </a:r>
+            <a:r>
+              <a:rPr lang="en-GB" sz="1200" kern="1200" dirty="0">
+                <a:solidFill>
+                  <a:schemeClr val="tx1"/>
+                </a:solidFill>
+                <a:effectLst/>
+                <a:latin typeface="+mn-lt"/>
+                <a:ea typeface="+mn-ea"/>
+                <a:cs typeface="+mn-cs"/>
+              </a:rPr>
+              <a:t>Finally, we are interested in the predicted rating for a certain user-movie combination so we know whether the user will like this movie or not.</a:t>
+            </a:r>
+          </a:p>
+          <a:p>
+            <a:pPr marL="0" marR="0" lvl="0" indent="0" algn="l" defTabSz="914400" rtl="0" eaLnBrk="1" fontAlgn="auto" latinLnBrk="0" hangingPunct="1">
+              <a:lnSpc>
+                <a:spcPct val="100000"/>
+              </a:lnSpc>
+              <a:spcBef>
+                <a:spcPts val="0"/>
+              </a:spcBef>
+              <a:spcAft>
+                <a:spcPts val="0"/>
+              </a:spcAft>
+              <a:buClrTx/>
+              <a:buSzTx/>
+              <a:buFontTx/>
+              <a:buNone/>
+              <a:tabLst/>
+              <a:defRPr/>
+            </a:pPr>
+            <a:r>
+              <a:rPr lang="en-GB" sz="1200" kern="1200" dirty="0">
+                <a:solidFill>
+                  <a:schemeClr val="tx1"/>
+                </a:solidFill>
+                <a:effectLst/>
+                <a:latin typeface="+mn-lt"/>
+                <a:ea typeface="+mn-ea"/>
+                <a:cs typeface="+mn-cs"/>
+              </a:rPr>
+              <a:t>And from the results we can see that the estimated rating is 4.04 compared to the actual rating of 5 as displayed. </a:t>
+            </a:r>
+            <a:endParaRPr lang="en-GB" b="1" dirty="0">
+              <a:latin typeface="Arial" panose="020B0604020202020204" pitchFamily="34" charset="0"/>
+              <a:cs typeface="Arial" panose="020B0604020202020204" pitchFamily="34" charset="0"/>
+            </a:endParaRPr>
+          </a:p>
+          <a:p>
+            <a:pPr marL="0" marR="0" lvl="0" indent="0" algn="l" defTabSz="914400" rtl="0" eaLnBrk="1" fontAlgn="auto" latinLnBrk="0" hangingPunct="1">
+              <a:lnSpc>
+                <a:spcPct val="100000"/>
+              </a:lnSpc>
+              <a:spcBef>
+                <a:spcPts val="0"/>
+              </a:spcBef>
+              <a:spcAft>
+                <a:spcPts val="0"/>
+              </a:spcAft>
+              <a:buClrTx/>
+              <a:buSzTx/>
+              <a:buFontTx/>
+              <a:buNone/>
+              <a:tabLst/>
+              <a:defRPr/>
+            </a:pPr>
+            <a:endParaRPr lang="en-GB" dirty="0"/>
+          </a:p>
+        </p:txBody>
+      </p:sp>
+      <p:sp>
+        <p:nvSpPr>
+          <p:cNvPr id="4" name="Slide Number Placeholder 3"/>
+          <p:cNvSpPr>
+            <a:spLocks noGrp="1"/>
+          </p:cNvSpPr>
+          <p:nvPr>
+            <p:ph type="sldNum" sz="quarter" idx="5"/>
+          </p:nvPr>
+        </p:nvSpPr>
+        <p:spPr/>
+        <p:txBody>
+          <a:bodyPr/>
+          <a:lstStyle/>
+          <a:p>
+            <a:fld id="{56968897-611B-4557-97B4-67EAE2B1ABE0}" type="slidenum">
+              <a:rPr lang="en-GB" smtClean="0"/>
+              <a:t>10</a:t>
+            </a:fld>
+            <a:endParaRPr lang="en-GB"/>
+          </a:p>
+        </p:txBody>
+      </p:sp>
+    </p:spTree>
+    <p:extLst>
+      <p:ext uri="{BB962C8B-B14F-4D97-AF65-F5344CB8AC3E}">
+        <p14:creationId xmlns:p14="http://schemas.microsoft.com/office/powerpoint/2010/main" val="775852351"/>
       </p:ext>
     </p:extLst>
   </p:cSld>
@@ -606,9 +815,513 @@
           <a:lstStyle/>
           <a:p>
             <a:r>
-              <a:rPr lang="en-GB" dirty="0"/>
-              <a:t>Add notes</a:t>
-            </a:r>
+              <a:rPr lang="en-GB" sz="1200" i="0" kern="1200" dirty="0">
+                <a:solidFill>
+                  <a:schemeClr val="tx1"/>
+                </a:solidFill>
+                <a:effectLst/>
+                <a:latin typeface="+mn-lt"/>
+                <a:ea typeface="+mn-ea"/>
+                <a:cs typeface="+mn-cs"/>
+              </a:rPr>
+              <a:t>This is a list of all the datasets used throughout the projec</a:t>
+            </a:r>
+            <a:r>
+              <a:rPr lang="en-GB" sz="1200" b="0" i="0" kern="1200" dirty="0">
+                <a:solidFill>
+                  <a:schemeClr val="tx1"/>
+                </a:solidFill>
+                <a:effectLst/>
+                <a:latin typeface="+mn-lt"/>
+                <a:ea typeface="+mn-ea"/>
+                <a:cs typeface="+mn-cs"/>
+              </a:rPr>
+              <a:t>t. </a:t>
+            </a:r>
+            <a:r>
+              <a:rPr lang="en-GB" sz="1200" b="1" i="1" kern="1200" dirty="0">
+                <a:solidFill>
+                  <a:schemeClr val="tx1"/>
+                </a:solidFill>
+                <a:effectLst/>
+                <a:latin typeface="+mn-lt"/>
+                <a:ea typeface="+mn-ea"/>
+                <a:cs typeface="+mn-cs"/>
+              </a:rPr>
+              <a:t>Online Retail </a:t>
+            </a:r>
+            <a:r>
+              <a:rPr lang="en-GB" sz="1200" i="1" kern="1200" dirty="0">
+                <a:solidFill>
+                  <a:schemeClr val="tx1"/>
+                </a:solidFill>
+                <a:effectLst/>
+                <a:latin typeface="+mn-lt"/>
+                <a:ea typeface="+mn-ea"/>
+                <a:cs typeface="+mn-cs"/>
+              </a:rPr>
+              <a:t>(Point to the paragraph about it) – </a:t>
+            </a:r>
+            <a:r>
+              <a:rPr lang="en-GB" sz="1200" kern="1200" dirty="0">
+                <a:solidFill>
+                  <a:schemeClr val="tx1"/>
+                </a:solidFill>
+                <a:effectLst/>
+                <a:latin typeface="+mn-lt"/>
+                <a:ea typeface="+mn-ea"/>
+                <a:cs typeface="+mn-cs"/>
+              </a:rPr>
+              <a:t>Used for both </a:t>
+            </a:r>
+            <a:r>
+              <a:rPr lang="en-GB" sz="1200" b="1" kern="1200" dirty="0">
+                <a:solidFill>
+                  <a:schemeClr val="tx1"/>
+                </a:solidFill>
+                <a:effectLst/>
+                <a:latin typeface="+mn-lt"/>
+                <a:ea typeface="+mn-ea"/>
+                <a:cs typeface="+mn-cs"/>
+              </a:rPr>
+              <a:t>the algorithm</a:t>
+            </a:r>
+            <a:r>
+              <a:rPr lang="en-GB" sz="1200" kern="1200" dirty="0">
+                <a:solidFill>
+                  <a:schemeClr val="tx1"/>
+                </a:solidFill>
+                <a:effectLst/>
+                <a:latin typeface="+mn-lt"/>
+                <a:ea typeface="+mn-ea"/>
+                <a:cs typeface="+mn-cs"/>
+              </a:rPr>
+              <a:t> </a:t>
+            </a:r>
+            <a:r>
+              <a:rPr lang="en-GB" sz="1200" b="1" kern="1200" dirty="0">
+                <a:solidFill>
+                  <a:schemeClr val="tx1"/>
+                </a:solidFill>
+                <a:effectLst/>
+                <a:latin typeface="+mn-lt"/>
+                <a:ea typeface="+mn-ea"/>
+                <a:cs typeface="+mn-cs"/>
+              </a:rPr>
+              <a:t>written </a:t>
+            </a:r>
+            <a:r>
+              <a:rPr lang="en-GB" sz="1200" b="1" u="sng" kern="1200" dirty="0">
+                <a:solidFill>
+                  <a:schemeClr val="tx1"/>
+                </a:solidFill>
+                <a:effectLst/>
+                <a:latin typeface="+mn-lt"/>
+                <a:ea typeface="+mn-ea"/>
+                <a:cs typeface="+mn-cs"/>
+              </a:rPr>
+              <a:t>from scratch</a:t>
+            </a:r>
+            <a:r>
+              <a:rPr lang="en-GB" sz="1200" kern="1200" dirty="0">
+                <a:solidFill>
+                  <a:schemeClr val="tx1"/>
+                </a:solidFill>
+                <a:effectLst/>
+                <a:latin typeface="+mn-lt"/>
+                <a:ea typeface="+mn-ea"/>
+                <a:cs typeface="+mn-cs"/>
+              </a:rPr>
+              <a:t> and </a:t>
+            </a:r>
+            <a:r>
+              <a:rPr lang="en-GB" sz="1200" b="1" kern="1200" dirty="0">
+                <a:solidFill>
+                  <a:schemeClr val="tx1"/>
+                </a:solidFill>
+                <a:effectLst/>
+                <a:latin typeface="+mn-lt"/>
+                <a:ea typeface="+mn-ea"/>
+                <a:cs typeface="+mn-cs"/>
+              </a:rPr>
+              <a:t>the algorithm</a:t>
+            </a:r>
+            <a:r>
+              <a:rPr lang="en-GB" sz="1200" kern="1200" dirty="0">
+                <a:solidFill>
+                  <a:schemeClr val="tx1"/>
+                </a:solidFill>
+                <a:effectLst/>
+                <a:latin typeface="+mn-lt"/>
+                <a:ea typeface="+mn-ea"/>
+                <a:cs typeface="+mn-cs"/>
+              </a:rPr>
+              <a:t> </a:t>
+            </a:r>
+            <a:r>
+              <a:rPr lang="en-GB" sz="1200" b="1" kern="1200" dirty="0">
+                <a:solidFill>
+                  <a:schemeClr val="tx1"/>
+                </a:solidFill>
+                <a:effectLst/>
+                <a:latin typeface="+mn-lt"/>
+                <a:ea typeface="+mn-ea"/>
+                <a:cs typeface="+mn-cs"/>
+              </a:rPr>
+              <a:t>written</a:t>
+            </a:r>
+            <a:r>
+              <a:rPr lang="en-GB" sz="1200" kern="1200" dirty="0">
+                <a:solidFill>
+                  <a:schemeClr val="tx1"/>
+                </a:solidFill>
+                <a:effectLst/>
+                <a:latin typeface="+mn-lt"/>
+                <a:ea typeface="+mn-ea"/>
+                <a:cs typeface="+mn-cs"/>
+              </a:rPr>
+              <a:t> </a:t>
+            </a:r>
+            <a:r>
+              <a:rPr lang="en-GB" sz="1200" b="1" kern="1200" dirty="0">
+                <a:solidFill>
+                  <a:schemeClr val="tx1"/>
+                </a:solidFill>
+                <a:effectLst/>
+                <a:latin typeface="+mn-lt"/>
+                <a:ea typeface="+mn-ea"/>
+                <a:cs typeface="+mn-cs"/>
+              </a:rPr>
+              <a:t>with the </a:t>
+            </a:r>
+            <a:r>
+              <a:rPr lang="en-GB" sz="1200" b="1" u="sng" kern="1200" dirty="0" err="1">
+                <a:solidFill>
+                  <a:schemeClr val="tx1"/>
+                </a:solidFill>
+                <a:effectLst/>
+                <a:latin typeface="+mn-lt"/>
+                <a:ea typeface="+mn-ea"/>
+                <a:cs typeface="+mn-cs"/>
+              </a:rPr>
+              <a:t>MLextend</a:t>
+            </a:r>
+            <a:r>
+              <a:rPr lang="en-GB" sz="1200" b="1" u="sng" kern="1200" dirty="0">
+                <a:solidFill>
+                  <a:schemeClr val="tx1"/>
+                </a:solidFill>
+                <a:effectLst/>
+                <a:latin typeface="+mn-lt"/>
+                <a:ea typeface="+mn-ea"/>
+                <a:cs typeface="+mn-cs"/>
+              </a:rPr>
+              <a:t> Library</a:t>
+            </a:r>
+            <a:r>
+              <a:rPr lang="en-GB" sz="1200" kern="1200" dirty="0">
+                <a:solidFill>
+                  <a:schemeClr val="tx1"/>
+                </a:solidFill>
+                <a:effectLst/>
+                <a:latin typeface="+mn-lt"/>
+                <a:ea typeface="+mn-ea"/>
+                <a:cs typeface="+mn-cs"/>
+              </a:rPr>
+              <a:t>. It is the</a:t>
+            </a:r>
+            <a:r>
+              <a:rPr lang="en-GB" sz="1200" b="1" kern="1200" dirty="0">
+                <a:solidFill>
+                  <a:schemeClr val="tx1"/>
+                </a:solidFill>
+                <a:effectLst/>
+                <a:latin typeface="+mn-lt"/>
+                <a:ea typeface="+mn-ea"/>
+                <a:cs typeface="+mn-cs"/>
+              </a:rPr>
+              <a:t> largest dataset</a:t>
+            </a:r>
+            <a:r>
+              <a:rPr lang="en-GB" sz="1200" kern="1200" dirty="0">
+                <a:solidFill>
+                  <a:schemeClr val="tx1"/>
+                </a:solidFill>
+                <a:effectLst/>
+                <a:latin typeface="+mn-lt"/>
+                <a:ea typeface="+mn-ea"/>
+                <a:cs typeface="+mn-cs"/>
+              </a:rPr>
+              <a:t> from the available and has both </a:t>
+            </a:r>
+            <a:r>
+              <a:rPr lang="en-GB" sz="1200" b="1" kern="1200" dirty="0">
+                <a:solidFill>
+                  <a:schemeClr val="tx1"/>
+                </a:solidFill>
+                <a:effectLst/>
+                <a:latin typeface="+mn-lt"/>
+                <a:ea typeface="+mn-ea"/>
+                <a:cs typeface="+mn-cs"/>
+              </a:rPr>
+              <a:t>missing</a:t>
+            </a:r>
+            <a:r>
+              <a:rPr lang="en-GB" sz="1200" kern="1200" dirty="0">
+                <a:solidFill>
+                  <a:schemeClr val="tx1"/>
+                </a:solidFill>
+                <a:effectLst/>
+                <a:latin typeface="+mn-lt"/>
+                <a:ea typeface="+mn-ea"/>
+                <a:cs typeface="+mn-cs"/>
+              </a:rPr>
+              <a:t> and </a:t>
+            </a:r>
+            <a:r>
+              <a:rPr lang="en-GB" sz="1200" b="1" kern="1200" dirty="0">
+                <a:solidFill>
+                  <a:schemeClr val="tx1"/>
+                </a:solidFill>
+                <a:effectLst/>
+                <a:latin typeface="+mn-lt"/>
+                <a:ea typeface="+mn-ea"/>
+                <a:cs typeface="+mn-cs"/>
+              </a:rPr>
+              <a:t>erroneous</a:t>
+            </a:r>
+            <a:r>
+              <a:rPr lang="en-GB" sz="1200" kern="1200" dirty="0">
+                <a:solidFill>
+                  <a:schemeClr val="tx1"/>
+                </a:solidFill>
+                <a:effectLst/>
+                <a:latin typeface="+mn-lt"/>
+                <a:ea typeface="+mn-ea"/>
+                <a:cs typeface="+mn-cs"/>
+              </a:rPr>
+              <a:t> </a:t>
+            </a:r>
+            <a:r>
+              <a:rPr lang="en-GB" sz="1200" b="1" kern="1200" dirty="0">
+                <a:solidFill>
+                  <a:schemeClr val="tx1"/>
+                </a:solidFill>
+                <a:effectLst/>
+                <a:latin typeface="+mn-lt"/>
+                <a:ea typeface="+mn-ea"/>
+                <a:cs typeface="+mn-cs"/>
+              </a:rPr>
+              <a:t>data</a:t>
+            </a:r>
+            <a:r>
+              <a:rPr lang="en-GB" sz="1200" kern="1200" dirty="0">
+                <a:solidFill>
+                  <a:schemeClr val="tx1"/>
+                </a:solidFill>
+                <a:effectLst/>
+                <a:latin typeface="+mn-lt"/>
+                <a:ea typeface="+mn-ea"/>
+                <a:cs typeface="+mn-cs"/>
+              </a:rPr>
+              <a:t>, those are the key reasons it was first chosen to present the </a:t>
+            </a:r>
+            <a:r>
+              <a:rPr lang="en-GB" sz="1200" b="1" kern="1200" dirty="0">
+                <a:solidFill>
+                  <a:schemeClr val="tx1"/>
+                </a:solidFill>
+                <a:effectLst/>
+                <a:latin typeface="+mn-lt"/>
+                <a:ea typeface="+mn-ea"/>
+                <a:cs typeface="+mn-cs"/>
+              </a:rPr>
+              <a:t>Apriori Association Rules Mining </a:t>
+            </a:r>
+            <a:r>
+              <a:rPr lang="en-GB" sz="1200" kern="1200" dirty="0">
+                <a:solidFill>
+                  <a:schemeClr val="tx1"/>
+                </a:solidFill>
+                <a:effectLst/>
+                <a:latin typeface="+mn-lt"/>
+                <a:ea typeface="+mn-ea"/>
+                <a:cs typeface="+mn-cs"/>
+              </a:rPr>
+              <a:t>algorithm.</a:t>
+            </a:r>
+          </a:p>
+          <a:p>
+            <a:r>
+              <a:rPr lang="en-GB" sz="1200" b="1" i="1" kern="1200" dirty="0">
+                <a:solidFill>
+                  <a:schemeClr val="tx1"/>
+                </a:solidFill>
+                <a:effectLst/>
+                <a:latin typeface="+mn-lt"/>
+                <a:ea typeface="+mn-ea"/>
+                <a:cs typeface="+mn-cs"/>
+              </a:rPr>
+              <a:t>Groceries</a:t>
+            </a:r>
+            <a:r>
+              <a:rPr lang="en-GB" sz="1200" i="1" kern="1200" dirty="0">
+                <a:solidFill>
+                  <a:schemeClr val="tx1"/>
+                </a:solidFill>
+                <a:effectLst/>
+                <a:latin typeface="+mn-lt"/>
+                <a:ea typeface="+mn-ea"/>
+                <a:cs typeface="+mn-cs"/>
+              </a:rPr>
+              <a:t> (Point to the paragraph about it)  </a:t>
+            </a:r>
+            <a:r>
+              <a:rPr lang="en-GB" sz="1200" kern="1200" dirty="0">
+                <a:solidFill>
+                  <a:schemeClr val="tx1"/>
+                </a:solidFill>
+                <a:effectLst/>
+                <a:latin typeface="+mn-lt"/>
+                <a:ea typeface="+mn-ea"/>
+                <a:cs typeface="+mn-cs"/>
+              </a:rPr>
+              <a:t>– Much smaller dataset, no cleaning required, very simple to work with when building an </a:t>
+            </a:r>
+            <a:r>
+              <a:rPr lang="en-GB" sz="1200" b="1" kern="1200" dirty="0">
+                <a:solidFill>
+                  <a:schemeClr val="tx1"/>
+                </a:solidFill>
+                <a:effectLst/>
+                <a:latin typeface="+mn-lt"/>
+                <a:ea typeface="+mn-ea"/>
+                <a:cs typeface="+mn-cs"/>
+              </a:rPr>
+              <a:t>Association Rules Mining </a:t>
+            </a:r>
+            <a:r>
+              <a:rPr lang="en-GB" sz="1200" kern="1200" dirty="0">
+                <a:solidFill>
+                  <a:schemeClr val="tx1"/>
+                </a:solidFill>
+                <a:effectLst/>
+                <a:latin typeface="+mn-lt"/>
+                <a:ea typeface="+mn-ea"/>
+                <a:cs typeface="+mn-cs"/>
+              </a:rPr>
+              <a:t>algorithm. </a:t>
+            </a:r>
+          </a:p>
+          <a:p>
+            <a:pPr marL="0" marR="0" lvl="0" indent="0" algn="l" defTabSz="914400" rtl="0" eaLnBrk="1" fontAlgn="auto" latinLnBrk="0" hangingPunct="1">
+              <a:lnSpc>
+                <a:spcPct val="100000"/>
+              </a:lnSpc>
+              <a:spcBef>
+                <a:spcPts val="0"/>
+              </a:spcBef>
+              <a:spcAft>
+                <a:spcPts val="0"/>
+              </a:spcAft>
+              <a:buClrTx/>
+              <a:buSzTx/>
+              <a:buFontTx/>
+              <a:buNone/>
+              <a:tabLst/>
+              <a:defRPr/>
+            </a:pPr>
+            <a:r>
+              <a:rPr lang="en-GB" sz="1200" b="1" i="1" kern="1200" dirty="0">
+                <a:solidFill>
+                  <a:schemeClr val="tx1"/>
+                </a:solidFill>
+                <a:effectLst/>
+                <a:latin typeface="+mn-lt"/>
+                <a:ea typeface="+mn-ea"/>
+                <a:cs typeface="+mn-cs"/>
+              </a:rPr>
+              <a:t>Movielands</a:t>
+            </a:r>
+            <a:r>
+              <a:rPr lang="en-GB" sz="1200" i="1" kern="1200" dirty="0">
+                <a:solidFill>
+                  <a:schemeClr val="tx1"/>
+                </a:solidFill>
+                <a:effectLst/>
+                <a:latin typeface="+mn-lt"/>
+                <a:ea typeface="+mn-ea"/>
+                <a:cs typeface="+mn-cs"/>
+              </a:rPr>
+              <a:t>(Point to the paragraph about it)</a:t>
+            </a:r>
+            <a:r>
+              <a:rPr lang="en-GB" sz="1200" b="1" i="1" kern="1200" dirty="0">
+                <a:solidFill>
+                  <a:schemeClr val="tx1"/>
+                </a:solidFill>
+                <a:effectLst/>
+                <a:latin typeface="Arial" panose="020B0604020202020204" pitchFamily="34" charset="0"/>
+                <a:ea typeface="+mn-ea"/>
+                <a:cs typeface="Arial" panose="020B0604020202020204" pitchFamily="34" charset="0"/>
+              </a:rPr>
+              <a:t> </a:t>
+            </a:r>
+            <a:r>
+              <a:rPr lang="en-GB" sz="1200" kern="1200" dirty="0">
+                <a:solidFill>
+                  <a:schemeClr val="tx1"/>
+                </a:solidFill>
+                <a:effectLst/>
+                <a:latin typeface="+mn-lt"/>
+                <a:ea typeface="+mn-ea"/>
+                <a:cs typeface="+mn-cs"/>
+              </a:rPr>
+              <a:t>–</a:t>
+            </a:r>
+            <a:r>
+              <a:rPr lang="en-GB" sz="1200" b="1" i="1" kern="1200" dirty="0">
+                <a:solidFill>
+                  <a:schemeClr val="tx1"/>
+                </a:solidFill>
+                <a:effectLst/>
+                <a:latin typeface="Arial" panose="020B0604020202020204" pitchFamily="34" charset="0"/>
+                <a:ea typeface="+mn-ea"/>
+                <a:cs typeface="Arial" panose="020B0604020202020204" pitchFamily="34" charset="0"/>
+              </a:rPr>
+              <a:t> </a:t>
+            </a:r>
+            <a:r>
+              <a:rPr lang="en-GB" sz="1200" kern="1200" dirty="0">
+                <a:solidFill>
+                  <a:schemeClr val="tx1"/>
+                </a:solidFill>
+                <a:effectLst/>
+                <a:latin typeface="+mn-lt"/>
+                <a:ea typeface="+mn-ea"/>
+                <a:cs typeface="+mn-cs"/>
+              </a:rPr>
+              <a:t>small dataset, no cleaning required, very simple to work with when building </a:t>
+            </a:r>
+            <a:r>
+              <a:rPr lang="en-GB" sz="1200" b="1" dirty="0"/>
+              <a:t>Collaborative Filtering </a:t>
+            </a:r>
+            <a:r>
+              <a:rPr lang="en-GB" sz="1200" kern="1200" dirty="0">
+                <a:solidFill>
+                  <a:schemeClr val="tx1"/>
+                </a:solidFill>
+                <a:effectLst/>
+                <a:latin typeface="+mn-lt"/>
+                <a:ea typeface="+mn-ea"/>
+                <a:cs typeface="+mn-cs"/>
+              </a:rPr>
+              <a:t>algorithm. </a:t>
+            </a:r>
+          </a:p>
+          <a:p>
+            <a:endParaRPr lang="en-GB" dirty="0"/>
           </a:p>
         </p:txBody>
       </p:sp>
@@ -629,7 +1342,7 @@
           <a:p>
             <a:fld id="{56968897-611B-4557-97B4-67EAE2B1ABE0}" type="slidenum">
               <a:rPr lang="en-GB" smtClean="0"/>
-              <a:t>3</a:t>
+              <a:t>2</a:t>
             </a:fld>
             <a:endParaRPr lang="en-GB"/>
           </a:p>
@@ -638,7 +1351,7 @@
     </p:spTree>
     <p:extLst>
       <p:ext uri="{BB962C8B-B14F-4D97-AF65-F5344CB8AC3E}">
-        <p14:creationId xmlns:p14="http://schemas.microsoft.com/office/powerpoint/2010/main" val="2479589848"/>
+        <p14:creationId xmlns:p14="http://schemas.microsoft.com/office/powerpoint/2010/main" val="741440239"/>
       </p:ext>
     </p:extLst>
   </p:cSld>
@@ -694,7 +1407,23 @@
           <a:p>
             <a:r>
               <a:rPr lang="en-GB" dirty="0"/>
-              <a:t>Add notes</a:t>
+              <a:t>The techniques we chose for this project are very different </a:t>
+            </a:r>
+            <a:r>
+              <a:rPr lang="en-GB" b="0" dirty="0"/>
+              <a:t>(</a:t>
+            </a:r>
+            <a:r>
+              <a:rPr lang="en-GB" b="0" i="1" dirty="0"/>
+              <a:t>Point to the two figures</a:t>
+            </a:r>
+            <a:r>
+              <a:rPr lang="en-GB" b="0" dirty="0"/>
+              <a:t>) </a:t>
+            </a:r>
+            <a:r>
+              <a:rPr lang="en-GB" dirty="0"/>
+              <a:t>and are utilised in unrelated scenarios - shopping basket analysis, recommendation systems, we chose this because this allows us to learn more about data mining as a whole rather than one particular part of data mining for one particular scenario. </a:t>
             </a:r>
           </a:p>
         </p:txBody>
@@ -716,7 +1445,7 @@
           <a:p>
             <a:fld id="{56968897-611B-4557-97B4-67EAE2B1ABE0}" type="slidenum">
               <a:rPr lang="en-GB" smtClean="0"/>
-              <a:t>4</a:t>
+              <a:t>3</a:t>
             </a:fld>
             <a:endParaRPr lang="en-GB"/>
           </a:p>
@@ -725,7 +1454,7 @@
     </p:spTree>
     <p:extLst>
       <p:ext uri="{BB962C8B-B14F-4D97-AF65-F5344CB8AC3E}">
-        <p14:creationId xmlns:p14="http://schemas.microsoft.com/office/powerpoint/2010/main" val="3321800949"/>
+        <p14:creationId xmlns:p14="http://schemas.microsoft.com/office/powerpoint/2010/main" val="2479589848"/>
       </p:ext>
     </p:extLst>
   </p:cSld>
@@ -779,18 +1508,269 @@
           <a:bodyPr/>
           <a:lstStyle/>
           <a:p>
+            <a:endParaRPr lang="en-GB" dirty="0"/>
+          </a:p>
+        </p:txBody>
+      </p:sp>
+      <p:sp>
+        <p:nvSpPr>
+          <p:cNvPr id="4" name="Slide Number Placeholder 3"/>
+          <p:cNvSpPr>
+            <a:spLocks noGrp="1"/>
+          </p:cNvSpPr>
+          <p:nvPr>
+            <p:ph type="sldNum" sz="quarter" idx="5"/>
+          </p:nvPr>
+        </p:nvSpPr>
+        <p:spPr/>
+        <p:txBody>
+          <a:bodyPr/>
+          <a:lstStyle/>
+          <a:p>
+            <a:fld id="{56968897-611B-4557-97B4-67EAE2B1ABE0}" type="slidenum">
+              <a:rPr lang="en-GB" smtClean="0"/>
+              <a:t>4</a:t>
+            </a:fld>
+            <a:endParaRPr lang="en-GB"/>
+          </a:p>
+        </p:txBody>
+      </p:sp>
+    </p:spTree>
+    <p:extLst>
+      <p:ext uri="{BB962C8B-B14F-4D97-AF65-F5344CB8AC3E}">
+        <p14:creationId xmlns:p14="http://schemas.microsoft.com/office/powerpoint/2010/main" val="3321800949"/>
+      </p:ext>
+    </p:extLst>
+  </p:cSld>
+  <p:clrMapOvr>
+    <a:masterClrMapping/>
+  </p:clrMapOvr>
+</p:notes>
+</file>
+
+<file path=ppt/notesSlides/notesSlide5.xml><?xml version="1.0" encoding="utf-8"?>
+<p:notes xmlns:a="http://schemas.openxmlformats.org/drawingml/2006/main" xmlns:r="http://schemas.openxmlformats.org/officeDocument/2006/relationships" xmlns:p="http://schemas.openxmlformats.org/presentationml/2006/main">
+  <p:cSld>
+    <p:spTree>
+      <p:nvGrpSpPr>
+        <p:cNvPr id="1" name=""/>
+        <p:cNvGrpSpPr/>
+        <p:nvPr/>
+      </p:nvGrpSpPr>
+      <p:grpSpPr>
+        <a:xfrm>
+          <a:off x="0" y="0"/>
+          <a:ext cx="0" cy="0"/>
+          <a:chOff x="0" y="0"/>
+          <a:chExt cx="0" cy="0"/>
+        </a:xfrm>
+      </p:grpSpPr>
+      <p:sp>
+        <p:nvSpPr>
+          <p:cNvPr id="2" name="Slide Image Placeholder 1"/>
+          <p:cNvSpPr>
+            <a:spLocks noGrp="1" noRot="1" noChangeAspect="1"/>
+          </p:cNvSpPr>
+          <p:nvPr>
+            <p:ph type="sldImg"/>
+          </p:nvPr>
+        </p:nvSpPr>
+        <p:spPr/>
+      </p:sp>
+      <p:sp>
+        <p:nvSpPr>
+          <p:cNvPr id="3" name="Notes Placeholder 2"/>
+          <p:cNvSpPr>
+            <a:spLocks noGrp="1"/>
+          </p:cNvSpPr>
+          <p:nvPr>
+            <p:ph type="body" idx="1"/>
+          </p:nvPr>
+        </p:nvSpPr>
+        <p:spPr/>
+        <p:txBody>
+          <a:bodyPr/>
+          <a:lstStyle/>
+          <a:p>
             <a:r>
               <a:rPr lang="en-GB" dirty="0"/>
-              <a:t>There are 169 unique items discovered by the </a:t>
-            </a:r>
-            <a:r>
-              <a:rPr lang="en-GB" dirty="0" err="1"/>
-              <a:t>Apriori</a:t>
-            </a:r>
+              <a:t>This is a list of questions we thought would be interesting to answer for the generated frequent itemsets and </a:t>
+            </a:r>
+            <a:r>
+              <a:rPr lang="en-GB"/>
+              <a:t>association rules.</a:t>
+            </a:r>
+            <a:endParaRPr lang="en-GB" dirty="0"/>
+          </a:p>
+          <a:p>
             <a:r>
               <a:rPr lang="en-GB" dirty="0"/>
-              <a:t> algorithm, out of which thousands of rules were generated. </a:t>
-            </a:r>
+              <a:t>Under the questions, examples of the information extracted is given by showing the first 4 rows of the rules and itemsets output files.</a:t>
+            </a:r>
+          </a:p>
+        </p:txBody>
+      </p:sp>
+      <p:sp>
+        <p:nvSpPr>
+          <p:cNvPr id="4" name="Slide Number Placeholder 3"/>
+          <p:cNvSpPr>
+            <a:spLocks noGrp="1"/>
+          </p:cNvSpPr>
+          <p:nvPr>
+            <p:ph type="sldNum" sz="quarter" idx="5"/>
+          </p:nvPr>
+        </p:nvSpPr>
+        <p:spPr/>
+        <p:txBody>
+          <a:bodyPr/>
+          <a:lstStyle/>
+          <a:p>
+            <a:fld id="{56968897-611B-4557-97B4-67EAE2B1ABE0}" type="slidenum">
+              <a:rPr lang="en-GB" smtClean="0"/>
+              <a:t>5</a:t>
+            </a:fld>
+            <a:endParaRPr lang="en-GB"/>
+          </a:p>
+        </p:txBody>
+      </p:sp>
+    </p:spTree>
+    <p:extLst>
+      <p:ext uri="{BB962C8B-B14F-4D97-AF65-F5344CB8AC3E}">
+        <p14:creationId xmlns:p14="http://schemas.microsoft.com/office/powerpoint/2010/main" val="2215557955"/>
+      </p:ext>
+    </p:extLst>
+  </p:cSld>
+  <p:clrMapOvr>
+    <a:masterClrMapping/>
+  </p:clrMapOvr>
+</p:notes>
+</file>
+
+<file path=ppt/notesSlides/notesSlide6.xml><?xml version="1.0" encoding="utf-8"?>
+<p:notes xmlns:a="http://schemas.openxmlformats.org/drawingml/2006/main" xmlns:r="http://schemas.openxmlformats.org/officeDocument/2006/relationships" xmlns:p="http://schemas.openxmlformats.org/presentationml/2006/main">
+  <p:cSld>
+    <p:spTree>
+      <p:nvGrpSpPr>
+        <p:cNvPr id="1" name=""/>
+        <p:cNvGrpSpPr/>
+        <p:nvPr/>
+      </p:nvGrpSpPr>
+      <p:grpSpPr>
+        <a:xfrm>
+          <a:off x="0" y="0"/>
+          <a:ext cx="0" cy="0"/>
+          <a:chOff x="0" y="0"/>
+          <a:chExt cx="0" cy="0"/>
+        </a:xfrm>
+      </p:grpSpPr>
+      <p:sp>
+        <p:nvSpPr>
+          <p:cNvPr id="2" name="Slide Image Placeholder 1"/>
+          <p:cNvSpPr>
+            <a:spLocks noGrp="1" noRot="1" noChangeAspect="1"/>
+          </p:cNvSpPr>
+          <p:nvPr>
+            <p:ph type="sldImg"/>
+          </p:nvPr>
+        </p:nvSpPr>
+        <p:spPr/>
+      </p:sp>
+      <p:sp>
+        <p:nvSpPr>
+          <p:cNvPr id="3" name="Notes Placeholder 2"/>
+          <p:cNvSpPr>
+            <a:spLocks noGrp="1"/>
+          </p:cNvSpPr>
+          <p:nvPr>
+            <p:ph type="body" idx="1"/>
+          </p:nvPr>
+        </p:nvSpPr>
+        <p:spPr/>
+        <p:txBody>
+          <a:bodyPr/>
+          <a:lstStyle/>
+          <a:p>
+            <a:r>
+              <a:rPr lang="en-GB" dirty="0"/>
+              <a:t>For this algorithm we have successfully extracted information about the </a:t>
+            </a:r>
+            <a:r>
+              <a:rPr lang="en-GB" b="1" dirty="0"/>
+              <a:t>frequent itemsets </a:t>
+            </a:r>
+            <a:r>
+              <a:rPr lang="en-GB" dirty="0"/>
+              <a:t>and </a:t>
+            </a:r>
+            <a:r>
+              <a:rPr lang="en-GB" b="1" dirty="0"/>
+              <a:t>their associations</a:t>
+            </a:r>
+            <a:r>
+              <a:rPr lang="en-GB" dirty="0"/>
+              <a:t>. </a:t>
+            </a:r>
+          </a:p>
+          <a:p>
+            <a:r>
+              <a:rPr lang="en-GB" dirty="0"/>
+              <a:t>We have discovered there are </a:t>
+            </a:r>
+            <a:r>
+              <a:rPr lang="en-GB" b="1" dirty="0"/>
+              <a:t>169 unique items</a:t>
+            </a:r>
+            <a:r>
+              <a:rPr lang="en-GB" dirty="0"/>
+              <a:t>, out of which thousands of possible rules can be generated. </a:t>
+            </a:r>
+          </a:p>
+          <a:p>
+            <a:r>
+              <a:rPr lang="en-GB" dirty="0"/>
+              <a:t>The </a:t>
+            </a:r>
+            <a:r>
+              <a:rPr lang="en-GB" b="1" dirty="0"/>
+              <a:t>confidence</a:t>
+            </a:r>
+            <a:r>
+              <a:rPr lang="en-GB" dirty="0"/>
+              <a:t> and </a:t>
+            </a:r>
+            <a:r>
+              <a:rPr lang="en-GB" b="1" dirty="0"/>
+              <a:t>support </a:t>
+            </a:r>
+            <a:r>
+              <a:rPr lang="en-GB" b="0" dirty="0"/>
+              <a:t>boundaries</a:t>
+            </a:r>
+            <a:r>
+              <a:rPr lang="en-GB" b="1" dirty="0"/>
+              <a:t> </a:t>
+            </a:r>
+            <a:r>
+              <a:rPr lang="en-GB" dirty="0"/>
+              <a:t>make it possible </a:t>
+            </a:r>
+            <a:r>
+              <a:rPr lang="en-GB" b="1" dirty="0"/>
+              <a:t>to filleter out the unpopular itemsets and uncommon rules </a:t>
+            </a:r>
+            <a:r>
+              <a:rPr lang="en-GB" dirty="0"/>
+              <a:t>leaving only those that have the requested impact, as shown on Fig. 3. </a:t>
+            </a:r>
+          </a:p>
+          <a:p>
+            <a:r>
+              <a:rPr lang="en-GB" dirty="0"/>
+              <a:t>Only the itemsets with 251 number of occurrences/support are considered for the association rules mining and even the association rules generated can be filtered by setting the minimum confidence boundary. </a:t>
+            </a:r>
+          </a:p>
+          <a:p>
+            <a:endParaRPr lang="en-GB" dirty="0"/>
           </a:p>
         </p:txBody>
       </p:sp>
@@ -821,6 +1801,458 @@
     <p:extLst>
       <p:ext uri="{BB962C8B-B14F-4D97-AF65-F5344CB8AC3E}">
         <p14:creationId xmlns:p14="http://schemas.microsoft.com/office/powerpoint/2010/main" val="2730601008"/>
+      </p:ext>
+    </p:extLst>
+  </p:cSld>
+  <p:clrMapOvr>
+    <a:masterClrMapping/>
+  </p:clrMapOvr>
+</p:notes>
+</file>
+
+<file path=ppt/notesSlides/notesSlide7.xml><?xml version="1.0" encoding="utf-8"?>
+<p:notes xmlns:a="http://schemas.openxmlformats.org/drawingml/2006/main" xmlns:r="http://schemas.openxmlformats.org/officeDocument/2006/relationships" xmlns:p="http://schemas.openxmlformats.org/presentationml/2006/main">
+  <p:cSld>
+    <p:spTree>
+      <p:nvGrpSpPr>
+        <p:cNvPr id="1" name=""/>
+        <p:cNvGrpSpPr/>
+        <p:nvPr/>
+      </p:nvGrpSpPr>
+      <p:grpSpPr>
+        <a:xfrm>
+          <a:off x="0" y="0"/>
+          <a:ext cx="0" cy="0"/>
+          <a:chOff x="0" y="0"/>
+          <a:chExt cx="0" cy="0"/>
+        </a:xfrm>
+      </p:grpSpPr>
+      <p:sp>
+        <p:nvSpPr>
+          <p:cNvPr id="2" name="Slide Image Placeholder 1"/>
+          <p:cNvSpPr>
+            <a:spLocks noGrp="1" noRot="1" noChangeAspect="1"/>
+          </p:cNvSpPr>
+          <p:nvPr>
+            <p:ph type="sldImg"/>
+          </p:nvPr>
+        </p:nvSpPr>
+        <p:spPr/>
+      </p:sp>
+      <p:sp>
+        <p:nvSpPr>
+          <p:cNvPr id="3" name="Notes Placeholder 2"/>
+          <p:cNvSpPr>
+            <a:spLocks noGrp="1"/>
+          </p:cNvSpPr>
+          <p:nvPr>
+            <p:ph type="body" idx="1"/>
+          </p:nvPr>
+        </p:nvSpPr>
+        <p:spPr/>
+        <p:txBody>
+          <a:bodyPr/>
+          <a:lstStyle/>
+          <a:p>
+            <a:r>
+              <a:rPr lang="en-GB" dirty="0"/>
+              <a:t>The algorithm has been developed both from scratch and with the Surprise Library to make recommendation based on Collaborative Filtering and predict user rating for a movie.</a:t>
+            </a:r>
+          </a:p>
+          <a:p>
+            <a:r>
+              <a:rPr lang="en-GB" dirty="0"/>
+              <a:t>The attributes of </a:t>
+            </a:r>
+            <a:r>
+              <a:rPr lang="en-GB" sz="1200" b="1" i="1" dirty="0">
+                <a:latin typeface="Arial" panose="020B0604020202020204" pitchFamily="34" charset="0"/>
+                <a:cs typeface="Arial" panose="020B0604020202020204" pitchFamily="34" charset="0"/>
+              </a:rPr>
+              <a:t>Movielands </a:t>
+            </a:r>
+            <a:r>
+              <a:rPr lang="en-GB" dirty="0"/>
+              <a:t>data set is:</a:t>
+            </a:r>
+          </a:p>
+          <a:p>
+            <a:pPr lvl="0" rtl="0"/>
+            <a:r>
+              <a:rPr lang="en-GB" sz="1200" kern="1200" dirty="0">
+                <a:solidFill>
+                  <a:schemeClr val="tx1"/>
+                </a:solidFill>
+                <a:effectLst/>
+                <a:latin typeface="+mn-lt"/>
+                <a:ea typeface="+mn-ea"/>
+                <a:cs typeface="+mn-cs"/>
+              </a:rPr>
+              <a:t>User Ids: </a:t>
+            </a:r>
+            <a:r>
+              <a:rPr lang="en-GB" sz="1200" i="1" kern="1200" dirty="0">
+                <a:solidFill>
+                  <a:schemeClr val="tx1"/>
+                </a:solidFill>
+                <a:effectLst/>
+                <a:latin typeface="+mn-lt"/>
+                <a:ea typeface="+mn-ea"/>
+                <a:cs typeface="+mn-cs"/>
+              </a:rPr>
+              <a:t>Movielands</a:t>
+            </a:r>
+            <a:r>
+              <a:rPr lang="en-GB" sz="1200" kern="1200" dirty="0">
+                <a:solidFill>
+                  <a:schemeClr val="tx1"/>
+                </a:solidFill>
+                <a:effectLst/>
+                <a:latin typeface="+mn-lt"/>
+                <a:ea typeface="+mn-ea"/>
+                <a:cs typeface="+mn-cs"/>
+              </a:rPr>
+              <a:t> users were selected at random for inclusion</a:t>
+            </a:r>
+          </a:p>
+          <a:p>
+            <a:pPr lvl="0"/>
+            <a:r>
+              <a:rPr lang="en-GB" sz="1200" kern="1200" dirty="0">
+                <a:solidFill>
+                  <a:schemeClr val="tx1"/>
+                </a:solidFill>
+                <a:effectLst/>
+                <a:latin typeface="+mn-lt"/>
+                <a:ea typeface="+mn-ea"/>
+                <a:cs typeface="+mn-cs"/>
+              </a:rPr>
+              <a:t>Movie Ids: Only movies with at least one rating or tag are included in the dataset.</a:t>
+            </a:r>
+          </a:p>
+          <a:p>
+            <a:pPr lvl="0"/>
+            <a:r>
+              <a:rPr lang="en-GB" sz="1200" kern="1200" dirty="0">
+                <a:solidFill>
+                  <a:schemeClr val="tx1"/>
+                </a:solidFill>
+                <a:effectLst/>
+                <a:latin typeface="+mn-lt"/>
+                <a:ea typeface="+mn-ea"/>
+                <a:cs typeface="+mn-cs"/>
+              </a:rPr>
+              <a:t>Ratings: Each line of this file after the header row represents one rating of one movie by one user.</a:t>
+            </a:r>
+          </a:p>
+          <a:p>
+            <a:pPr marL="0" marR="0" lvl="0" indent="0" algn="l" defTabSz="914400" rtl="0" eaLnBrk="1" fontAlgn="auto" latinLnBrk="0" hangingPunct="1">
+              <a:lnSpc>
+                <a:spcPct val="100000"/>
+              </a:lnSpc>
+              <a:spcBef>
+                <a:spcPts val="0"/>
+              </a:spcBef>
+              <a:spcAft>
+                <a:spcPts val="0"/>
+              </a:spcAft>
+              <a:buClrTx/>
+              <a:buSzTx/>
+              <a:buFontTx/>
+              <a:buNone/>
+              <a:tabLst/>
+              <a:defRPr/>
+            </a:pPr>
+            <a:r>
+              <a:rPr lang="en-GB" dirty="0"/>
+              <a:t>Also </a:t>
+            </a:r>
+            <a:r>
+              <a:rPr lang="en-GB" sz="1200" kern="1200" dirty="0">
+                <a:solidFill>
+                  <a:schemeClr val="tx1"/>
+                </a:solidFill>
+                <a:effectLst/>
+                <a:latin typeface="+mn-lt"/>
+                <a:ea typeface="+mn-ea"/>
+                <a:cs typeface="+mn-cs"/>
+              </a:rPr>
+              <a:t>Ratings are made on a 5-star scale, with half-star increments (0.5 stars - 5.0 stars).</a:t>
+            </a:r>
+          </a:p>
+          <a:p>
+            <a:endParaRPr lang="en-GB" dirty="0"/>
+          </a:p>
+        </p:txBody>
+      </p:sp>
+      <p:sp>
+        <p:nvSpPr>
+          <p:cNvPr id="4" name="Slide Number Placeholder 3"/>
+          <p:cNvSpPr>
+            <a:spLocks noGrp="1"/>
+          </p:cNvSpPr>
+          <p:nvPr>
+            <p:ph type="sldNum" sz="quarter" idx="5"/>
+          </p:nvPr>
+        </p:nvSpPr>
+        <p:spPr/>
+        <p:txBody>
+          <a:bodyPr/>
+          <a:lstStyle/>
+          <a:p>
+            <a:fld id="{56968897-611B-4557-97B4-67EAE2B1ABE0}" type="slidenum">
+              <a:rPr lang="en-GB" smtClean="0"/>
+              <a:t>7</a:t>
+            </a:fld>
+            <a:endParaRPr lang="en-GB"/>
+          </a:p>
+        </p:txBody>
+      </p:sp>
+    </p:spTree>
+    <p:extLst>
+      <p:ext uri="{BB962C8B-B14F-4D97-AF65-F5344CB8AC3E}">
+        <p14:creationId xmlns:p14="http://schemas.microsoft.com/office/powerpoint/2010/main" val="3731929878"/>
+      </p:ext>
+    </p:extLst>
+  </p:cSld>
+  <p:clrMapOvr>
+    <a:masterClrMapping/>
+  </p:clrMapOvr>
+</p:notes>
+</file>
+
+<file path=ppt/notesSlides/notesSlide8.xml><?xml version="1.0" encoding="utf-8"?>
+<p:notes xmlns:a="http://schemas.openxmlformats.org/drawingml/2006/main" xmlns:r="http://schemas.openxmlformats.org/officeDocument/2006/relationships" xmlns:p="http://schemas.openxmlformats.org/presentationml/2006/main">
+  <p:cSld>
+    <p:spTree>
+      <p:nvGrpSpPr>
+        <p:cNvPr id="1" name=""/>
+        <p:cNvGrpSpPr/>
+        <p:nvPr/>
+      </p:nvGrpSpPr>
+      <p:grpSpPr>
+        <a:xfrm>
+          <a:off x="0" y="0"/>
+          <a:ext cx="0" cy="0"/>
+          <a:chOff x="0" y="0"/>
+          <a:chExt cx="0" cy="0"/>
+        </a:xfrm>
+      </p:grpSpPr>
+      <p:sp>
+        <p:nvSpPr>
+          <p:cNvPr id="2" name="Slide Image Placeholder 1"/>
+          <p:cNvSpPr>
+            <a:spLocks noGrp="1" noRot="1" noChangeAspect="1"/>
+          </p:cNvSpPr>
+          <p:nvPr>
+            <p:ph type="sldImg"/>
+          </p:nvPr>
+        </p:nvSpPr>
+        <p:spPr/>
+      </p:sp>
+      <p:sp>
+        <p:nvSpPr>
+          <p:cNvPr id="3" name="Notes Placeholder 2"/>
+          <p:cNvSpPr>
+            <a:spLocks noGrp="1"/>
+          </p:cNvSpPr>
+          <p:nvPr>
+            <p:ph type="body" idx="1"/>
+          </p:nvPr>
+        </p:nvSpPr>
+        <p:spPr/>
+        <p:txBody>
+          <a:bodyPr/>
+          <a:lstStyle/>
+          <a:p>
+            <a:r>
+              <a:rPr lang="en-GB" sz="1200" b="1" kern="1200" dirty="0">
+                <a:solidFill>
+                  <a:schemeClr val="tx1"/>
+                </a:solidFill>
+                <a:effectLst/>
+                <a:latin typeface="+mn-lt"/>
+                <a:ea typeface="+mn-ea"/>
+                <a:cs typeface="+mn-cs"/>
+              </a:rPr>
+              <a:t>Question1: </a:t>
+            </a:r>
+            <a:r>
+              <a:rPr lang="en-GB" sz="1200" kern="1200" dirty="0">
+                <a:solidFill>
+                  <a:schemeClr val="tx1"/>
+                </a:solidFill>
+                <a:effectLst/>
+                <a:latin typeface="+mn-lt"/>
+                <a:ea typeface="+mn-ea"/>
+                <a:cs typeface="+mn-cs"/>
+              </a:rPr>
+              <a:t>To find the average rating of each movie. To do so, we grouped the dataset by the title of the movie and then calculate the mean of the rating for each movie. Then we sorted the ratings in the descending order of their average ratings, then we have added the number of ratings for a movie to the ratings_mean_count data frame.</a:t>
+            </a:r>
+          </a:p>
+          <a:p>
+            <a:pPr marL="0" marR="0" lvl="0" indent="0" algn="l" defTabSz="914400" rtl="0" eaLnBrk="1" fontAlgn="auto" latinLnBrk="0" hangingPunct="1">
+              <a:lnSpc>
+                <a:spcPct val="100000"/>
+              </a:lnSpc>
+              <a:spcBef>
+                <a:spcPts val="0"/>
+              </a:spcBef>
+              <a:spcAft>
+                <a:spcPts val="0"/>
+              </a:spcAft>
+              <a:buClrTx/>
+              <a:buSzTx/>
+              <a:buFontTx/>
+              <a:buNone/>
+              <a:tabLst/>
+              <a:defRPr/>
+            </a:pPr>
+            <a:r>
+              <a:rPr lang="en-GB" b="1" dirty="0"/>
+              <a:t>Question2: </a:t>
+            </a:r>
+            <a:r>
+              <a:rPr lang="en-GB" sz="1200" kern="1200" dirty="0">
+                <a:solidFill>
+                  <a:schemeClr val="tx1"/>
+                </a:solidFill>
+                <a:effectLst/>
+                <a:latin typeface="+mn-lt"/>
+                <a:ea typeface="+mn-ea"/>
+                <a:cs typeface="+mn-cs"/>
+              </a:rPr>
+              <a:t>As in many other Machine Learning algorithms training is used to optimize its predictions to match as closely as possible the actual results. So, in the context of collaborative filtering, our algorithm will try to predict the rating of a certain user-movie combination and it will compare that prediction to the actual prediction. The difference between the actual and the predicted rating is measured using classical error measurements such as Root mean squared error (RMSE) and Mean absolute error (MAE).</a:t>
+            </a:r>
+          </a:p>
+          <a:p>
+            <a:endParaRPr lang="en-GB" dirty="0"/>
+          </a:p>
+        </p:txBody>
+      </p:sp>
+      <p:sp>
+        <p:nvSpPr>
+          <p:cNvPr id="4" name="Slide Number Placeholder 3"/>
+          <p:cNvSpPr>
+            <a:spLocks noGrp="1"/>
+          </p:cNvSpPr>
+          <p:nvPr>
+            <p:ph type="sldNum" sz="quarter" idx="5"/>
+          </p:nvPr>
+        </p:nvSpPr>
+        <p:spPr/>
+        <p:txBody>
+          <a:bodyPr/>
+          <a:lstStyle/>
+          <a:p>
+            <a:fld id="{56968897-611B-4557-97B4-67EAE2B1ABE0}" type="slidenum">
+              <a:rPr lang="en-GB" smtClean="0"/>
+              <a:t>8</a:t>
+            </a:fld>
+            <a:endParaRPr lang="en-GB"/>
+          </a:p>
+        </p:txBody>
+      </p:sp>
+    </p:spTree>
+    <p:extLst>
+      <p:ext uri="{BB962C8B-B14F-4D97-AF65-F5344CB8AC3E}">
+        <p14:creationId xmlns:p14="http://schemas.microsoft.com/office/powerpoint/2010/main" val="41994462"/>
+      </p:ext>
+    </p:extLst>
+  </p:cSld>
+  <p:clrMapOvr>
+    <a:masterClrMapping/>
+  </p:clrMapOvr>
+</p:notes>
+</file>
+
+<file path=ppt/notesSlides/notesSlide9.xml><?xml version="1.0" encoding="utf-8"?>
+<p:notes xmlns:a="http://schemas.openxmlformats.org/drawingml/2006/main" xmlns:r="http://schemas.openxmlformats.org/officeDocument/2006/relationships" xmlns:p="http://schemas.openxmlformats.org/presentationml/2006/main">
+  <p:cSld>
+    <p:spTree>
+      <p:nvGrpSpPr>
+        <p:cNvPr id="1" name=""/>
+        <p:cNvGrpSpPr/>
+        <p:nvPr/>
+      </p:nvGrpSpPr>
+      <p:grpSpPr>
+        <a:xfrm>
+          <a:off x="0" y="0"/>
+          <a:ext cx="0" cy="0"/>
+          <a:chOff x="0" y="0"/>
+          <a:chExt cx="0" cy="0"/>
+        </a:xfrm>
+      </p:grpSpPr>
+      <p:sp>
+        <p:nvSpPr>
+          <p:cNvPr id="2" name="Slide Image Placeholder 1"/>
+          <p:cNvSpPr>
+            <a:spLocks noGrp="1" noRot="1" noChangeAspect="1"/>
+          </p:cNvSpPr>
+          <p:nvPr>
+            <p:ph type="sldImg"/>
+          </p:nvPr>
+        </p:nvSpPr>
+        <p:spPr/>
+      </p:sp>
+      <p:sp>
+        <p:nvSpPr>
+          <p:cNvPr id="3" name="Notes Placeholder 2"/>
+          <p:cNvSpPr>
+            <a:spLocks noGrp="1"/>
+          </p:cNvSpPr>
+          <p:nvPr>
+            <p:ph type="body" idx="1"/>
+          </p:nvPr>
+        </p:nvSpPr>
+        <p:spPr/>
+        <p:txBody>
+          <a:bodyPr/>
+          <a:lstStyle/>
+          <a:p>
+            <a:r>
+              <a:rPr lang="en-GB" sz="1200" kern="1200" dirty="0">
+                <a:solidFill>
+                  <a:schemeClr val="tx1"/>
+                </a:solidFill>
+                <a:effectLst/>
+                <a:latin typeface="+mn-lt"/>
+                <a:ea typeface="+mn-ea"/>
+                <a:cs typeface="+mn-cs"/>
+              </a:rPr>
+              <a:t>The output in figure 4, clearly shows that most of the movies have received 8 ratings. To view the average ratings for each movie, we have plotted a histogram chart as showing in Figure 5.</a:t>
+            </a:r>
+            <a:endParaRPr lang="en-GB" dirty="0"/>
+          </a:p>
+        </p:txBody>
+      </p:sp>
+      <p:sp>
+        <p:nvSpPr>
+          <p:cNvPr id="4" name="Slide Number Placeholder 3"/>
+          <p:cNvSpPr>
+            <a:spLocks noGrp="1"/>
+          </p:cNvSpPr>
+          <p:nvPr>
+            <p:ph type="sldNum" sz="quarter" idx="5"/>
+          </p:nvPr>
+        </p:nvSpPr>
+        <p:spPr/>
+        <p:txBody>
+          <a:bodyPr/>
+          <a:lstStyle/>
+          <a:p>
+            <a:fld id="{56968897-611B-4557-97B4-67EAE2B1ABE0}" type="slidenum">
+              <a:rPr lang="en-GB" smtClean="0"/>
+              <a:t>9</a:t>
+            </a:fld>
+            <a:endParaRPr lang="en-GB"/>
+          </a:p>
+        </p:txBody>
+      </p:sp>
+    </p:spTree>
+    <p:extLst>
+      <p:ext uri="{BB962C8B-B14F-4D97-AF65-F5344CB8AC3E}">
+        <p14:creationId xmlns:p14="http://schemas.microsoft.com/office/powerpoint/2010/main" val="2494752678"/>
       </p:ext>
     </p:extLst>
   </p:cSld>
@@ -1074,7 +2506,7 @@
           <a:p>
             <a:fld id="{9184DA70-C731-4C70-880D-CCD4705E623C}" type="datetime1">
               <a:rPr lang="en-US" smtClean="0"/>
-              <a:t>5/7/2020</a:t>
+              <a:t>5/9/2020</a:t>
             </a:fld>
             <a:endParaRPr lang="en-US" dirty="0"/>
           </a:p>
@@ -1262,7 +2694,7 @@
           <a:p>
             <a:fld id="{B612A279-0833-481D-8C56-F67FD0AC6C50}" type="datetime1">
               <a:rPr lang="en-US" smtClean="0"/>
-              <a:t>5/7/2020</a:t>
+              <a:t>5/9/2020</a:t>
             </a:fld>
             <a:endParaRPr lang="en-US" dirty="0"/>
           </a:p>
@@ -1504,7 +2936,7 @@
           <a:p>
             <a:fld id="{6587DA83-5663-4C9C-B9AA-0B40A3DAFF81}" type="datetime1">
               <a:rPr lang="en-US" smtClean="0"/>
-              <a:t>5/7/2020</a:t>
+              <a:t>5/9/2020</a:t>
             </a:fld>
             <a:endParaRPr lang="en-US" dirty="0"/>
           </a:p>
@@ -1692,7 +3124,7 @@
           <a:p>
             <a:fld id="{4BE1D723-8F53-4F53-90B0-1982A396982E}" type="datetime1">
               <a:rPr lang="en-US" smtClean="0"/>
-              <a:t>5/7/2020</a:t>
+              <a:t>5/9/2020</a:t>
             </a:fld>
             <a:endParaRPr lang="en-US" dirty="0"/>
           </a:p>
@@ -2065,7 +3497,7 @@
           <a:p>
             <a:fld id="{97669AF7-7BEB-44E4-9852-375E34362B5B}" type="datetime1">
               <a:rPr lang="en-US" smtClean="0"/>
-              <a:t>5/7/2020</a:t>
+              <a:t>5/9/2020</a:t>
             </a:fld>
             <a:endParaRPr lang="en-US" dirty="0"/>
           </a:p>
@@ -2320,7 +3752,7 @@
           <a:p>
             <a:fld id="{BAAAC38D-0552-4C82-B593-E6124DFADBE2}" type="datetime1">
               <a:rPr lang="en-US" smtClean="0"/>
-              <a:t>5/7/2020</a:t>
+              <a:t>5/9/2020</a:t>
             </a:fld>
             <a:endParaRPr lang="en-US" dirty="0"/>
           </a:p>
@@ -2717,7 +4149,7 @@
           <a:p>
             <a:fld id="{D9DF0F1C-5577-4ACB-BB62-DF8F3C494C7E}" type="datetime1">
               <a:rPr lang="en-US" smtClean="0"/>
-              <a:t>5/7/2020</a:t>
+              <a:t>5/9/2020</a:t>
             </a:fld>
             <a:endParaRPr lang="en-US" dirty="0"/>
           </a:p>
@@ -2853,7 +4285,7 @@
           <a:p>
             <a:fld id="{1775B394-D9F9-4F0C-B15D-605F45CB9E9F}" type="datetime1">
               <a:rPr lang="en-US" smtClean="0"/>
-              <a:t>5/7/2020</a:t>
+              <a:t>5/9/2020</a:t>
             </a:fld>
             <a:endParaRPr lang="en-US" dirty="0"/>
           </a:p>
@@ -3010,7 +4442,7 @@
           <a:p>
             <a:fld id="{39667345-2558-425A-8533-9BFDBCE15005}" type="datetime1">
               <a:rPr lang="en-US" smtClean="0"/>
-              <a:t>5/7/2020</a:t>
+              <a:t>5/9/2020</a:t>
             </a:fld>
             <a:endParaRPr lang="en-US" dirty="0"/>
           </a:p>
@@ -3339,7 +4771,7 @@
           <a:p>
             <a:fld id="{92BEA474-078D-4E9B-9B14-09A87B19DC46}" type="datetime1">
               <a:rPr lang="en-US" smtClean="0"/>
-              <a:t>5/7/2020</a:t>
+              <a:t>5/9/2020</a:t>
             </a:fld>
             <a:endParaRPr lang="en-US" dirty="0"/>
           </a:p>
@@ -3689,7 +5121,7 @@
           <a:p>
             <a:fld id="{4907D986-8816-4272-A432-0437A28A9828}" type="datetime1">
               <a:rPr lang="en-US" smtClean="0"/>
-              <a:t>5/7/2020</a:t>
+              <a:t>5/9/2020</a:t>
             </a:fld>
             <a:endParaRPr lang="en-US" dirty="0"/>
           </a:p>
@@ -3950,7 +5382,7 @@
           <a:p>
             <a:fld id="{62D6E202-B606-4609-B914-27C9371A1F6D}" type="datetime1">
               <a:rPr lang="en-US" smtClean="0"/>
-              <a:t>5/7/2020</a:t>
+              <a:t>5/9/2020</a:t>
             </a:fld>
             <a:endParaRPr lang="en-US" dirty="0"/>
           </a:p>
@@ -4821,33 +6253,6 @@
             </a:endParaRPr>
           </a:p>
           <a:p>
-            <a:pPr marL="285750" indent="-285750">
-              <a:buFont typeface="Wingdings" panose="05000000000000000000" pitchFamily="2" charset="2"/>
-              <a:buChar char="Ø"/>
-            </a:pPr>
-            <a:r>
-              <a:rPr lang="en-US" sz="1800" b="1" dirty="0">
-                <a:solidFill>
-                  <a:srgbClr val="FFFFFF"/>
-                </a:solidFill>
-                <a:latin typeface="Arial" panose="020B0604020202020204" pitchFamily="34" charset="0"/>
-                <a:cs typeface="Arial" panose="020B0604020202020204" pitchFamily="34" charset="0"/>
-              </a:rPr>
-              <a:t>Victor Essien-</a:t>
-            </a:r>
-            <a:r>
-              <a:rPr lang="en-GB" b="1" dirty="0"/>
-              <a:t>W9104119</a:t>
-            </a:r>
-            <a:endParaRPr lang="en-US" sz="1800" dirty="0">
-              <a:solidFill>
-                <a:srgbClr val="FFFFFF"/>
-              </a:solidFill>
-              <a:latin typeface="Arial" panose="020B0604020202020204" pitchFamily="34" charset="0"/>
-              <a:cs typeface="Arial" panose="020B0604020202020204" pitchFamily="34" charset="0"/>
-            </a:endParaRPr>
-          </a:p>
-          <a:p>
             <a:endParaRPr lang="en-US" sz="1800" dirty="0">
               <a:solidFill>
                 <a:srgbClr val="FFFFFF"/>
@@ -4871,7 +6276,7 @@
           <p:nvPr/>
         </p:nvPicPr>
         <p:blipFill rotWithShape="1">
-          <a:blip r:embed="rId2"/>
+          <a:blip r:embed="rId3"/>
           <a:srcRect l="14172" r="12189" b="2"/>
           <a:stretch/>
         </p:blipFill>
@@ -4973,7 +6378,10 @@
               <a:buNone/>
             </a:pPr>
             <a:r>
-              <a:rPr lang="en-GB" b="1" dirty="0"/>
+              <a:rPr lang="en-GB" b="1" dirty="0">
+                <a:latin typeface="Arial" panose="020B0604020202020204" pitchFamily="34" charset="0"/>
+                <a:cs typeface="Arial" panose="020B0604020202020204" pitchFamily="34" charset="0"/>
+              </a:rPr>
               <a:t>Optimization:</a:t>
             </a:r>
           </a:p>
@@ -4994,7 +6402,10 @@
               <a:buNone/>
             </a:pPr>
             <a:r>
-              <a:rPr lang="en-GB" b="1" dirty="0"/>
+              <a:rPr lang="en-GB" b="1" dirty="0">
+                <a:latin typeface="Arial" panose="020B0604020202020204" pitchFamily="34" charset="0"/>
+                <a:cs typeface="Arial" panose="020B0604020202020204" pitchFamily="34" charset="0"/>
+              </a:rPr>
               <a:t>Predicting:</a:t>
             </a:r>
           </a:p>
@@ -5012,34 +6423,6 @@
             <a:extLst>
               <a:ext uri="{FF2B5EF4-FFF2-40B4-BE49-F238E27FC236}">
                 <a16:creationId xmlns:a16="http://schemas.microsoft.com/office/drawing/2014/main" id="{93D24892-9C52-4A8D-AAA3-1826D045400E}"/>
-              </a:ext>
-            </a:extLst>
-          </p:cNvPr>
-          <p:cNvPicPr/>
-          <p:nvPr/>
-        </p:nvPicPr>
-        <p:blipFill>
-          <a:blip r:embed="rId2"/>
-          <a:stretch>
-            <a:fillRect/>
-          </a:stretch>
-        </p:blipFill>
-        <p:spPr>
-          <a:xfrm>
-            <a:off x="1171851" y="2619349"/>
-            <a:ext cx="5784100" cy="1162660"/>
-          </a:xfrm>
-          <a:prstGeom prst="rect">
-            <a:avLst/>
-          </a:prstGeom>
-        </p:spPr>
-      </p:pic>
-      <p:pic>
-        <p:nvPicPr>
-          <p:cNvPr id="8" name="Picture 7">
-            <a:extLst>
-              <a:ext uri="{FF2B5EF4-FFF2-40B4-BE49-F238E27FC236}">
-                <a16:creationId xmlns:a16="http://schemas.microsoft.com/office/drawing/2014/main" id="{5F4B0285-DD94-43C5-9B61-A70AE1E14F38}"/>
               </a:ext>
             </a:extLst>
           </p:cNvPr>
@@ -5054,8 +6437,36 @@
         </p:blipFill>
         <p:spPr>
           <a:xfrm>
+            <a:off x="1171850" y="2619348"/>
+            <a:ext cx="7025665" cy="1523461"/>
+          </a:xfrm>
+          <a:prstGeom prst="rect">
+            <a:avLst/>
+          </a:prstGeom>
+        </p:spPr>
+      </p:pic>
+      <p:pic>
+        <p:nvPicPr>
+          <p:cNvPr id="8" name="Picture 7">
+            <a:extLst>
+              <a:ext uri="{FF2B5EF4-FFF2-40B4-BE49-F238E27FC236}">
+                <a16:creationId xmlns:a16="http://schemas.microsoft.com/office/drawing/2014/main" id="{5F4B0285-DD94-43C5-9B61-A70AE1E14F38}"/>
+              </a:ext>
+            </a:extLst>
+          </p:cNvPr>
+          <p:cNvPicPr/>
+          <p:nvPr/>
+        </p:nvPicPr>
+        <p:blipFill>
+          <a:blip r:embed="rId4"/>
+          <a:stretch>
+            <a:fillRect/>
+          </a:stretch>
+        </p:blipFill>
+        <p:spPr>
+          <a:xfrm>
             <a:off x="1171851" y="4583989"/>
-            <a:ext cx="5784101" cy="276730"/>
+            <a:ext cx="7763602" cy="774074"/>
           </a:xfrm>
           <a:prstGeom prst="rect">
             <a:avLst/>
@@ -5078,6 +6489,14 @@
 <file path=ppt/slides/slide2.xml><?xml version="1.0" encoding="utf-8"?>
 <p:sld xmlns:a="http://schemas.openxmlformats.org/drawingml/2006/main" xmlns:r="http://schemas.openxmlformats.org/officeDocument/2006/relationships" xmlns:p="http://schemas.openxmlformats.org/presentationml/2006/main">
   <p:cSld>
+    <p:bg>
+      <p:bgPr>
+        <a:solidFill>
+          <a:schemeClr val="bg1"/>
+        </a:solidFill>
+        <a:effectLst/>
+      </p:bgPr>
+    </p:bg>
     <p:spTree>
       <p:nvGrpSpPr>
         <p:cNvPr id="1" name=""/>
@@ -5092,6 +6511,66 @@
           <a:chExt cx="0" cy="0"/>
         </a:xfrm>
       </p:grpSpPr>
+      <p:sp useBgFill="1">
+        <p:nvSpPr>
+          <p:cNvPr id="26" name="Rectangle 25">
+            <a:extLst>
+              <a:ext uri="{FF2B5EF4-FFF2-40B4-BE49-F238E27FC236}">
+                <a16:creationId xmlns:a16="http://schemas.microsoft.com/office/drawing/2014/main" id="{C8DD82D3-D002-45B0-B16A-82B3DA4EFDDB}"/>
+              </a:ext>
+              <a:ext uri="{C183D7F6-B498-43B3-948B-1728B52AA6E4}">
+                <adec:decorative xmlns:adec="http://schemas.microsoft.com/office/drawing/2017/decorative" val="1"/>
+              </a:ext>
+            </a:extLst>
+          </p:cNvPr>
+          <p:cNvSpPr>
+            <a:spLocks noGrp="1" noRot="1" noChangeAspect="1" noMove="1" noResize="1" noEditPoints="1" noAdjustHandles="1" noChangeArrowheads="1" noChangeShapeType="1" noTextEdit="1"/>
+          </p:cNvSpPr>
+          <p:nvPr>
+            <p:extLst>
+              <p:ext uri="{386F3935-93C4-4BCD-93E2-E3B085C9AB24}">
+                <p16:designElem xmlns:p16="http://schemas.microsoft.com/office/powerpoint/2015/main" val="1"/>
+              </p:ext>
+            </p:extLst>
+          </p:nvPr>
+        </p:nvSpPr>
+        <p:spPr>
+          <a:xfrm>
+            <a:off x="3048" y="0"/>
+            <a:ext cx="12188952" cy="6858000"/>
+          </a:xfrm>
+          <a:prstGeom prst="rect">
+            <a:avLst/>
+          </a:prstGeom>
+          <a:ln>
+            <a:noFill/>
+          </a:ln>
+        </p:spPr>
+        <p:style>
+          <a:lnRef idx="2">
+            <a:schemeClr val="accent1">
+              <a:shade val="50000"/>
+            </a:schemeClr>
+          </a:lnRef>
+          <a:fillRef idx="1">
+            <a:schemeClr val="accent1"/>
+          </a:fillRef>
+          <a:effectRef idx="0">
+            <a:schemeClr val="accent1"/>
+          </a:effectRef>
+          <a:fontRef idx="minor">
+            <a:schemeClr val="lt1"/>
+          </a:fontRef>
+        </p:style>
+        <p:txBody>
+          <a:bodyPr rtlCol="0" anchor="ctr"/>
+          <a:lstStyle/>
+          <a:p>
+            <a:pPr algn="ctr"/>
+            <a:endParaRPr lang="en-US"/>
+          </a:p>
+        </p:txBody>
+      </p:sp>
       <p:sp>
         <p:nvSpPr>
           <p:cNvPr id="2" name="Title 1">
@@ -5108,11 +6587,19 @@
             <p:ph type="title"/>
           </p:nvPr>
         </p:nvSpPr>
-        <p:spPr/>
-        <p:txBody>
-          <a:bodyPr/>
+        <p:spPr>
+          <a:xfrm>
+            <a:off x="643468" y="643467"/>
+            <a:ext cx="3073550" cy="5126203"/>
+          </a:xfrm>
+        </p:spPr>
+        <p:txBody>
+          <a:bodyPr anchor="ctr">
+            <a:normAutofit/>
+          </a:bodyPr>
           <a:lstStyle/>
           <a:p>
+            <a:pPr algn="r"/>
             <a:br>
               <a:rPr lang="en-GB" b="1" dirty="0"/>
             </a:br>
@@ -5124,6 +6611,59 @@
           </a:p>
         </p:txBody>
       </p:sp>
+      <p:cxnSp>
+        <p:nvCxnSpPr>
+          <p:cNvPr id="28" name="Straight Connector 27">
+            <a:extLst>
+              <a:ext uri="{FF2B5EF4-FFF2-40B4-BE49-F238E27FC236}">
+                <a16:creationId xmlns:a16="http://schemas.microsoft.com/office/drawing/2014/main" id="{9F09C252-16FE-4557-AD6D-BB5CA773496C}"/>
+              </a:ext>
+              <a:ext uri="{C183D7F6-B498-43B3-948B-1728B52AA6E4}">
+                <adec:decorative xmlns:adec="http://schemas.microsoft.com/office/drawing/2017/decorative" val="1"/>
+              </a:ext>
+            </a:extLst>
+          </p:cNvPr>
+          <p:cNvCxnSpPr>
+            <a:cxnSpLocks noGrp="1" noRot="1" noChangeAspect="1" noMove="1" noResize="1" noEditPoints="1" noAdjustHandles="1" noChangeArrowheads="1" noChangeShapeType="1"/>
+          </p:cNvCxnSpPr>
+          <p:nvPr>
+            <p:extLst>
+              <p:ext uri="{386F3935-93C4-4BCD-93E2-E3B085C9AB24}">
+                <p16:designElem xmlns:p16="http://schemas.microsoft.com/office/powerpoint/2015/main" val="1"/>
+              </p:ext>
+            </p:extLst>
+          </p:nvPr>
+        </p:nvCxnSpPr>
+        <p:spPr>
+          <a:xfrm>
+            <a:off x="4042052" y="1778497"/>
+            <a:ext cx="0" cy="3200400"/>
+          </a:xfrm>
+          <a:prstGeom prst="line">
+            <a:avLst/>
+          </a:prstGeom>
+          <a:ln w="19050">
+            <a:solidFill>
+              <a:schemeClr val="tx1"/>
+            </a:solidFill>
+            <a:miter lim="800000"/>
+          </a:ln>
+        </p:spPr>
+        <p:style>
+          <a:lnRef idx="1">
+            <a:schemeClr val="accent1"/>
+          </a:lnRef>
+          <a:fillRef idx="0">
+            <a:schemeClr val="accent1"/>
+          </a:fillRef>
+          <a:effectRef idx="0">
+            <a:schemeClr val="accent1"/>
+          </a:effectRef>
+          <a:fontRef idx="minor">
+            <a:schemeClr val="tx1"/>
+          </a:fontRef>
+        </p:style>
+      </p:cxnSp>
       <p:sp>
         <p:nvSpPr>
           <p:cNvPr id="3" name="Content Placeholder 2">
@@ -5140,10 +6680,15 @@
             <p:ph idx="1"/>
           </p:nvPr>
         </p:nvSpPr>
-        <p:spPr/>
-        <p:txBody>
-          <a:bodyPr>
-            <a:normAutofit/>
+        <p:spPr>
+          <a:xfrm>
+            <a:off x="4363786" y="621697"/>
+            <a:ext cx="6791894" cy="5147973"/>
+          </a:xfrm>
+        </p:spPr>
+        <p:txBody>
+          <a:bodyPr anchor="ctr">
+            <a:noAutofit/>
           </a:bodyPr>
           <a:lstStyle/>
           <a:p>
@@ -5152,26 +6697,40 @@
               <a:buChar char="v"/>
             </a:pPr>
             <a:r>
-              <a:rPr lang="en-GB" b="1" u="sng" dirty="0">
+              <a:rPr lang="en-GB" sz="1800" b="1" u="sng" dirty="0">
+                <a:latin typeface="Arial" panose="020B0604020202020204" pitchFamily="34" charset="0"/>
+                <a:cs typeface="Arial" panose="020B0604020202020204" pitchFamily="34" charset="0"/>
                 <a:hlinkClick r:id="rId3"/>
               </a:rPr>
               <a:t>Online Retail</a:t>
             </a:r>
             <a:r>
-              <a:rPr lang="en-GB" b="1" dirty="0"/>
+              <a:rPr lang="en-GB" sz="1800" b="1" dirty="0">
+                <a:latin typeface="Arial" panose="020B0604020202020204" pitchFamily="34" charset="0"/>
+                <a:cs typeface="Arial" panose="020B0604020202020204" pitchFamily="34" charset="0"/>
+              </a:rPr>
               <a:t>: time series, transactional data – 8 attributes, 541K records</a:t>
             </a:r>
-            <a:endParaRPr lang="en-GB" b="1" u="sng" dirty="0"/>
+            <a:endParaRPr lang="en-GB" sz="1800" b="1" u="sng" dirty="0">
+              <a:latin typeface="Arial" panose="020B0604020202020204" pitchFamily="34" charset="0"/>
+              <a:cs typeface="Arial" panose="020B0604020202020204" pitchFamily="34" charset="0"/>
+            </a:endParaRPr>
           </a:p>
           <a:p>
             <a:pPr marL="292608" lvl="1" indent="0">
               <a:buNone/>
             </a:pPr>
             <a:r>
-              <a:rPr lang="en-GB" b="1" dirty="0"/>
+              <a:rPr lang="en-GB" b="1" dirty="0">
+                <a:latin typeface="Arial" panose="020B0604020202020204" pitchFamily="34" charset="0"/>
+                <a:cs typeface="Arial" panose="020B0604020202020204" pitchFamily="34" charset="0"/>
+              </a:rPr>
               <a:t>Each row represents a whole sale purchase of an item along with details about the purchase such as: the invoice ID, stock code, item description, quantity purchased, price per unit, the ID and country of the customer who made the purchase.</a:t>
             </a:r>
-            <a:endParaRPr lang="en-GB" dirty="0"/>
+            <a:endParaRPr lang="en-GB" dirty="0">
+              <a:latin typeface="Arial" panose="020B0604020202020204" pitchFamily="34" charset="0"/>
+              <a:cs typeface="Arial" panose="020B0604020202020204" pitchFamily="34" charset="0"/>
+            </a:endParaRPr>
           </a:p>
           <a:p>
             <a:pPr lvl="0">
@@ -5179,23 +6738,34 @@
               <a:buChar char="v"/>
             </a:pPr>
             <a:r>
-              <a:rPr lang="en-GB" b="1" u="sng" dirty="0">
+              <a:rPr lang="en-GB" sz="1800" b="1" u="sng" dirty="0">
+                <a:latin typeface="Arial" panose="020B0604020202020204" pitchFamily="34" charset="0"/>
+                <a:cs typeface="Arial" panose="020B0604020202020204" pitchFamily="34" charset="0"/>
                 <a:hlinkClick r:id="rId4"/>
               </a:rPr>
               <a:t>Groceries</a:t>
             </a:r>
             <a:r>
-              <a:rPr lang="en-GB" b="1" dirty="0"/>
+              <a:rPr lang="en-GB" sz="1800" b="1" dirty="0">
+                <a:latin typeface="Arial" panose="020B0604020202020204" pitchFamily="34" charset="0"/>
+                <a:cs typeface="Arial" panose="020B0604020202020204" pitchFamily="34" charset="0"/>
+              </a:rPr>
               <a:t>: customer recite data – 9K records</a:t>
             </a:r>
-            <a:endParaRPr lang="en-GB" b="1" u="sng" dirty="0"/>
+            <a:endParaRPr lang="en-GB" sz="1800" b="1" u="sng" dirty="0">
+              <a:latin typeface="Arial" panose="020B0604020202020204" pitchFamily="34" charset="0"/>
+              <a:cs typeface="Arial" panose="020B0604020202020204" pitchFamily="34" charset="0"/>
+            </a:endParaRPr>
           </a:p>
           <a:p>
             <a:pPr marL="292608" lvl="1" indent="0">
               <a:buNone/>
             </a:pPr>
             <a:r>
-              <a:rPr lang="en-GB" b="1" dirty="0"/>
+              <a:rPr lang="en-GB" b="1" dirty="0">
+                <a:latin typeface="Arial" panose="020B0604020202020204" pitchFamily="34" charset="0"/>
+                <a:cs typeface="Arial" panose="020B0604020202020204" pitchFamily="34" charset="0"/>
+              </a:rPr>
               <a:t>Each row represents a customer recite (list of the items bought) with no details about the purchase but the names of the items.</a:t>
             </a:r>
           </a:p>
@@ -5205,28 +6775,90 @@
               <a:buChar char="v"/>
             </a:pPr>
             <a:r>
-              <a:rPr lang="en-GB" b="1" u="sng" dirty="0" err="1">
+              <a:rPr lang="en-GB" sz="1800" b="1" u="sng" dirty="0" err="1">
+                <a:latin typeface="Arial" panose="020B0604020202020204" pitchFamily="34" charset="0"/>
+                <a:cs typeface="Arial" panose="020B0604020202020204" pitchFamily="34" charset="0"/>
                 <a:hlinkClick r:id="rId5"/>
               </a:rPr>
-              <a:t>MovieLens</a:t>
-            </a:r>
-            <a:r>
-              <a:rPr lang="en-GB" b="1" dirty="0"/>
+              <a:t>MovieLands</a:t>
+            </a:r>
+            <a:r>
+              <a:rPr lang="en-GB" sz="1800" b="1" dirty="0">
+                <a:latin typeface="Arial" panose="020B0604020202020204" pitchFamily="34" charset="0"/>
+                <a:cs typeface="Arial" panose="020B0604020202020204" pitchFamily="34" charset="0"/>
+              </a:rPr>
               <a:t>: movie rating data – 100K records</a:t>
             </a:r>
             <a:br>
-              <a:rPr lang="en-GB" b="1" u="sng" dirty="0"/>
+              <a:rPr lang="en-GB" sz="1800" b="1" u="sng" dirty="0">
+                <a:latin typeface="Arial" panose="020B0604020202020204" pitchFamily="34" charset="0"/>
+                <a:cs typeface="Arial" panose="020B0604020202020204" pitchFamily="34" charset="0"/>
+              </a:rPr>
             </a:br>
             <a:r>
-              <a:rPr lang="en-GB" dirty="0"/>
-              <a:t>    </a:t>
-            </a:r>
-            <a:r>
-              <a:rPr lang="en-GB" sz="1800" b="1" dirty="0"/>
-              <a:t>Each row represents one review by one customer.</a:t>
-            </a:r>
-          </a:p>
-        </p:txBody>
+              <a:rPr lang="en-GB" sz="1800" b="1" dirty="0">
+                <a:latin typeface="Arial" panose="020B0604020202020204" pitchFamily="34" charset="0"/>
+                <a:cs typeface="Arial" panose="020B0604020202020204" pitchFamily="34" charset="0"/>
+              </a:rPr>
+              <a:t>describes a movie recommendation service. It contains 100836   ratings and 3683 tag applications across 9742 movies. The data contains ratings from 610 unique users made between March 29, 1996 and September 24, 2018. The dataset was generated on September 26, 2018.</a:t>
+            </a:r>
+          </a:p>
+        </p:txBody>
+      </p:sp>
+      <p:sp>
+        <p:nvSpPr>
+          <p:cNvPr id="30" name="Rectangle 29">
+            <a:extLst>
+              <a:ext uri="{FF2B5EF4-FFF2-40B4-BE49-F238E27FC236}">
+                <a16:creationId xmlns:a16="http://schemas.microsoft.com/office/drawing/2014/main" id="{14552793-7DFF-4EC7-AC69-D34A75D01880}"/>
+              </a:ext>
+              <a:ext uri="{C183D7F6-B498-43B3-948B-1728B52AA6E4}">
+                <adec:decorative xmlns:adec="http://schemas.microsoft.com/office/drawing/2017/decorative" val="1"/>
+              </a:ext>
+            </a:extLst>
+          </p:cNvPr>
+          <p:cNvSpPr>
+            <a:spLocks noGrp="1" noRot="1" noChangeAspect="1" noMove="1" noResize="1" noEditPoints="1" noAdjustHandles="1" noChangeArrowheads="1" noChangeShapeType="1" noTextEdit="1"/>
+          </p:cNvSpPr>
+          <p:nvPr>
+            <p:extLst>
+              <p:ext uri="{386F3935-93C4-4BCD-93E2-E3B085C9AB24}">
+                <p16:designElem xmlns:p16="http://schemas.microsoft.com/office/powerpoint/2015/main" val="1"/>
+              </p:ext>
+            </p:extLst>
+          </p:nvPr>
+        </p:nvSpPr>
+        <p:spPr>
+          <a:xfrm>
+            <a:off x="0" y="6400800"/>
+            <a:ext cx="12192000" cy="457200"/>
+          </a:xfrm>
+          <a:prstGeom prst="rect">
+            <a:avLst/>
+          </a:prstGeom>
+          <a:solidFill>
+            <a:srgbClr val="262626"/>
+          </a:solidFill>
+          <a:ln>
+            <a:noFill/>
+          </a:ln>
+        </p:spPr>
+        <p:style>
+          <a:lnRef idx="2">
+            <a:schemeClr val="accent1">
+              <a:shade val="50000"/>
+            </a:schemeClr>
+          </a:lnRef>
+          <a:fillRef idx="1">
+            <a:schemeClr val="accent1"/>
+          </a:fillRef>
+          <a:effectRef idx="0">
+            <a:schemeClr val="accent1"/>
+          </a:effectRef>
+          <a:fontRef idx="minor">
+            <a:schemeClr val="lt1"/>
+          </a:fontRef>
+        </p:style>
       </p:sp>
     </p:spTree>
     <p:extLst>
@@ -5244,6 +6876,14 @@
 <file path=ppt/slides/slide3.xml><?xml version="1.0" encoding="utf-8"?>
 <p:sld xmlns:a="http://schemas.openxmlformats.org/drawingml/2006/main" xmlns:r="http://schemas.openxmlformats.org/officeDocument/2006/relationships" xmlns:p="http://schemas.openxmlformats.org/presentationml/2006/main">
   <p:cSld>
+    <p:bg>
+      <p:bgPr>
+        <a:solidFill>
+          <a:schemeClr val="bg1"/>
+        </a:solidFill>
+        <a:effectLst/>
+      </p:bgPr>
+    </p:bg>
     <p:spTree>
       <p:nvGrpSpPr>
         <p:cNvPr id="1" name=""/>
@@ -5258,6 +6898,66 @@
           <a:chExt cx="0" cy="0"/>
         </a:xfrm>
       </p:grpSpPr>
+      <p:sp useBgFill="1">
+        <p:nvSpPr>
+          <p:cNvPr id="11" name="Rectangle 10">
+            <a:extLst>
+              <a:ext uri="{FF2B5EF4-FFF2-40B4-BE49-F238E27FC236}">
+                <a16:creationId xmlns:a16="http://schemas.microsoft.com/office/drawing/2014/main" id="{D40791F6-715D-481A-9C4A-3645AECFD5A0}"/>
+              </a:ext>
+              <a:ext uri="{C183D7F6-B498-43B3-948B-1728B52AA6E4}">
+                <adec:decorative xmlns:adec="http://schemas.microsoft.com/office/drawing/2017/decorative" val="1"/>
+              </a:ext>
+            </a:extLst>
+          </p:cNvPr>
+          <p:cNvSpPr>
+            <a:spLocks noGrp="1" noRot="1" noChangeAspect="1" noMove="1" noResize="1" noEditPoints="1" noAdjustHandles="1" noChangeArrowheads="1" noChangeShapeType="1" noTextEdit="1"/>
+          </p:cNvSpPr>
+          <p:nvPr>
+            <p:extLst>
+              <p:ext uri="{386F3935-93C4-4BCD-93E2-E3B085C9AB24}">
+                <p16:designElem xmlns:p16="http://schemas.microsoft.com/office/powerpoint/2015/main" val="1"/>
+              </p:ext>
+            </p:extLst>
+          </p:nvPr>
+        </p:nvSpPr>
+        <p:spPr>
+          <a:xfrm>
+            <a:off x="-1" y="0"/>
+            <a:ext cx="12192001" cy="6858000"/>
+          </a:xfrm>
+          <a:prstGeom prst="rect">
+            <a:avLst/>
+          </a:prstGeom>
+          <a:ln>
+            <a:noFill/>
+          </a:ln>
+        </p:spPr>
+        <p:style>
+          <a:lnRef idx="2">
+            <a:schemeClr val="accent1">
+              <a:shade val="50000"/>
+            </a:schemeClr>
+          </a:lnRef>
+          <a:fillRef idx="1">
+            <a:schemeClr val="accent1"/>
+          </a:fillRef>
+          <a:effectRef idx="0">
+            <a:schemeClr val="accent1"/>
+          </a:effectRef>
+          <a:fontRef idx="minor">
+            <a:schemeClr val="lt1"/>
+          </a:fontRef>
+        </p:style>
+        <p:txBody>
+          <a:bodyPr rtlCol="0" anchor="ctr"/>
+          <a:lstStyle/>
+          <a:p>
+            <a:pPr algn="ctr"/>
+            <a:endParaRPr lang="en-US"/>
+          </a:p>
+        </p:txBody>
+      </p:sp>
       <p:sp>
         <p:nvSpPr>
           <p:cNvPr id="2" name="Title 1">
@@ -5274,9 +6974,16 @@
             <p:ph type="title"/>
           </p:nvPr>
         </p:nvSpPr>
-        <p:spPr/>
-        <p:txBody>
-          <a:bodyPr/>
+        <p:spPr>
+          <a:xfrm>
+            <a:off x="642257" y="634946"/>
+            <a:ext cx="6432434" cy="1450757"/>
+          </a:xfrm>
+        </p:spPr>
+        <p:txBody>
+          <a:bodyPr>
+            <a:normAutofit/>
+          </a:bodyPr>
           <a:lstStyle/>
           <a:p>
             <a:br>
@@ -5290,6 +6997,61 @@
           </a:p>
         </p:txBody>
       </p:sp>
+      <p:cxnSp>
+        <p:nvCxnSpPr>
+          <p:cNvPr id="13" name="Straight Connector 12">
+            <a:extLst>
+              <a:ext uri="{FF2B5EF4-FFF2-40B4-BE49-F238E27FC236}">
+                <a16:creationId xmlns:a16="http://schemas.microsoft.com/office/drawing/2014/main" id="{740F83A4-FAC4-4867-95A5-BBFD280C7BF5}"/>
+              </a:ext>
+              <a:ext uri="{C183D7F6-B498-43B3-948B-1728B52AA6E4}">
+                <adec:decorative xmlns:adec="http://schemas.microsoft.com/office/drawing/2017/decorative" val="1"/>
+              </a:ext>
+            </a:extLst>
+          </p:cNvPr>
+          <p:cNvCxnSpPr>
+            <a:cxnSpLocks noGrp="1" noRot="1" noChangeAspect="1" noMove="1" noResize="1" noEditPoints="1" noAdjustHandles="1" noChangeArrowheads="1" noChangeShapeType="1"/>
+          </p:cNvCxnSpPr>
+          <p:nvPr>
+            <p:extLst>
+              <p:ext uri="{386F3935-93C4-4BCD-93E2-E3B085C9AB24}">
+                <p16:designElem xmlns:p16="http://schemas.microsoft.com/office/powerpoint/2015/main" val="1"/>
+              </p:ext>
+            </p:extLst>
+          </p:nvPr>
+        </p:nvCxnSpPr>
+        <p:spPr>
+          <a:xfrm>
+            <a:off x="976240" y="2267421"/>
+            <a:ext cx="6035040" cy="0"/>
+          </a:xfrm>
+          <a:prstGeom prst="line">
+            <a:avLst/>
+          </a:prstGeom>
+          <a:ln w="12700">
+            <a:solidFill>
+              <a:schemeClr val="tx1">
+                <a:lumMod val="75000"/>
+                <a:lumOff val="25000"/>
+              </a:schemeClr>
+            </a:solidFill>
+          </a:ln>
+        </p:spPr>
+        <p:style>
+          <a:lnRef idx="1">
+            <a:schemeClr val="accent1"/>
+          </a:lnRef>
+          <a:fillRef idx="0">
+            <a:schemeClr val="accent1"/>
+          </a:fillRef>
+          <a:effectRef idx="0">
+            <a:schemeClr val="accent1"/>
+          </a:effectRef>
+          <a:fontRef idx="minor">
+            <a:schemeClr val="tx1"/>
+          </a:fontRef>
+        </p:style>
+      </p:cxnSp>
       <p:sp>
         <p:nvSpPr>
           <p:cNvPr id="3" name="Content Placeholder 2">
@@ -5308,8 +7070,8 @@
         </p:nvSpPr>
         <p:spPr>
           <a:xfrm>
-            <a:off x="1097280" y="2108201"/>
-            <a:ext cx="4708716" cy="3760891"/>
+            <a:off x="642257" y="2407436"/>
+            <a:ext cx="6432434" cy="3461658"/>
           </a:xfrm>
         </p:spPr>
         <p:txBody>
@@ -5347,7 +7109,10 @@
               <a:buChar char="•"/>
             </a:pPr>
             <a:r>
-              <a:rPr lang="en-GB" dirty="0"/>
+              <a:rPr lang="en-GB" dirty="0">
+                <a:latin typeface="Arial" panose="020B0604020202020204" pitchFamily="34" charset="0"/>
+                <a:cs typeface="Arial" panose="020B0604020202020204" pitchFamily="34" charset="0"/>
+              </a:rPr>
               <a:t> Algorithm</a:t>
             </a:r>
           </a:p>
@@ -5357,7 +7122,10 @@
               <a:buChar char="•"/>
             </a:pPr>
             <a:r>
-              <a:rPr lang="en-GB" dirty="0"/>
+              <a:rPr lang="en-GB" dirty="0">
+                <a:latin typeface="Arial" panose="020B0604020202020204" pitchFamily="34" charset="0"/>
+                <a:cs typeface="Arial" panose="020B0604020202020204" pitchFamily="34" charset="0"/>
+              </a:rPr>
               <a:t> Questions </a:t>
             </a:r>
           </a:p>
@@ -5367,10 +7135,12 @@
               <a:buChar char="•"/>
             </a:pPr>
             <a:r>
-              <a:rPr lang="en-GB" dirty="0"/>
+              <a:rPr lang="en-GB" dirty="0">
+                <a:latin typeface="Arial" panose="020B0604020202020204" pitchFamily="34" charset="0"/>
+                <a:cs typeface="Arial" panose="020B0604020202020204" pitchFamily="34" charset="0"/>
+              </a:rPr>
               <a:t> Results</a:t>
             </a:r>
-            <a:endParaRPr lang="en-GB" i="1" dirty="0"/>
           </a:p>
           <a:p>
             <a:pPr>
@@ -5395,7 +7165,10 @@
               <a:buChar char="•"/>
             </a:pPr>
             <a:r>
-              <a:rPr lang="en-GB" dirty="0"/>
+              <a:rPr lang="en-GB" dirty="0">
+                <a:latin typeface="Arial" panose="020B0604020202020204" pitchFamily="34" charset="0"/>
+                <a:cs typeface="Arial" panose="020B0604020202020204" pitchFamily="34" charset="0"/>
+              </a:rPr>
               <a:t> Algorithm</a:t>
             </a:r>
           </a:p>
@@ -5405,7 +7178,10 @@
               <a:buChar char="•"/>
             </a:pPr>
             <a:r>
-              <a:rPr lang="en-GB" dirty="0"/>
+              <a:rPr lang="en-GB" dirty="0">
+                <a:latin typeface="Arial" panose="020B0604020202020204" pitchFamily="34" charset="0"/>
+                <a:cs typeface="Arial" panose="020B0604020202020204" pitchFamily="34" charset="0"/>
+              </a:rPr>
               <a:t> Questions </a:t>
             </a:r>
           </a:p>
@@ -5415,10 +7191,16 @@
               <a:buChar char="•"/>
             </a:pPr>
             <a:r>
-              <a:rPr lang="en-GB" dirty="0"/>
+              <a:rPr lang="en-GB" dirty="0">
+                <a:latin typeface="Arial" panose="020B0604020202020204" pitchFamily="34" charset="0"/>
+                <a:cs typeface="Arial" panose="020B0604020202020204" pitchFamily="34" charset="0"/>
+              </a:rPr>
               <a:t> Results</a:t>
             </a:r>
-            <a:endParaRPr lang="en-GB" i="1" dirty="0"/>
+            <a:endParaRPr lang="en-GB" i="1" dirty="0">
+              <a:latin typeface="Arial" panose="020B0604020202020204" pitchFamily="34" charset="0"/>
+              <a:cs typeface="Arial" panose="020B0604020202020204" pitchFamily="34" charset="0"/>
+            </a:endParaRPr>
           </a:p>
           <a:p>
             <a:pPr marL="0" indent="0">
@@ -5427,6 +7209,121 @@
             <a:endParaRPr lang="en-GB" dirty="0"/>
           </a:p>
         </p:txBody>
+      </p:sp>
+      <p:pic>
+        <p:nvPicPr>
+          <p:cNvPr id="6" name="Picture 5">
+            <a:extLst>
+              <a:ext uri="{FF2B5EF4-FFF2-40B4-BE49-F238E27FC236}">
+                <a16:creationId xmlns:a16="http://schemas.microsoft.com/office/drawing/2014/main" id="{B37D5C7A-D4C1-460F-B6FC-857725B2F015}"/>
+              </a:ext>
+            </a:extLst>
+          </p:cNvPr>
+          <p:cNvPicPr>
+            <a:picLocks noChangeAspect="1"/>
+          </p:cNvPicPr>
+          <p:nvPr/>
+        </p:nvPicPr>
+        <p:blipFill>
+          <a:blip r:embed="rId3"/>
+          <a:stretch>
+            <a:fillRect/>
+          </a:stretch>
+        </p:blipFill>
+        <p:spPr>
+          <a:xfrm>
+            <a:off x="7539359" y="581198"/>
+            <a:ext cx="4001315" cy="2050674"/>
+          </a:xfrm>
+          <a:prstGeom prst="rect">
+            <a:avLst/>
+          </a:prstGeom>
+        </p:spPr>
+      </p:pic>
+      <p:pic>
+        <p:nvPicPr>
+          <p:cNvPr id="5" name="Picture 4">
+            <a:extLst>
+              <a:ext uri="{FF2B5EF4-FFF2-40B4-BE49-F238E27FC236}">
+                <a16:creationId xmlns:a16="http://schemas.microsoft.com/office/drawing/2014/main" id="{3DF8AD17-2FDB-4ED8-AEBC-DEED0029068C}"/>
+              </a:ext>
+            </a:extLst>
+          </p:cNvPr>
+          <p:cNvPicPr>
+            <a:picLocks noChangeAspect="1"/>
+          </p:cNvPicPr>
+          <p:nvPr/>
+        </p:nvPicPr>
+        <p:blipFill>
+          <a:blip r:embed="rId4"/>
+          <a:stretch>
+            <a:fillRect/>
+          </a:stretch>
+        </p:blipFill>
+        <p:spPr>
+          <a:xfrm>
+            <a:off x="7539358" y="3535176"/>
+            <a:ext cx="4001315" cy="2313133"/>
+          </a:xfrm>
+          <a:prstGeom prst="rect">
+            <a:avLst/>
+          </a:prstGeom>
+        </p:spPr>
+      </p:pic>
+      <p:sp>
+        <p:nvSpPr>
+          <p:cNvPr id="15" name="Rectangle 14">
+            <a:extLst>
+              <a:ext uri="{FF2B5EF4-FFF2-40B4-BE49-F238E27FC236}">
+                <a16:creationId xmlns:a16="http://schemas.microsoft.com/office/drawing/2014/main" id="{811CBAFA-D7E0-40A7-BB94-2C05304B407B}"/>
+              </a:ext>
+              <a:ext uri="{C183D7F6-B498-43B3-948B-1728B52AA6E4}">
+                <adec:decorative xmlns:adec="http://schemas.microsoft.com/office/drawing/2017/decorative" val="1"/>
+              </a:ext>
+            </a:extLst>
+          </p:cNvPr>
+          <p:cNvSpPr>
+            <a:spLocks noGrp="1" noRot="1" noChangeAspect="1" noMove="1" noResize="1" noEditPoints="1" noAdjustHandles="1" noChangeArrowheads="1" noChangeShapeType="1" noTextEdit="1"/>
+          </p:cNvSpPr>
+          <p:nvPr>
+            <p:extLst>
+              <p:ext uri="{386F3935-93C4-4BCD-93E2-E3B085C9AB24}">
+                <p16:designElem xmlns:p16="http://schemas.microsoft.com/office/powerpoint/2015/main" val="1"/>
+              </p:ext>
+            </p:extLst>
+          </p:nvPr>
+        </p:nvSpPr>
+        <p:spPr>
+          <a:xfrm>
+            <a:off x="-1" y="6400800"/>
+            <a:ext cx="12192000" cy="457200"/>
+          </a:xfrm>
+          <a:prstGeom prst="rect">
+            <a:avLst/>
+          </a:prstGeom>
+          <a:solidFill>
+            <a:srgbClr val="262626"/>
+          </a:solidFill>
+          <a:ln>
+            <a:noFill/>
+          </a:ln>
+        </p:spPr>
+        <p:style>
+          <a:lnRef idx="2">
+            <a:schemeClr val="accent1">
+              <a:shade val="50000"/>
+            </a:schemeClr>
+          </a:lnRef>
+          <a:fillRef idx="1">
+            <a:schemeClr val="accent1"/>
+          </a:fillRef>
+          <a:effectRef idx="0">
+            <a:schemeClr val="accent1"/>
+          </a:effectRef>
+          <a:fontRef idx="minor">
+            <a:schemeClr val="lt1"/>
+          </a:fontRef>
+        </p:style>
       </p:sp>
       <p:sp>
         <p:nvSpPr>
@@ -5695,30 +7592,91 @@
           </a:lstStyle>
           <a:p>
             <a:pPr marL="0" indent="0">
-              <a:buNone/>
-            </a:pPr>
-            <a:r>
-              <a:rPr lang="en-GB" b="1" i="1" dirty="0">
-                <a:solidFill>
-                  <a:srgbClr val="FF0000"/>
-                </a:solidFill>
-                <a:latin typeface="Arial" panose="020B0604020202020204" pitchFamily="34" charset="0"/>
-                <a:cs typeface="Arial" panose="020B0604020202020204" pitchFamily="34" charset="0"/>
-              </a:rPr>
-              <a:t>SOME RELATED IMAGES HERE</a:t>
-            </a:r>
-            <a:endParaRPr lang="en-GB" i="1" dirty="0">
-              <a:solidFill>
-                <a:srgbClr val="FF0000"/>
-              </a:solidFill>
-            </a:endParaRPr>
-          </a:p>
-          <a:p>
-            <a:pPr marL="0" indent="0">
               <a:buFont typeface="Calibri" panose="020F0502020204030204" pitchFamily="34" charset="0"/>
               <a:buNone/>
             </a:pPr>
             <a:endParaRPr lang="en-GB" dirty="0"/>
+          </a:p>
+        </p:txBody>
+      </p:sp>
+      <p:sp>
+        <p:nvSpPr>
+          <p:cNvPr id="7" name="TextBox 6">
+            <a:extLst>
+              <a:ext uri="{FF2B5EF4-FFF2-40B4-BE49-F238E27FC236}">
+                <a16:creationId xmlns:a16="http://schemas.microsoft.com/office/drawing/2014/main" id="{2A6D5F17-A42E-4393-8B09-982EBBAA1D1B}"/>
+              </a:ext>
+            </a:extLst>
+          </p:cNvPr>
+          <p:cNvSpPr txBox="1"/>
+          <p:nvPr/>
+        </p:nvSpPr>
+        <p:spPr>
+          <a:xfrm>
+            <a:off x="7973139" y="5848309"/>
+            <a:ext cx="3320412" cy="646331"/>
+          </a:xfrm>
+          <a:prstGeom prst="rect">
+            <a:avLst/>
+          </a:prstGeom>
+          <a:noFill/>
+        </p:spPr>
+        <p:txBody>
+          <a:bodyPr wrap="square" rtlCol="0">
+            <a:spAutoFit/>
+          </a:bodyPr>
+          <a:lstStyle/>
+          <a:p>
+            <a:r>
+              <a:rPr lang="en-GB" b="1" i="1" dirty="0">
+                <a:latin typeface="Arial" panose="020B0604020202020204" pitchFamily="34" charset="0"/>
+                <a:cs typeface="Arial" panose="020B0604020202020204" pitchFamily="34" charset="0"/>
+              </a:rPr>
+              <a:t>Figure2: Association Rules Mining</a:t>
+            </a:r>
+            <a:endParaRPr lang="en-GB" dirty="0"/>
+          </a:p>
+        </p:txBody>
+      </p:sp>
+      <p:sp>
+        <p:nvSpPr>
+          <p:cNvPr id="8" name="TextBox 7">
+            <a:extLst>
+              <a:ext uri="{FF2B5EF4-FFF2-40B4-BE49-F238E27FC236}">
+                <a16:creationId xmlns:a16="http://schemas.microsoft.com/office/drawing/2014/main" id="{3B68EBFF-4191-462A-86C2-3EDD4CB9BA8F}"/>
+              </a:ext>
+            </a:extLst>
+          </p:cNvPr>
+          <p:cNvSpPr txBox="1"/>
+          <p:nvPr/>
+        </p:nvSpPr>
+        <p:spPr>
+          <a:xfrm>
+            <a:off x="8175240" y="2710900"/>
+            <a:ext cx="2916210" cy="646331"/>
+          </a:xfrm>
+          <a:prstGeom prst="rect">
+            <a:avLst/>
+          </a:prstGeom>
+          <a:noFill/>
+        </p:spPr>
+        <p:txBody>
+          <a:bodyPr wrap="square" rtlCol="0">
+            <a:spAutoFit/>
+          </a:bodyPr>
+          <a:lstStyle/>
+          <a:p>
+            <a:r>
+              <a:rPr lang="en-GB" b="1" i="1" dirty="0">
+                <a:latin typeface="Arial" panose="020B0604020202020204" pitchFamily="34" charset="0"/>
+                <a:cs typeface="Arial" panose="020B0604020202020204" pitchFamily="34" charset="0"/>
+              </a:rPr>
+              <a:t>Figure1: Collaborative Filtering</a:t>
+            </a:r>
+            <a:endParaRPr lang="en-GB" b="1" dirty="0">
+              <a:latin typeface="Arial" panose="020B0604020202020204" pitchFamily="34" charset="0"/>
+              <a:cs typeface="Arial" panose="020B0604020202020204" pitchFamily="34" charset="0"/>
+            </a:endParaRPr>
           </a:p>
         </p:txBody>
       </p:sp>
@@ -5738,6 +7696,14 @@
 <file path=ppt/slides/slide4.xml><?xml version="1.0" encoding="utf-8"?>
 <p:sld xmlns:a="http://schemas.openxmlformats.org/drawingml/2006/main" xmlns:r="http://schemas.openxmlformats.org/officeDocument/2006/relationships" xmlns:p="http://schemas.openxmlformats.org/presentationml/2006/main">
   <p:cSld>
+    <p:bg>
+      <p:bgPr>
+        <a:solidFill>
+          <a:schemeClr val="bg1"/>
+        </a:solidFill>
+        <a:effectLst/>
+      </p:bgPr>
+    </p:bg>
     <p:spTree>
       <p:nvGrpSpPr>
         <p:cNvPr id="1" name=""/>
@@ -5752,6 +7718,66 @@
           <a:chExt cx="0" cy="0"/>
         </a:xfrm>
       </p:grpSpPr>
+      <p:sp useBgFill="1">
+        <p:nvSpPr>
+          <p:cNvPr id="8" name="Rectangle 7">
+            <a:extLst>
+              <a:ext uri="{FF2B5EF4-FFF2-40B4-BE49-F238E27FC236}">
+                <a16:creationId xmlns:a16="http://schemas.microsoft.com/office/drawing/2014/main" id="{C8DD82D3-D002-45B0-B16A-82B3DA4EFDDB}"/>
+              </a:ext>
+              <a:ext uri="{C183D7F6-B498-43B3-948B-1728B52AA6E4}">
+                <adec:decorative xmlns:adec="http://schemas.microsoft.com/office/drawing/2017/decorative" val="1"/>
+              </a:ext>
+            </a:extLst>
+          </p:cNvPr>
+          <p:cNvSpPr>
+            <a:spLocks noGrp="1" noRot="1" noChangeAspect="1" noMove="1" noResize="1" noEditPoints="1" noAdjustHandles="1" noChangeArrowheads="1" noChangeShapeType="1" noTextEdit="1"/>
+          </p:cNvSpPr>
+          <p:nvPr>
+            <p:extLst>
+              <p:ext uri="{386F3935-93C4-4BCD-93E2-E3B085C9AB24}">
+                <p16:designElem xmlns:p16="http://schemas.microsoft.com/office/powerpoint/2015/main" val="1"/>
+              </p:ext>
+            </p:extLst>
+          </p:nvPr>
+        </p:nvSpPr>
+        <p:spPr>
+          <a:xfrm>
+            <a:off x="3048" y="0"/>
+            <a:ext cx="12188952" cy="6858000"/>
+          </a:xfrm>
+          <a:prstGeom prst="rect">
+            <a:avLst/>
+          </a:prstGeom>
+          <a:ln>
+            <a:noFill/>
+          </a:ln>
+        </p:spPr>
+        <p:style>
+          <a:lnRef idx="2">
+            <a:schemeClr val="accent1">
+              <a:shade val="50000"/>
+            </a:schemeClr>
+          </a:lnRef>
+          <a:fillRef idx="1">
+            <a:schemeClr val="accent1"/>
+          </a:fillRef>
+          <a:effectRef idx="0">
+            <a:schemeClr val="accent1"/>
+          </a:effectRef>
+          <a:fontRef idx="minor">
+            <a:schemeClr val="lt1"/>
+          </a:fontRef>
+        </p:style>
+        <p:txBody>
+          <a:bodyPr rtlCol="0" anchor="ctr"/>
+          <a:lstStyle/>
+          <a:p>
+            <a:pPr algn="ctr"/>
+            <a:endParaRPr lang="en-US"/>
+          </a:p>
+        </p:txBody>
+      </p:sp>
       <p:sp>
         <p:nvSpPr>
           <p:cNvPr id="2" name="Title 1">
@@ -5768,13 +7794,19 @@
             <p:ph type="title"/>
           </p:nvPr>
         </p:nvSpPr>
-        <p:spPr/>
-        <p:txBody>
-          <a:bodyPr>
-            <a:normAutofit fontScale="90000"/>
+        <p:spPr>
+          <a:xfrm>
+            <a:off x="643468" y="643467"/>
+            <a:ext cx="3073550" cy="5126203"/>
+          </a:xfrm>
+        </p:spPr>
+        <p:txBody>
+          <a:bodyPr anchor="ctr">
+            <a:normAutofit/>
           </a:bodyPr>
           <a:lstStyle/>
           <a:p>
+            <a:pPr algn="r"/>
             <a:br>
               <a:rPr lang="en-GB" dirty="0"/>
             </a:br>
@@ -5788,6 +7820,59 @@
           </a:p>
         </p:txBody>
       </p:sp>
+      <p:cxnSp>
+        <p:nvCxnSpPr>
+          <p:cNvPr id="10" name="Straight Connector 9">
+            <a:extLst>
+              <a:ext uri="{FF2B5EF4-FFF2-40B4-BE49-F238E27FC236}">
+                <a16:creationId xmlns:a16="http://schemas.microsoft.com/office/drawing/2014/main" id="{9F09C252-16FE-4557-AD6D-BB5CA773496C}"/>
+              </a:ext>
+              <a:ext uri="{C183D7F6-B498-43B3-948B-1728B52AA6E4}">
+                <adec:decorative xmlns:adec="http://schemas.microsoft.com/office/drawing/2017/decorative" val="1"/>
+              </a:ext>
+            </a:extLst>
+          </p:cNvPr>
+          <p:cNvCxnSpPr>
+            <a:cxnSpLocks noGrp="1" noRot="1" noChangeAspect="1" noMove="1" noResize="1" noEditPoints="1" noAdjustHandles="1" noChangeArrowheads="1" noChangeShapeType="1"/>
+          </p:cNvCxnSpPr>
+          <p:nvPr>
+            <p:extLst>
+              <p:ext uri="{386F3935-93C4-4BCD-93E2-E3B085C9AB24}">
+                <p16:designElem xmlns:p16="http://schemas.microsoft.com/office/powerpoint/2015/main" val="1"/>
+              </p:ext>
+            </p:extLst>
+          </p:nvPr>
+        </p:nvCxnSpPr>
+        <p:spPr>
+          <a:xfrm>
+            <a:off x="4042052" y="1778497"/>
+            <a:ext cx="0" cy="3200400"/>
+          </a:xfrm>
+          <a:prstGeom prst="line">
+            <a:avLst/>
+          </a:prstGeom>
+          <a:ln w="19050">
+            <a:solidFill>
+              <a:schemeClr val="tx1"/>
+            </a:solidFill>
+            <a:miter lim="800000"/>
+          </a:ln>
+        </p:spPr>
+        <p:style>
+          <a:lnRef idx="1">
+            <a:schemeClr val="accent1"/>
+          </a:lnRef>
+          <a:fillRef idx="0">
+            <a:schemeClr val="accent1"/>
+          </a:fillRef>
+          <a:effectRef idx="0">
+            <a:schemeClr val="accent1"/>
+          </a:effectRef>
+          <a:fontRef idx="minor">
+            <a:schemeClr val="tx1"/>
+          </a:fontRef>
+        </p:style>
+      </p:cxnSp>
       <p:sp>
         <p:nvSpPr>
           <p:cNvPr id="3" name="Content Placeholder 2">
@@ -5804,61 +7889,181 @@
             <p:ph idx="1"/>
           </p:nvPr>
         </p:nvSpPr>
-        <p:spPr/>
-        <p:txBody>
-          <a:bodyPr/>
+        <p:spPr>
+          <a:xfrm>
+            <a:off x="4363786" y="621697"/>
+            <a:ext cx="6791894" cy="5147973"/>
+          </a:xfrm>
+        </p:spPr>
+        <p:txBody>
+          <a:bodyPr anchor="ctr">
+            <a:normAutofit/>
+          </a:bodyPr>
           <a:lstStyle/>
           <a:p>
             <a:r>
-              <a:rPr lang="en-GB" sz="2400" b="1" dirty="0"/>
+              <a:rPr lang="en-GB" b="1" dirty="0">
+                <a:latin typeface="Arial" panose="020B0604020202020204" pitchFamily="34" charset="0"/>
+                <a:cs typeface="Arial" panose="020B0604020202020204" pitchFamily="34" charset="0"/>
+              </a:rPr>
               <a:t>Apriori Algorithm </a:t>
             </a:r>
             <a:r>
+              <a:rPr lang="en-GB" sz="1800" dirty="0">
+                <a:latin typeface="Arial" panose="020B0604020202020204" pitchFamily="34" charset="0"/>
+                <a:cs typeface="Arial" panose="020B0604020202020204" pitchFamily="34" charset="0"/>
+              </a:rPr>
+              <a:t>is one of many algorithms for Association Rules Mining, other popular examples are the Eclat Algorithm, OPUS Search and FP-growth algorithm. We chose to work with Apriori because it is a standard and simple method for association rules mining and is also the one we are most familiar with. </a:t>
+            </a:r>
+          </a:p>
+          <a:p>
+            <a:r>
+              <a:rPr lang="en-GB" sz="1800" i="1" dirty="0">
+                <a:latin typeface="Arial" panose="020B0604020202020204" pitchFamily="34" charset="0"/>
+                <a:cs typeface="Arial" panose="020B0604020202020204" pitchFamily="34" charset="0"/>
+              </a:rPr>
+              <a:t>- </a:t>
+            </a:r>
+            <a:r>
+              <a:rPr lang="en-GB" sz="1800" b="1" i="1" dirty="0">
+                <a:latin typeface="Arial" panose="020B0604020202020204" pitchFamily="34" charset="0"/>
+                <a:cs typeface="Arial" panose="020B0604020202020204" pitchFamily="34" charset="0"/>
+              </a:rPr>
+              <a:t>Online Retail </a:t>
+            </a:r>
+            <a:r>
+              <a:rPr lang="en-GB" sz="1800" i="1" dirty="0">
+                <a:latin typeface="Arial" panose="020B0604020202020204" pitchFamily="34" charset="0"/>
+                <a:cs typeface="Arial" panose="020B0604020202020204" pitchFamily="34" charset="0"/>
+              </a:rPr>
+              <a:t>– </a:t>
+            </a:r>
+            <a:r>
+              <a:rPr lang="en-GB" sz="1800" dirty="0">
+                <a:latin typeface="Arial" panose="020B0604020202020204" pitchFamily="34" charset="0"/>
+                <a:cs typeface="Arial" panose="020B0604020202020204" pitchFamily="34" charset="0"/>
+              </a:rPr>
+              <a:t>Used for both the algorithm written </a:t>
+            </a:r>
+            <a:r>
+              <a:rPr lang="en-GB" sz="1800" u="sng" dirty="0">
+                <a:latin typeface="Arial" panose="020B0604020202020204" pitchFamily="34" charset="0"/>
+                <a:cs typeface="Arial" panose="020B0604020202020204" pitchFamily="34" charset="0"/>
+              </a:rPr>
+              <a:t>from scratch</a:t>
+            </a:r>
+            <a:r>
+              <a:rPr lang="en-GB" sz="1800" dirty="0">
+                <a:latin typeface="Arial" panose="020B0604020202020204" pitchFamily="34" charset="0"/>
+                <a:cs typeface="Arial" panose="020B0604020202020204" pitchFamily="34" charset="0"/>
+              </a:rPr>
+              <a:t> and the algorithm written with the </a:t>
+            </a:r>
+            <a:r>
+              <a:rPr lang="en-GB" sz="1800" u="sng" dirty="0">
+                <a:latin typeface="Arial" panose="020B0604020202020204" pitchFamily="34" charset="0"/>
+                <a:cs typeface="Arial" panose="020B0604020202020204" pitchFamily="34" charset="0"/>
+              </a:rPr>
+              <a:t>MLextend Library</a:t>
+            </a:r>
+            <a:r>
+              <a:rPr lang="en-GB" sz="1800" dirty="0">
+                <a:latin typeface="Arial" panose="020B0604020202020204" pitchFamily="34" charset="0"/>
+                <a:cs typeface="Arial" panose="020B0604020202020204" pitchFamily="34" charset="0"/>
+              </a:rPr>
+              <a:t>.   </a:t>
+            </a:r>
+          </a:p>
+          <a:p>
+            <a:r>
+              <a:rPr lang="en-GB" sz="1800" dirty="0">
+                <a:latin typeface="Arial" panose="020B0604020202020204" pitchFamily="34" charset="0"/>
+                <a:cs typeface="Arial" panose="020B0604020202020204" pitchFamily="34" charset="0"/>
+              </a:rPr>
+              <a:t>- </a:t>
+            </a:r>
+            <a:r>
+              <a:rPr lang="en-GB" sz="1800" b="1" i="1" dirty="0">
+                <a:latin typeface="Arial" panose="020B0604020202020204" pitchFamily="34" charset="0"/>
+                <a:cs typeface="Arial" panose="020B0604020202020204" pitchFamily="34" charset="0"/>
+              </a:rPr>
+              <a:t>Groceries</a:t>
+            </a:r>
+            <a:r>
+              <a:rPr lang="en-GB" sz="1800" i="1" dirty="0">
+                <a:latin typeface="Arial" panose="020B0604020202020204" pitchFamily="34" charset="0"/>
+                <a:cs typeface="Arial" panose="020B0604020202020204" pitchFamily="34" charset="0"/>
+              </a:rPr>
+              <a:t> </a:t>
+            </a:r>
+            <a:r>
+              <a:rPr lang="en-GB" sz="1800" dirty="0">
+                <a:latin typeface="Arial" panose="020B0604020202020204" pitchFamily="34" charset="0"/>
+                <a:cs typeface="Arial" panose="020B0604020202020204" pitchFamily="34" charset="0"/>
+              </a:rPr>
+              <a:t>– Much smaller dataset, no cleaning required, very simple to work with when building an Association Rules Mining algorithm</a:t>
+            </a:r>
+            <a:r>
               <a:rPr lang="en-GB" dirty="0"/>
-              <a:t>is one of many algorithms for Association Rules Mining, other popular examples are the Eclat Algorithm, OPUS Search and FP-growth algorithm. We chose to work with Apriori because it is a standard and simple method for association rules mining and is also the one we are most familiar with. </a:t>
-            </a:r>
-          </a:p>
-          <a:p>
-            <a:r>
-              <a:rPr lang="en-GB" i="1" dirty="0"/>
-              <a:t>- Online Retail – </a:t>
-            </a:r>
-            <a:r>
-              <a:rPr lang="en-GB" dirty="0"/>
-              <a:t>Used for both the algorithm written </a:t>
-            </a:r>
-            <a:r>
-              <a:rPr lang="en-GB" u="sng" dirty="0"/>
-              <a:t>from scratch</a:t>
-            </a:r>
-            <a:r>
-              <a:rPr lang="en-GB" dirty="0"/>
-              <a:t> and the algorithm written with the </a:t>
-            </a:r>
-            <a:r>
-              <a:rPr lang="en-GB" u="sng" dirty="0"/>
-              <a:t>MLextend Library</a:t>
-            </a:r>
-            <a:r>
-              <a:rPr lang="en-GB" dirty="0"/>
-              <a:t>.   </a:t>
-            </a:r>
-          </a:p>
-          <a:p>
-            <a:r>
-              <a:rPr lang="en-GB" dirty="0"/>
-              <a:t>- </a:t>
-            </a:r>
-            <a:r>
-              <a:rPr lang="en-GB" i="1" dirty="0"/>
-              <a:t>Groceries </a:t>
-            </a:r>
-            <a:r>
-              <a:rPr lang="en-GB" dirty="0"/>
-              <a:t>– Much smaller dataset, no cleaning required, very simple to work with when building an Association Rules Mining algorithm.</a:t>
-            </a:r>
-          </a:p>
-        </p:txBody>
+              <a:t>.</a:t>
+            </a:r>
+          </a:p>
+        </p:txBody>
+      </p:sp>
+      <p:sp>
+        <p:nvSpPr>
+          <p:cNvPr id="12" name="Rectangle 11">
+            <a:extLst>
+              <a:ext uri="{FF2B5EF4-FFF2-40B4-BE49-F238E27FC236}">
+                <a16:creationId xmlns:a16="http://schemas.microsoft.com/office/drawing/2014/main" id="{14552793-7DFF-4EC7-AC69-D34A75D01880}"/>
+              </a:ext>
+              <a:ext uri="{C183D7F6-B498-43B3-948B-1728B52AA6E4}">
+                <adec:decorative xmlns:adec="http://schemas.microsoft.com/office/drawing/2017/decorative" val="1"/>
+              </a:ext>
+            </a:extLst>
+          </p:cNvPr>
+          <p:cNvSpPr>
+            <a:spLocks noGrp="1" noRot="1" noChangeAspect="1" noMove="1" noResize="1" noEditPoints="1" noAdjustHandles="1" noChangeArrowheads="1" noChangeShapeType="1" noTextEdit="1"/>
+          </p:cNvSpPr>
+          <p:nvPr>
+            <p:extLst>
+              <p:ext uri="{386F3935-93C4-4BCD-93E2-E3B085C9AB24}">
+                <p16:designElem xmlns:p16="http://schemas.microsoft.com/office/powerpoint/2015/main" val="1"/>
+              </p:ext>
+            </p:extLst>
+          </p:nvPr>
+        </p:nvSpPr>
+        <p:spPr>
+          <a:xfrm>
+            <a:off x="0" y="6400800"/>
+            <a:ext cx="12192000" cy="457200"/>
+          </a:xfrm>
+          <a:prstGeom prst="rect">
+            <a:avLst/>
+          </a:prstGeom>
+          <a:solidFill>
+            <a:srgbClr val="262626"/>
+          </a:solidFill>
+          <a:ln>
+            <a:noFill/>
+          </a:ln>
+        </p:spPr>
+        <p:style>
+          <a:lnRef idx="2">
+            <a:schemeClr val="accent1">
+              <a:shade val="50000"/>
+            </a:schemeClr>
+          </a:lnRef>
+          <a:fillRef idx="1">
+            <a:schemeClr val="accent1"/>
+          </a:fillRef>
+          <a:effectRef idx="0">
+            <a:schemeClr val="accent1"/>
+          </a:effectRef>
+          <a:fontRef idx="minor">
+            <a:schemeClr val="lt1"/>
+          </a:fontRef>
+        </p:style>
       </p:sp>
     </p:spTree>
     <p:extLst>
@@ -5949,15 +8154,24 @@
               <a:buAutoNum type="arabicPeriod"/>
             </a:pPr>
             <a:r>
-              <a:rPr lang="en-GB" dirty="0"/>
+              <a:rPr lang="en-GB" sz="1800" dirty="0">
+                <a:latin typeface="Arial" panose="020B0604020202020204" pitchFamily="34" charset="0"/>
+                <a:cs typeface="Arial" panose="020B0604020202020204" pitchFamily="34" charset="0"/>
+              </a:rPr>
               <a:t>How many </a:t>
             </a:r>
             <a:r>
-              <a:rPr lang="en-GB" b="1" dirty="0"/>
+              <a:rPr lang="en-GB" sz="1800" b="1" dirty="0">
+                <a:latin typeface="Arial" panose="020B0604020202020204" pitchFamily="34" charset="0"/>
+                <a:cs typeface="Arial" panose="020B0604020202020204" pitchFamily="34" charset="0"/>
+              </a:rPr>
               <a:t>unique items</a:t>
             </a:r>
             <a:r>
-              <a:rPr lang="en-GB" dirty="0"/>
+              <a:rPr lang="en-GB" sz="1800" dirty="0">
+                <a:latin typeface="Arial" panose="020B0604020202020204" pitchFamily="34" charset="0"/>
+                <a:cs typeface="Arial" panose="020B0604020202020204" pitchFamily="34" charset="0"/>
+              </a:rPr>
               <a:t> are there?</a:t>
             </a:r>
           </a:p>
@@ -5967,11 +8181,17 @@
               <a:buAutoNum type="arabicPeriod"/>
             </a:pPr>
             <a:r>
-              <a:rPr lang="en-GB" dirty="0"/>
+              <a:rPr lang="en-GB" sz="1800" dirty="0">
+                <a:latin typeface="Arial" panose="020B0604020202020204" pitchFamily="34" charset="0"/>
+                <a:cs typeface="Arial" panose="020B0604020202020204" pitchFamily="34" charset="0"/>
+              </a:rPr>
               <a:t>Which items are very </a:t>
             </a:r>
             <a:r>
-              <a:rPr lang="en-GB" b="1" dirty="0"/>
+              <a:rPr lang="en-GB" sz="1800" b="1" dirty="0">
+                <a:latin typeface="Arial" panose="020B0604020202020204" pitchFamily="34" charset="0"/>
+                <a:cs typeface="Arial" panose="020B0604020202020204" pitchFamily="34" charset="0"/>
+              </a:rPr>
               <a:t>often bought together</a:t>
             </a:r>
           </a:p>
@@ -5981,23 +8201,38 @@
               <a:buAutoNum type="arabicPeriod"/>
             </a:pPr>
             <a:r>
-              <a:rPr lang="en-GB" dirty="0"/>
+              <a:rPr lang="en-GB" sz="1800" dirty="0">
+                <a:latin typeface="Arial" panose="020B0604020202020204" pitchFamily="34" charset="0"/>
+                <a:cs typeface="Arial" panose="020B0604020202020204" pitchFamily="34" charset="0"/>
+              </a:rPr>
               <a:t>Are there any </a:t>
             </a:r>
             <a:r>
-              <a:rPr lang="en-GB" b="1" dirty="0"/>
+              <a:rPr lang="en-GB" sz="1800" b="1" dirty="0">
+                <a:latin typeface="Arial" panose="020B0604020202020204" pitchFamily="34" charset="0"/>
+                <a:cs typeface="Arial" panose="020B0604020202020204" pitchFamily="34" charset="0"/>
+              </a:rPr>
               <a:t>associations</a:t>
             </a:r>
             <a:r>
-              <a:rPr lang="en-GB" dirty="0"/>
+              <a:rPr lang="en-GB" sz="1800" dirty="0">
+                <a:latin typeface="Arial" panose="020B0604020202020204" pitchFamily="34" charset="0"/>
+                <a:cs typeface="Arial" panose="020B0604020202020204" pitchFamily="34" charset="0"/>
+              </a:rPr>
               <a:t> in the dataset/s with </a:t>
             </a:r>
             <a:r>
-              <a:rPr lang="en-GB" b="1" dirty="0"/>
+              <a:rPr lang="en-GB" sz="1800" b="1" dirty="0">
+                <a:latin typeface="Arial" panose="020B0604020202020204" pitchFamily="34" charset="0"/>
+                <a:cs typeface="Arial" panose="020B0604020202020204" pitchFamily="34" charset="0"/>
+              </a:rPr>
               <a:t>high confidence</a:t>
             </a:r>
             <a:r>
-              <a:rPr lang="en-GB" dirty="0"/>
+              <a:rPr lang="en-GB" sz="1800" dirty="0">
+                <a:latin typeface="Arial" panose="020B0604020202020204" pitchFamily="34" charset="0"/>
+                <a:cs typeface="Arial" panose="020B0604020202020204" pitchFamily="34" charset="0"/>
+              </a:rPr>
               <a:t>?</a:t>
             </a:r>
           </a:p>
@@ -6007,15 +8242,24 @@
               <a:buAutoNum type="arabicPeriod"/>
             </a:pPr>
             <a:r>
-              <a:rPr lang="en-GB" dirty="0"/>
+              <a:rPr lang="en-GB" sz="1800" dirty="0">
+                <a:latin typeface="Arial" panose="020B0604020202020204" pitchFamily="34" charset="0"/>
+                <a:cs typeface="Arial" panose="020B0604020202020204" pitchFamily="34" charset="0"/>
+              </a:rPr>
               <a:t>How many association rules have </a:t>
             </a:r>
             <a:r>
-              <a:rPr lang="en-GB" b="1" dirty="0"/>
+              <a:rPr lang="en-GB" sz="1800" b="1" dirty="0">
+                <a:latin typeface="Arial" panose="020B0604020202020204" pitchFamily="34" charset="0"/>
+                <a:cs typeface="Arial" panose="020B0604020202020204" pitchFamily="34" charset="0"/>
+              </a:rPr>
               <a:t>high confidence</a:t>
             </a:r>
             <a:r>
-              <a:rPr lang="en-GB" dirty="0"/>
+              <a:rPr lang="en-GB" sz="1800" dirty="0">
+                <a:latin typeface="Arial" panose="020B0604020202020204" pitchFamily="34" charset="0"/>
+                <a:cs typeface="Arial" panose="020B0604020202020204" pitchFamily="34" charset="0"/>
+              </a:rPr>
               <a:t>?</a:t>
             </a:r>
           </a:p>
@@ -6291,7 +8535,7 @@
           </a:lstStyle>
           <a:p>
             <a:r>
-              <a:rPr lang="en-GB" dirty="0"/>
+              <a:rPr lang="en-GB" b="1" dirty="0"/>
               <a:t>Rules List</a:t>
             </a:r>
           </a:p>
@@ -6312,7 +8556,7 @@
           <p:nvPr/>
         </p:nvPicPr>
         <p:blipFill>
-          <a:blip r:embed="rId2"/>
+          <a:blip r:embed="rId3"/>
           <a:stretch>
             <a:fillRect/>
           </a:stretch>
@@ -6342,7 +8586,7 @@
           <p:nvPr/>
         </p:nvPicPr>
         <p:blipFill>
-          <a:blip r:embed="rId3"/>
+          <a:blip r:embed="rId4"/>
           <a:stretch>
             <a:fillRect/>
           </a:stretch>
@@ -6739,7 +8983,10 @@
             </a:lstStyle>
             <a:p>
               <a:r>
-                <a:rPr lang="en-GB" dirty="0"/>
+                <a:rPr lang="en-GB" sz="1800" dirty="0">
+                  <a:latin typeface="Arial" panose="020B0604020202020204" pitchFamily="34" charset="0"/>
+                  <a:cs typeface="Arial" panose="020B0604020202020204" pitchFamily="34" charset="0"/>
+                </a:rPr>
                 <a:t>Highest and Lowest Frequency Items</a:t>
               </a:r>
             </a:p>
@@ -6800,7 +9047,7 @@
         </p:spPr>
         <p:txBody>
           <a:bodyPr vert="horz" lIns="0" tIns="45720" rIns="0" bIns="45720" rtlCol="0">
-            <a:normAutofit/>
+            <a:normAutofit fontScale="92500" lnSpcReduction="20000"/>
           </a:bodyPr>
           <a:lstStyle>
             <a:lvl1pPr marL="91440" indent="-91440" algn="l" defTabSz="914400" rtl="0" eaLnBrk="1" latinLnBrk="0" hangingPunct="1">
@@ -7047,7 +9294,14 @@
             </a:pPr>
             <a:r>
               <a:rPr lang="en-GB" sz="1600" dirty="0"/>
-              <a:t>  169 unique items, with highest frequency 2513 for whole milk and lowest frequency – 1 for baby food. </a:t>
+              <a:t>  </a:t>
+            </a:r>
+            <a:r>
+              <a:rPr lang="en-GB" sz="1900" dirty="0">
+                <a:latin typeface="Arial" panose="020B0604020202020204" pitchFamily="34" charset="0"/>
+                <a:cs typeface="Arial" panose="020B0604020202020204" pitchFamily="34" charset="0"/>
+              </a:rPr>
+              <a:t>169 unique items, with highest frequency 2513 for whole milk and lowest frequency – 1 for baby food. </a:t>
             </a:r>
           </a:p>
           <a:p>
@@ -7056,9 +9310,54 @@
               <a:buChar char="Ø"/>
             </a:pPr>
             <a:r>
-              <a:rPr lang="en-GB" sz="1600" dirty="0"/>
+              <a:rPr lang="en-GB" sz="1900" dirty="0">
+                <a:latin typeface="Arial" panose="020B0604020202020204" pitchFamily="34" charset="0"/>
+                <a:cs typeface="Arial" panose="020B0604020202020204" pitchFamily="34" charset="0"/>
+              </a:rPr>
               <a:t>  When given 10% relative support and 10% confidence barrier, the lowest support that passes the boundary is 736, with 86 unique itemsets and 66 unique associations between them. </a:t>
             </a:r>
+          </a:p>
+        </p:txBody>
+      </p:sp>
+      <p:sp>
+        <p:nvSpPr>
+          <p:cNvPr id="3" name="TextBox 2">
+            <a:extLst>
+              <a:ext uri="{FF2B5EF4-FFF2-40B4-BE49-F238E27FC236}">
+                <a16:creationId xmlns:a16="http://schemas.microsoft.com/office/drawing/2014/main" id="{5E25AC29-0C9B-458A-9AB0-9470331E4BD5}"/>
+              </a:ext>
+            </a:extLst>
+          </p:cNvPr>
+          <p:cNvSpPr txBox="1"/>
+          <p:nvPr/>
+        </p:nvSpPr>
+        <p:spPr>
+          <a:xfrm>
+            <a:off x="7954281" y="4379566"/>
+            <a:ext cx="4237719" cy="646331"/>
+          </a:xfrm>
+          <a:prstGeom prst="rect">
+            <a:avLst/>
+          </a:prstGeom>
+          <a:noFill/>
+        </p:spPr>
+        <p:txBody>
+          <a:bodyPr wrap="square" rtlCol="0">
+            <a:spAutoFit/>
+          </a:bodyPr>
+          <a:lstStyle/>
+          <a:p>
+            <a:r>
+              <a:rPr lang="en-GB" b="1" dirty="0">
+                <a:latin typeface="Arial" panose="020B0604020202020204" pitchFamily="34" charset="0"/>
+                <a:cs typeface="Arial" panose="020B0604020202020204" pitchFamily="34" charset="0"/>
+              </a:rPr>
+              <a:t>Figure3: Grocery Shopping Association Rules</a:t>
+            </a:r>
+            <a:endParaRPr lang="en-GB" dirty="0">
+              <a:latin typeface="Arial" panose="020B0604020202020204" pitchFamily="34" charset="0"/>
+              <a:cs typeface="Arial" panose="020B0604020202020204" pitchFamily="34" charset="0"/>
+            </a:endParaRPr>
           </a:p>
         </p:txBody>
       </p:sp>
@@ -7078,6 +9377,14 @@
 <file path=ppt/slides/slide7.xml><?xml version="1.0" encoding="utf-8"?>
 <p:sld xmlns:a="http://schemas.openxmlformats.org/drawingml/2006/main" xmlns:r="http://schemas.openxmlformats.org/officeDocument/2006/relationships" xmlns:p="http://schemas.openxmlformats.org/presentationml/2006/main">
   <p:cSld>
+    <p:bg>
+      <p:bgPr>
+        <a:solidFill>
+          <a:schemeClr val="bg1"/>
+        </a:solidFill>
+        <a:effectLst/>
+      </p:bgPr>
+    </p:bg>
     <p:spTree>
       <p:nvGrpSpPr>
         <p:cNvPr id="1" name=""/>
@@ -7092,6 +9399,66 @@
           <a:chExt cx="0" cy="0"/>
         </a:xfrm>
       </p:grpSpPr>
+      <p:sp useBgFill="1">
+        <p:nvSpPr>
+          <p:cNvPr id="8" name="Rectangle 7">
+            <a:extLst>
+              <a:ext uri="{FF2B5EF4-FFF2-40B4-BE49-F238E27FC236}">
+                <a16:creationId xmlns:a16="http://schemas.microsoft.com/office/drawing/2014/main" id="{C8DD82D3-D002-45B0-B16A-82B3DA4EFDDB}"/>
+              </a:ext>
+              <a:ext uri="{C183D7F6-B498-43B3-948B-1728B52AA6E4}">
+                <adec:decorative xmlns:adec="http://schemas.microsoft.com/office/drawing/2017/decorative" val="1"/>
+              </a:ext>
+            </a:extLst>
+          </p:cNvPr>
+          <p:cNvSpPr>
+            <a:spLocks noGrp="1" noRot="1" noChangeAspect="1" noMove="1" noResize="1" noEditPoints="1" noAdjustHandles="1" noChangeArrowheads="1" noChangeShapeType="1" noTextEdit="1"/>
+          </p:cNvSpPr>
+          <p:nvPr>
+            <p:extLst>
+              <p:ext uri="{386F3935-93C4-4BCD-93E2-E3B085C9AB24}">
+                <p16:designElem xmlns:p16="http://schemas.microsoft.com/office/powerpoint/2015/main" val="1"/>
+              </p:ext>
+            </p:extLst>
+          </p:nvPr>
+        </p:nvSpPr>
+        <p:spPr>
+          <a:xfrm>
+            <a:off x="3048" y="0"/>
+            <a:ext cx="12188952" cy="6858000"/>
+          </a:xfrm>
+          <a:prstGeom prst="rect">
+            <a:avLst/>
+          </a:prstGeom>
+          <a:ln>
+            <a:noFill/>
+          </a:ln>
+        </p:spPr>
+        <p:style>
+          <a:lnRef idx="2">
+            <a:schemeClr val="accent1">
+              <a:shade val="50000"/>
+            </a:schemeClr>
+          </a:lnRef>
+          <a:fillRef idx="1">
+            <a:schemeClr val="accent1"/>
+          </a:fillRef>
+          <a:effectRef idx="0">
+            <a:schemeClr val="accent1"/>
+          </a:effectRef>
+          <a:fontRef idx="minor">
+            <a:schemeClr val="lt1"/>
+          </a:fontRef>
+        </p:style>
+        <p:txBody>
+          <a:bodyPr rtlCol="0" anchor="ctr"/>
+          <a:lstStyle/>
+          <a:p>
+            <a:pPr algn="ctr"/>
+            <a:endParaRPr lang="en-US"/>
+          </a:p>
+        </p:txBody>
+      </p:sp>
       <p:sp>
         <p:nvSpPr>
           <p:cNvPr id="2" name="Title 1">
@@ -7110,21 +9477,77 @@
         </p:nvSpPr>
         <p:spPr>
           <a:xfrm>
-            <a:off x="1097280" y="263529"/>
-            <a:ext cx="10058400" cy="1450757"/>
+            <a:off x="643468" y="643467"/>
+            <a:ext cx="3073550" cy="5126203"/>
           </a:xfrm>
         </p:spPr>
         <p:txBody>
-          <a:bodyPr/>
+          <a:bodyPr anchor="ctr">
+            <a:normAutofit/>
+          </a:bodyPr>
           <a:lstStyle/>
           <a:p>
-            <a:r>
-              <a:rPr lang="en-GB" b="1" dirty="0"/>
+            <a:pPr algn="r"/>
+            <a:r>
+              <a:rPr lang="en-GB" sz="4400" b="1" dirty="0"/>
               <a:t>Collaborative Filtering</a:t>
             </a:r>
           </a:p>
         </p:txBody>
       </p:sp>
+      <p:cxnSp>
+        <p:nvCxnSpPr>
+          <p:cNvPr id="10" name="Straight Connector 9">
+            <a:extLst>
+              <a:ext uri="{FF2B5EF4-FFF2-40B4-BE49-F238E27FC236}">
+                <a16:creationId xmlns:a16="http://schemas.microsoft.com/office/drawing/2014/main" id="{9F09C252-16FE-4557-AD6D-BB5CA773496C}"/>
+              </a:ext>
+              <a:ext uri="{C183D7F6-B498-43B3-948B-1728B52AA6E4}">
+                <adec:decorative xmlns:adec="http://schemas.microsoft.com/office/drawing/2017/decorative" val="1"/>
+              </a:ext>
+            </a:extLst>
+          </p:cNvPr>
+          <p:cNvCxnSpPr>
+            <a:cxnSpLocks noGrp="1" noRot="1" noChangeAspect="1" noMove="1" noResize="1" noEditPoints="1" noAdjustHandles="1" noChangeArrowheads="1" noChangeShapeType="1"/>
+          </p:cNvCxnSpPr>
+          <p:nvPr>
+            <p:extLst>
+              <p:ext uri="{386F3935-93C4-4BCD-93E2-E3B085C9AB24}">
+                <p16:designElem xmlns:p16="http://schemas.microsoft.com/office/powerpoint/2015/main" val="1"/>
+              </p:ext>
+            </p:extLst>
+          </p:nvPr>
+        </p:nvCxnSpPr>
+        <p:spPr>
+          <a:xfrm>
+            <a:off x="4042052" y="1778497"/>
+            <a:ext cx="0" cy="3200400"/>
+          </a:xfrm>
+          <a:prstGeom prst="line">
+            <a:avLst/>
+          </a:prstGeom>
+          <a:ln w="19050">
+            <a:solidFill>
+              <a:schemeClr val="tx1"/>
+            </a:solidFill>
+            <a:miter lim="800000"/>
+          </a:ln>
+        </p:spPr>
+        <p:style>
+          <a:lnRef idx="1">
+            <a:schemeClr val="accent1"/>
+          </a:lnRef>
+          <a:fillRef idx="0">
+            <a:schemeClr val="accent1"/>
+          </a:fillRef>
+          <a:effectRef idx="0">
+            <a:schemeClr val="accent1"/>
+          </a:effectRef>
+          <a:fontRef idx="minor">
+            <a:schemeClr val="tx1"/>
+          </a:fontRef>
+        </p:style>
+      </p:cxnSp>
       <p:sp>
         <p:nvSpPr>
           <p:cNvPr id="3" name="Content Placeholder 2">
@@ -7141,9 +9564,14 @@
             <p:ph idx="1"/>
           </p:nvPr>
         </p:nvSpPr>
-        <p:spPr/>
-        <p:txBody>
-          <a:bodyPr>
+        <p:spPr>
+          <a:xfrm>
+            <a:off x="4363786" y="621697"/>
+            <a:ext cx="6791894" cy="5147973"/>
+          </a:xfrm>
+        </p:spPr>
+        <p:txBody>
+          <a:bodyPr anchor="ctr">
             <a:normAutofit/>
           </a:bodyPr>
           <a:lstStyle/>
@@ -7176,41 +9604,63 @@
           </a:p>
           <a:p>
             <a:r>
-              <a:rPr lang="en-GB" b="1" dirty="0">
-                <a:hlinkClick r:id="rId2"/>
+              <a:rPr lang="en-GB" sz="1800" b="1" dirty="0">
+                <a:latin typeface="Arial" panose="020B0604020202020204" pitchFamily="34" charset="0"/>
+                <a:cs typeface="Arial" panose="020B0604020202020204" pitchFamily="34" charset="0"/>
+                <a:hlinkClick r:id="rId3"/>
               </a:rPr>
               <a:t>Surprise</a:t>
             </a:r>
             <a:r>
-              <a:rPr lang="en-GB" dirty="0"/>
-              <a:t> library has been developed to make recommendation based on Collaborative filtering to predict user rating for a movie, also Nearest neighbour it’s a popular </a:t>
-            </a:r>
-            <a:r>
-              <a:rPr lang="en-GB" dirty="0" err="1"/>
-              <a:t>approach.In</a:t>
-            </a:r>
-            <a:r>
-              <a:rPr lang="en-GB" dirty="0"/>
-              <a:t> this data set we used </a:t>
-            </a:r>
-            <a:r>
-              <a:rPr lang="en-GB" b="1" dirty="0">
-                <a:hlinkClick r:id="rId2"/>
+              <a:rPr lang="en-GB" dirty="0">
+                <a:latin typeface="Arial" panose="020B0604020202020204" pitchFamily="34" charset="0"/>
+                <a:cs typeface="Arial" panose="020B0604020202020204" pitchFamily="34" charset="0"/>
+              </a:rPr>
+              <a:t> </a:t>
+            </a:r>
+            <a:r>
+              <a:rPr lang="en-GB" sz="1800" dirty="0">
+                <a:latin typeface="Arial" panose="020B0604020202020204" pitchFamily="34" charset="0"/>
+                <a:cs typeface="Arial" panose="020B0604020202020204" pitchFamily="34" charset="0"/>
+              </a:rPr>
+              <a:t>library has been developed to make recommendation based on Collaborative filtering to predict user rating for a movie, also Nearest neighbour it’s a popular approach. In this data set we used </a:t>
+            </a:r>
+            <a:r>
+              <a:rPr lang="en-GB" sz="1800" b="1" dirty="0">
+                <a:latin typeface="Arial" panose="020B0604020202020204" pitchFamily="34" charset="0"/>
+                <a:cs typeface="Arial" panose="020B0604020202020204" pitchFamily="34" charset="0"/>
+                <a:hlinkClick r:id="rId3"/>
               </a:rPr>
               <a:t>Surprise</a:t>
             </a:r>
             <a:r>
-              <a:rPr lang="en-GB" dirty="0"/>
+              <a:rPr lang="en-GB" sz="1800" dirty="0">
+                <a:latin typeface="Arial" panose="020B0604020202020204" pitchFamily="34" charset="0"/>
+                <a:cs typeface="Arial" panose="020B0604020202020204" pitchFamily="34" charset="0"/>
+              </a:rPr>
               <a:t> library since it has default implementation for a variety of CF algorithms.</a:t>
             </a:r>
           </a:p>
           <a:p>
             <a:r>
-              <a:rPr lang="en-GB" i="1" dirty="0"/>
-              <a:t>- Movielands</a:t>
-            </a:r>
-            <a:r>
-              <a:rPr lang="en-GB" dirty="0"/>
+              <a:rPr lang="en-GB" sz="1800" i="1" dirty="0">
+                <a:latin typeface="Arial" panose="020B0604020202020204" pitchFamily="34" charset="0"/>
+                <a:cs typeface="Arial" panose="020B0604020202020204" pitchFamily="34" charset="0"/>
+              </a:rPr>
+              <a:t>- </a:t>
+            </a:r>
+            <a:r>
+              <a:rPr lang="en-GB" sz="1800" b="1" i="1" dirty="0">
+                <a:latin typeface="Arial" panose="020B0604020202020204" pitchFamily="34" charset="0"/>
+                <a:cs typeface="Arial" panose="020B0604020202020204" pitchFamily="34" charset="0"/>
+              </a:rPr>
+              <a:t>Movielands</a:t>
+            </a:r>
+            <a:r>
+              <a:rPr lang="en-GB" sz="1800" dirty="0">
+                <a:latin typeface="Arial" panose="020B0604020202020204" pitchFamily="34" charset="0"/>
+                <a:cs typeface="Arial" panose="020B0604020202020204" pitchFamily="34" charset="0"/>
+              </a:rPr>
               <a:t>: This dataset (ml-latest-small) describes 5-star rating a movie recommendation service. It contains 100836 ratings and 3683 tag applications across 9742 movies. These data were created by 610 users between March 29, 1996 and September 24, 2018. This dataset was generated on September 26, 2018.Users were selected at random for inclusion. All selected users had rated at least 20 movies. No demographic information is included. Each user is represented by an id, and no other information is provided.</a:t>
             </a:r>
           </a:p>
@@ -7218,6 +9668,61 @@
             <a:endParaRPr lang="en-GB" dirty="0"/>
           </a:p>
         </p:txBody>
+      </p:sp>
+      <p:sp>
+        <p:nvSpPr>
+          <p:cNvPr id="12" name="Rectangle 11">
+            <a:extLst>
+              <a:ext uri="{FF2B5EF4-FFF2-40B4-BE49-F238E27FC236}">
+                <a16:creationId xmlns:a16="http://schemas.microsoft.com/office/drawing/2014/main" id="{14552793-7DFF-4EC7-AC69-D34A75D01880}"/>
+              </a:ext>
+              <a:ext uri="{C183D7F6-B498-43B3-948B-1728B52AA6E4}">
+                <adec:decorative xmlns:adec="http://schemas.microsoft.com/office/drawing/2017/decorative" val="1"/>
+              </a:ext>
+            </a:extLst>
+          </p:cNvPr>
+          <p:cNvSpPr>
+            <a:spLocks noGrp="1" noRot="1" noChangeAspect="1" noMove="1" noResize="1" noEditPoints="1" noAdjustHandles="1" noChangeArrowheads="1" noChangeShapeType="1" noTextEdit="1"/>
+          </p:cNvSpPr>
+          <p:nvPr>
+            <p:extLst>
+              <p:ext uri="{386F3935-93C4-4BCD-93E2-E3B085C9AB24}">
+                <p16:designElem xmlns:p16="http://schemas.microsoft.com/office/powerpoint/2015/main" val="1"/>
+              </p:ext>
+            </p:extLst>
+          </p:nvPr>
+        </p:nvSpPr>
+        <p:spPr>
+          <a:xfrm>
+            <a:off x="0" y="6400800"/>
+            <a:ext cx="12192000" cy="457200"/>
+          </a:xfrm>
+          <a:prstGeom prst="rect">
+            <a:avLst/>
+          </a:prstGeom>
+          <a:solidFill>
+            <a:srgbClr val="262626"/>
+          </a:solidFill>
+          <a:ln>
+            <a:noFill/>
+          </a:ln>
+        </p:spPr>
+        <p:style>
+          <a:lnRef idx="2">
+            <a:schemeClr val="accent1">
+              <a:shade val="50000"/>
+            </a:schemeClr>
+          </a:lnRef>
+          <a:fillRef idx="1">
+            <a:schemeClr val="accent1"/>
+          </a:fillRef>
+          <a:effectRef idx="0">
+            <a:schemeClr val="accent1"/>
+          </a:effectRef>
+          <a:fontRef idx="minor">
+            <a:schemeClr val="lt1"/>
+          </a:fontRef>
+        </p:style>
       </p:sp>
     </p:spTree>
     <p:extLst>
@@ -7235,6 +9740,14 @@
 <file path=ppt/slides/slide8.xml><?xml version="1.0" encoding="utf-8"?>
 <p:sld xmlns:a="http://schemas.openxmlformats.org/drawingml/2006/main" xmlns:r="http://schemas.openxmlformats.org/officeDocument/2006/relationships" xmlns:p="http://schemas.openxmlformats.org/presentationml/2006/main">
   <p:cSld>
+    <p:bg>
+      <p:bgPr>
+        <a:solidFill>
+          <a:schemeClr val="bg1"/>
+        </a:solidFill>
+        <a:effectLst/>
+      </p:bgPr>
+    </p:bg>
     <p:spTree>
       <p:nvGrpSpPr>
         <p:cNvPr id="1" name=""/>
@@ -7249,6 +9762,66 @@
           <a:chExt cx="0" cy="0"/>
         </a:xfrm>
       </p:grpSpPr>
+      <p:sp useBgFill="1">
+        <p:nvSpPr>
+          <p:cNvPr id="17" name="Rectangle 16">
+            <a:extLst>
+              <a:ext uri="{FF2B5EF4-FFF2-40B4-BE49-F238E27FC236}">
+                <a16:creationId xmlns:a16="http://schemas.microsoft.com/office/drawing/2014/main" id="{C8DD82D3-D002-45B0-B16A-82B3DA4EFDDB}"/>
+              </a:ext>
+              <a:ext uri="{C183D7F6-B498-43B3-948B-1728B52AA6E4}">
+                <adec:decorative xmlns:adec="http://schemas.microsoft.com/office/drawing/2017/decorative" val="1"/>
+              </a:ext>
+            </a:extLst>
+          </p:cNvPr>
+          <p:cNvSpPr>
+            <a:spLocks noGrp="1" noRot="1" noChangeAspect="1" noMove="1" noResize="1" noEditPoints="1" noAdjustHandles="1" noChangeArrowheads="1" noChangeShapeType="1" noTextEdit="1"/>
+          </p:cNvSpPr>
+          <p:nvPr>
+            <p:extLst>
+              <p:ext uri="{386F3935-93C4-4BCD-93E2-E3B085C9AB24}">
+                <p16:designElem xmlns:p16="http://schemas.microsoft.com/office/powerpoint/2015/main" val="1"/>
+              </p:ext>
+            </p:extLst>
+          </p:nvPr>
+        </p:nvSpPr>
+        <p:spPr>
+          <a:xfrm>
+            <a:off x="3048" y="0"/>
+            <a:ext cx="12188952" cy="6858000"/>
+          </a:xfrm>
+          <a:prstGeom prst="rect">
+            <a:avLst/>
+          </a:prstGeom>
+          <a:ln>
+            <a:noFill/>
+          </a:ln>
+        </p:spPr>
+        <p:style>
+          <a:lnRef idx="2">
+            <a:schemeClr val="accent1">
+              <a:shade val="50000"/>
+            </a:schemeClr>
+          </a:lnRef>
+          <a:fillRef idx="1">
+            <a:schemeClr val="accent1"/>
+          </a:fillRef>
+          <a:effectRef idx="0">
+            <a:schemeClr val="accent1"/>
+          </a:effectRef>
+          <a:fontRef idx="minor">
+            <a:schemeClr val="lt1"/>
+          </a:fontRef>
+        </p:style>
+        <p:txBody>
+          <a:bodyPr rtlCol="0" anchor="ctr"/>
+          <a:lstStyle/>
+          <a:p>
+            <a:pPr algn="ctr"/>
+            <a:endParaRPr lang="en-US"/>
+          </a:p>
+        </p:txBody>
+      </p:sp>
       <p:sp>
         <p:nvSpPr>
           <p:cNvPr id="2" name="Title 1">
@@ -7265,11 +9838,19 @@
             <p:ph type="title"/>
           </p:nvPr>
         </p:nvSpPr>
-        <p:spPr/>
-        <p:txBody>
-          <a:bodyPr/>
+        <p:spPr>
+          <a:xfrm>
+            <a:off x="643468" y="643467"/>
+            <a:ext cx="3073550" cy="5126203"/>
+          </a:xfrm>
+        </p:spPr>
+        <p:txBody>
+          <a:bodyPr anchor="ctr">
+            <a:normAutofit/>
+          </a:bodyPr>
           <a:lstStyle/>
           <a:p>
+            <a:pPr algn="r"/>
             <a:r>
               <a:rPr lang="en-GB" b="1" dirty="0"/>
               <a:t>Questions</a:t>
@@ -7277,6 +9858,59 @@
           </a:p>
         </p:txBody>
       </p:sp>
+      <p:cxnSp>
+        <p:nvCxnSpPr>
+          <p:cNvPr id="19" name="Straight Connector 18">
+            <a:extLst>
+              <a:ext uri="{FF2B5EF4-FFF2-40B4-BE49-F238E27FC236}">
+                <a16:creationId xmlns:a16="http://schemas.microsoft.com/office/drawing/2014/main" id="{9F09C252-16FE-4557-AD6D-BB5CA773496C}"/>
+              </a:ext>
+              <a:ext uri="{C183D7F6-B498-43B3-948B-1728B52AA6E4}">
+                <adec:decorative xmlns:adec="http://schemas.microsoft.com/office/drawing/2017/decorative" val="1"/>
+              </a:ext>
+            </a:extLst>
+          </p:cNvPr>
+          <p:cNvCxnSpPr>
+            <a:cxnSpLocks noGrp="1" noRot="1" noChangeAspect="1" noMove="1" noResize="1" noEditPoints="1" noAdjustHandles="1" noChangeArrowheads="1" noChangeShapeType="1"/>
+          </p:cNvCxnSpPr>
+          <p:nvPr>
+            <p:extLst>
+              <p:ext uri="{386F3935-93C4-4BCD-93E2-E3B085C9AB24}">
+                <p16:designElem xmlns:p16="http://schemas.microsoft.com/office/powerpoint/2015/main" val="1"/>
+              </p:ext>
+            </p:extLst>
+          </p:nvPr>
+        </p:nvCxnSpPr>
+        <p:spPr>
+          <a:xfrm>
+            <a:off x="4042052" y="1778497"/>
+            <a:ext cx="0" cy="3200400"/>
+          </a:xfrm>
+          <a:prstGeom prst="line">
+            <a:avLst/>
+          </a:prstGeom>
+          <a:ln w="19050">
+            <a:solidFill>
+              <a:schemeClr val="tx1"/>
+            </a:solidFill>
+            <a:miter lim="800000"/>
+          </a:ln>
+        </p:spPr>
+        <p:style>
+          <a:lnRef idx="1">
+            <a:schemeClr val="accent1"/>
+          </a:lnRef>
+          <a:fillRef idx="0">
+            <a:schemeClr val="accent1"/>
+          </a:fillRef>
+          <a:effectRef idx="0">
+            <a:schemeClr val="accent1"/>
+          </a:effectRef>
+          <a:fontRef idx="minor">
+            <a:schemeClr val="tx1"/>
+          </a:fontRef>
+        </p:style>
+      </p:cxnSp>
       <p:sp>
         <p:nvSpPr>
           <p:cNvPr id="3" name="Content Placeholder 2">
@@ -7293,9 +9927,16 @@
             <p:ph idx="1"/>
           </p:nvPr>
         </p:nvSpPr>
-        <p:spPr/>
-        <p:txBody>
-          <a:bodyPr/>
+        <p:spPr>
+          <a:xfrm>
+            <a:off x="4363786" y="621697"/>
+            <a:ext cx="6791894" cy="5147973"/>
+          </a:xfrm>
+        </p:spPr>
+        <p:txBody>
+          <a:bodyPr anchor="ctr">
+            <a:normAutofit/>
+          </a:bodyPr>
           <a:lstStyle/>
           <a:p>
             <a:pPr marL="457200" indent="-457200">
@@ -7303,7 +9944,10 @@
               <a:buAutoNum type="arabicPeriod"/>
             </a:pPr>
             <a:r>
-              <a:rPr lang="en-GB" dirty="0"/>
+              <a:rPr lang="en-GB" sz="1800" dirty="0">
+                <a:latin typeface="Arial" panose="020B0604020202020204" pitchFamily="34" charset="0"/>
+                <a:cs typeface="Arial" panose="020B0604020202020204" pitchFamily="34" charset="0"/>
+              </a:rPr>
               <a:t>Find the average rating and number of ratings for the movie?</a:t>
             </a:r>
           </a:p>
@@ -7313,7 +9957,10 @@
               <a:buAutoNum type="arabicPeriod"/>
             </a:pPr>
             <a:r>
-              <a:rPr lang="en-GB" dirty="0"/>
+              <a:rPr lang="en-GB" sz="1800" dirty="0">
+                <a:latin typeface="Arial" panose="020B0604020202020204" pitchFamily="34" charset="0"/>
+                <a:cs typeface="Arial" panose="020B0604020202020204" pitchFamily="34" charset="0"/>
+              </a:rPr>
               <a:t>Find the predicted rating?</a:t>
             </a:r>
           </a:p>
@@ -7321,6 +9968,61 @@
             <a:endParaRPr lang="en-GB" dirty="0"/>
           </a:p>
         </p:txBody>
+      </p:sp>
+      <p:sp>
+        <p:nvSpPr>
+          <p:cNvPr id="21" name="Rectangle 20">
+            <a:extLst>
+              <a:ext uri="{FF2B5EF4-FFF2-40B4-BE49-F238E27FC236}">
+                <a16:creationId xmlns:a16="http://schemas.microsoft.com/office/drawing/2014/main" id="{14552793-7DFF-4EC7-AC69-D34A75D01880}"/>
+              </a:ext>
+              <a:ext uri="{C183D7F6-B498-43B3-948B-1728B52AA6E4}">
+                <adec:decorative xmlns:adec="http://schemas.microsoft.com/office/drawing/2017/decorative" val="1"/>
+              </a:ext>
+            </a:extLst>
+          </p:cNvPr>
+          <p:cNvSpPr>
+            <a:spLocks noGrp="1" noRot="1" noChangeAspect="1" noMove="1" noResize="1" noEditPoints="1" noAdjustHandles="1" noChangeArrowheads="1" noChangeShapeType="1" noTextEdit="1"/>
+          </p:cNvSpPr>
+          <p:nvPr>
+            <p:extLst>
+              <p:ext uri="{386F3935-93C4-4BCD-93E2-E3B085C9AB24}">
+                <p16:designElem xmlns:p16="http://schemas.microsoft.com/office/powerpoint/2015/main" val="1"/>
+              </p:ext>
+            </p:extLst>
+          </p:nvPr>
+        </p:nvSpPr>
+        <p:spPr>
+          <a:xfrm>
+            <a:off x="0" y="6400800"/>
+            <a:ext cx="12192000" cy="457200"/>
+          </a:xfrm>
+          <a:prstGeom prst="rect">
+            <a:avLst/>
+          </a:prstGeom>
+          <a:solidFill>
+            <a:srgbClr val="262626"/>
+          </a:solidFill>
+          <a:ln>
+            <a:noFill/>
+          </a:ln>
+        </p:spPr>
+        <p:style>
+          <a:lnRef idx="2">
+            <a:schemeClr val="accent1">
+              <a:shade val="50000"/>
+            </a:schemeClr>
+          </a:lnRef>
+          <a:fillRef idx="1">
+            <a:schemeClr val="accent1"/>
+          </a:fillRef>
+          <a:effectRef idx="0">
+            <a:schemeClr val="accent1"/>
+          </a:effectRef>
+          <a:fontRef idx="minor">
+            <a:schemeClr val="lt1"/>
+          </a:fontRef>
+        </p:style>
       </p:sp>
     </p:spTree>
     <p:extLst>
@@ -7398,19 +10100,23 @@
         </p:nvSpPr>
         <p:spPr>
           <a:xfrm>
-            <a:off x="1097280" y="1941343"/>
-            <a:ext cx="4639736" cy="450166"/>
+            <a:off x="1097280" y="5312656"/>
+            <a:ext cx="4639736" cy="801857"/>
           </a:xfrm>
         </p:spPr>
         <p:txBody>
           <a:bodyPr>
-            <a:normAutofit/>
+            <a:normAutofit fontScale="92500" lnSpcReduction="20000"/>
           </a:bodyPr>
           <a:lstStyle/>
           <a:p>
-            <a:r>
-              <a:rPr lang="en-GB" dirty="0"/>
-              <a:t>average ratings.</a:t>
+            <a:pPr algn="ctr"/>
+            <a:r>
+              <a:rPr lang="en-GB" sz="1800" b="1" dirty="0">
+                <a:latin typeface="Arial" panose="020B0604020202020204" pitchFamily="34" charset="0"/>
+                <a:cs typeface="Arial" panose="020B0604020202020204" pitchFamily="34" charset="0"/>
+              </a:rPr>
+              <a:t>Figure4: average ratings</a:t>
             </a:r>
           </a:p>
         </p:txBody>
@@ -7433,19 +10139,22 @@
         </p:nvSpPr>
         <p:spPr>
           <a:xfrm>
-            <a:off x="6515944" y="2067951"/>
+            <a:off x="6515944" y="5769540"/>
             <a:ext cx="4639736" cy="801857"/>
           </a:xfrm>
         </p:spPr>
         <p:txBody>
           <a:bodyPr>
-            <a:normAutofit/>
+            <a:normAutofit fontScale="92500" lnSpcReduction="20000"/>
           </a:bodyPr>
           <a:lstStyle/>
           <a:p>
             <a:r>
-              <a:rPr lang="en-GB" dirty="0"/>
-              <a:t>number of ratings represented by the "rating_counts</a:t>
+              <a:rPr lang="en-GB" sz="1800" b="1" dirty="0">
+                <a:latin typeface="Arial" panose="020B0604020202020204" pitchFamily="34" charset="0"/>
+                <a:cs typeface="Arial" panose="020B0604020202020204" pitchFamily="34" charset="0"/>
+              </a:rPr>
+              <a:t>Figure5: number of ratings represented by the "rating_counts</a:t>
             </a:r>
           </a:p>
           <a:p>
@@ -7470,14 +10179,14 @@
           </p:nvPr>
         </p:nvPicPr>
         <p:blipFill>
-          <a:blip r:embed="rId2"/>
+          <a:blip r:embed="rId3"/>
           <a:stretch>
             <a:fillRect/>
           </a:stretch>
         </p:blipFill>
         <p:spPr>
           <a:xfrm>
-            <a:off x="1097280" y="2574389"/>
+            <a:off x="1119560" y="2067951"/>
             <a:ext cx="4639736" cy="3474720"/>
           </a:xfrm>
           <a:prstGeom prst="rect">
@@ -7502,14 +10211,14 @@
           </p:nvPr>
         </p:nvPicPr>
         <p:blipFill>
-          <a:blip r:embed="rId3"/>
+          <a:blip r:embed="rId4"/>
           <a:stretch>
             <a:fillRect/>
           </a:stretch>
         </p:blipFill>
         <p:spPr>
           <a:xfrm>
-            <a:off x="6515944" y="2574389"/>
+            <a:off x="6515944" y="2067951"/>
             <a:ext cx="4639736" cy="3474720"/>
           </a:xfrm>
           <a:prstGeom prst="rect">
